--- a/lectures3/Pythonlearn-10-Tuples.pptx
+++ b/lectures3/Pythonlearn-10-Tuples.pptx
@@ -23,7 +23,7 @@
     <p:sldId id="268" r:id="rId14"/>
     <p:sldId id="269" r:id="rId15"/>
     <p:sldId id="270" r:id="rId16"/>
-    <p:sldId id="271" r:id="rId17"/>
+    <p:sldId id="315" r:id="rId17"/>
   </p:sldIdLst>
   <p:sldSz cx="16256000" cy="9144000"/>
   <p:notesSz cx="6858000" cy="9144000"/>
@@ -577,38 +577,14 @@
               <a:buNone/>
             </a:pPr>
             <a:r>
-              <a:rPr lang="en-US" sz="1100" b="0" i="0" u="none" strike="noStrike" cap="none" dirty="0">
+              <a:rPr lang="pl" sz="1100" b="0" i="0" u="none" strike="noStrike" cap="none" baseline="0">
                 <a:solidFill>
                   <a:schemeClr val="dk2"/>
                 </a:solidFill>
               </a:rPr>
-              <a:t>Note from Chuck.  If you are using these materials, you can remove the UM logo and replace it with your own, but please retain the CC-BY logo on the first page as well as retain the </a:t>
-            </a:r>
-            <a:r>
-              <a:rPr lang="en-US" sz="1100" b="0" i="0" u="none" strike="noStrike" cap="none" dirty="0" smtClean="0">
-                <a:solidFill>
-                  <a:schemeClr val="dk2"/>
-                </a:solidFill>
-              </a:rPr>
-              <a:t>acknowledgement</a:t>
-            </a:r>
-            <a:r>
-              <a:rPr lang="en-US" sz="1100" b="0" i="0" u="none" strike="noStrike" cap="none" baseline="0" dirty="0" smtClean="0">
-                <a:solidFill>
-                  <a:schemeClr val="dk2"/>
-                </a:solidFill>
-              </a:rPr>
-              <a:t> </a:t>
-            </a:r>
-            <a:r>
-              <a:rPr lang="en-US" sz="1100" b="0" i="0" u="none" strike="noStrike" cap="none" dirty="0" smtClean="0">
-                <a:solidFill>
-                  <a:schemeClr val="dk2"/>
-                </a:solidFill>
-              </a:rPr>
-              <a:t>page(s) at the end.</a:t>
-            </a:r>
-            <a:endParaRPr lang="en-US" sz="1100" b="0" i="0" u="none" strike="noStrike" cap="none" dirty="0">
+              <a:t>Notka od Chucka  Używając tych materiałów masz prawo usunąć logo UM i zastąpić je własnym ale zostaw proszę logo CC-BY na pierwszej stronie oraz strony z podziękowaniami dla współtwórców.</a:t>
+            </a:r>
+            <a:endParaRPr lang="pl" sz="1100" b="0" i="0" u="none" strike="noStrike" cap="none" dirty="0">
               <a:solidFill>
                 <a:schemeClr val="dk2"/>
               </a:solidFill>
@@ -1417,7 +1393,7 @@
   <p:cSld>
     <p:spTree>
       <p:nvGrpSpPr>
-        <p:cNvPr id="1" name="Shape 268"/>
+        <p:cNvPr id="1" name="Shape 790"/>
         <p:cNvGrpSpPr/>
         <p:nvPr/>
       </p:nvGrpSpPr>
@@ -1431,7 +1407,7 @@
       </p:grpSpPr>
       <p:sp>
         <p:nvSpPr>
-          <p:cNvPr id="269" name="Shape 269"/>
+          <p:cNvPr id="791" name="Shape 791"/>
           <p:cNvSpPr>
             <a:spLocks noGrp="1" noRot="1" noChangeAspect="1"/>
           </p:cNvSpPr>
@@ -1468,21 +1444,11 @@
               </a:path>
             </a:pathLst>
           </a:custGeom>
-          <a:noFill/>
-          <a:ln w="9525" cap="flat" cmpd="sng">
-            <a:solidFill>
-              <a:srgbClr val="000000"/>
-            </a:solidFill>
-            <a:prstDash val="solid"/>
-            <a:round/>
-            <a:headEnd type="none" w="med" len="med"/>
-            <a:tailEnd type="none" w="med" len="med"/>
-          </a:ln>
         </p:spPr>
       </p:sp>
       <p:sp>
         <p:nvSpPr>
-          <p:cNvPr id="270" name="Shape 270"/>
+          <p:cNvPr id="792" name="Shape 792"/>
           <p:cNvSpPr txBox="1">
             <a:spLocks noGrp="1"/>
           </p:cNvSpPr>
@@ -1498,10 +1464,6 @@
           <a:prstGeom prst="rect">
             <a:avLst/>
           </a:prstGeom>
-          <a:noFill/>
-          <a:ln>
-            <a:noFill/>
-          </a:ln>
         </p:spPr>
         <p:txBody>
           <a:bodyPr lIns="91425" tIns="91425" rIns="91425" bIns="91425" anchor="ctr" anchorCtr="0">
@@ -1509,22 +1471,20 @@
           </a:bodyPr>
           <a:lstStyle/>
           <a:p>
-            <a:pPr marL="0" marR="0" lvl="0" indent="0" algn="l" rtl="0">
-              <a:spcBef>
-                <a:spcPts val="0"/>
-              </a:spcBef>
-              <a:buSzPct val="25000"/>
-              <a:buFont typeface="Arial"/>
-              <a:buNone/>
-            </a:pPr>
-            <a:endParaRPr sz="1100" b="0" i="0" u="none" strike="noStrike" cap="none"/>
+            <a:pPr lvl="0" algn="l" rtl="0">
+              <a:spcBef>
+                <a:spcPts val="0"/>
+              </a:spcBef>
+              <a:buNone/>
+            </a:pPr>
+            <a:endParaRPr/>
           </a:p>
         </p:txBody>
       </p:sp>
     </p:spTree>
     <p:extLst>
       <p:ext uri="{BB962C8B-B14F-4D97-AF65-F5344CB8AC3E}">
-        <p14:creationId xmlns:p14="http://schemas.microsoft.com/office/powerpoint/2010/main" val="61249727"/>
+        <p14:creationId xmlns:p14="http://schemas.microsoft.com/office/powerpoint/2010/main" val="2131954588"/>
       </p:ext>
     </p:extLst>
   </p:cSld>
@@ -3995,7 +3955,6 @@
           <a:ln>
             <a:noFill/>
           </a:ln>
-          <a:extLst/>
         </p:spPr>
         <p:txBody>
           <a:bodyPr/>
@@ -4119,7 +4078,7 @@
             <a:pPr eaLnBrk="1" hangingPunct="1">
               <a:defRPr/>
             </a:pPr>
-            <a:endParaRPr lang="en-US" altLang="en-US" sz="3600" smtClean="0"/>
+            <a:endParaRPr lang="en-US" altLang="en-US" sz="3600"/>
           </a:p>
         </p:txBody>
       </p:sp>
@@ -4145,7 +4104,6 @@
           <a:ln>
             <a:noFill/>
           </a:ln>
-          <a:extLst/>
         </p:spPr>
         <p:txBody>
           <a:bodyPr/>
@@ -4269,7 +4227,7 @@
             <a:pPr eaLnBrk="1" hangingPunct="1">
               <a:defRPr/>
             </a:pPr>
-            <a:endParaRPr lang="en-US" altLang="en-US" sz="3600" smtClean="0"/>
+            <a:endParaRPr lang="en-US" altLang="en-US" sz="3600"/>
           </a:p>
         </p:txBody>
       </p:sp>
@@ -4786,7 +4744,7 @@
               <a:buNone/>
             </a:pPr>
             <a:r>
-              <a:rPr lang="en-US" sz="7600" u="none" strike="noStrike" cap="none">
+              <a:rPr lang="pl" sz="7600" b="0" i="0" u="none" strike="noStrike" cap="none" baseline="0">
                 <a:solidFill>
                   <a:srgbClr val="FFD966"/>
                 </a:solidFill>
@@ -4795,7 +4753,7 @@
                 <a:cs typeface="Arial" charset="0"/>
                 <a:sym typeface="Cabin"/>
               </a:rPr>
-              <a:t>Tuples</a:t>
+              <a:t>Krotki</a:t>
             </a:r>
           </a:p>
         </p:txBody>
@@ -4843,7 +4801,7 @@
               <a:buNone/>
             </a:pPr>
             <a:r>
-              <a:rPr lang="en-US" sz="4800" u="none" strike="noStrike" cap="none">
+              <a:rPr lang="pl" sz="4800" b="0" i="0" u="none" strike="noStrike" cap="none" baseline="0">
                 <a:solidFill>
                   <a:schemeClr val="lt1"/>
                 </a:solidFill>
@@ -4852,7 +4810,7 @@
                 <a:cs typeface="Arial" charset="0"/>
                 <a:sym typeface="Cabin"/>
               </a:rPr>
-              <a:t>Chapter 10</a:t>
+              <a:t>Rozdział 10</a:t>
             </a:r>
           </a:p>
         </p:txBody>
@@ -4900,7 +4858,7 @@
               <a:buNone/>
             </a:pPr>
             <a:r>
-              <a:rPr lang="en-US" sz="3200" u="none" strike="noStrike" cap="none" dirty="0" smtClean="0">
+              <a:rPr lang="pl" sz="3200" b="0" i="0" u="none" strike="noStrike" cap="none" baseline="0">
                 <a:solidFill>
                   <a:srgbClr val="FFFF00"/>
                 </a:solidFill>
@@ -4909,7 +4867,7 @@
                 <a:cs typeface="Arial" charset="0"/>
                 <a:sym typeface="Cabin"/>
               </a:rPr>
-              <a:t>Python for Everybody</a:t>
+              <a:t>Python dla wszystkich</a:t>
             </a:r>
           </a:p>
           <a:p>
@@ -4931,7 +4889,7 @@
               <a:buNone/>
             </a:pPr>
             <a:r>
-              <a:rPr lang="en-US" sz="3200" dirty="0" smtClean="0">
+              <a:rPr lang="pl" sz="3200" b="0" i="0" u="none" baseline="0">
                 <a:solidFill>
                   <a:srgbClr val="FFFF00"/>
                 </a:solidFill>
@@ -4943,7 +4901,7 @@
               </a:rPr>
               <a:t>www.py4e.com</a:t>
             </a:r>
-            <a:endParaRPr lang="en-US" sz="3200" u="sng" strike="noStrike" cap="none" dirty="0">
+            <a:endParaRPr lang="pl" sz="3200" u="sng" strike="noStrike" cap="none" dirty="0">
               <a:solidFill>
                 <a:schemeClr val="hlink"/>
               </a:solidFill>
@@ -5015,13 +4973,6 @@
   <p:clrMapOvr>
     <a:masterClrMapping/>
   </p:clrMapOvr>
-  <p:timing>
-    <p:tnLst>
-      <p:par>
-        <p:cTn id="1" dur="indefinite" restart="never" nodeType="tmRoot"/>
-      </p:par>
-    </p:tnLst>
-  </p:timing>
 </p:sld>
 </file>
 
@@ -5085,7 +5036,7 @@
               <a:buNone/>
             </a:pPr>
             <a:r>
-              <a:rPr lang="en-US" sz="7800" u="none" strike="noStrike" cap="none" dirty="0">
+              <a:rPr lang="pl" sz="7800" b="0" i="0" u="none" strike="noStrike" cap="none" baseline="0">
                 <a:solidFill>
                   <a:srgbClr val="FFD966"/>
                 </a:solidFill>
@@ -5094,7 +5045,7 @@
                 <a:cs typeface="Arial" charset="0"/>
                 <a:sym typeface="Cabin"/>
               </a:rPr>
-              <a:t>Sorting Lists of Tuples</a:t>
+              <a:t>Sortowanie list krotek</a:t>
             </a:r>
           </a:p>
         </p:txBody>
@@ -5146,7 +5097,7 @@
               <a:buChar char="•"/>
             </a:pPr>
             <a:r>
-              <a:rPr lang="en-US" sz="3600" u="none" strike="noStrike" cap="none" dirty="0">
+              <a:rPr lang="pl" sz="3600" b="0" i="0" u="none" strike="noStrike" cap="none" baseline="0" dirty="0">
                 <a:solidFill>
                   <a:schemeClr val="lt1"/>
                 </a:solidFill>
@@ -5155,10 +5106,10 @@
                 <a:cs typeface="Arial" charset="0"/>
                 <a:sym typeface="Cabin"/>
               </a:rPr>
-              <a:t>We can take advantage of the ability to sort a list of </a:t>
-            </a:r>
-            <a:r>
-              <a:rPr lang="en-US" sz="3600" u="none" strike="noStrike" cap="none" dirty="0">
+              <a:t>Możemy wykorzystać możliwość sortowania listy </a:t>
+            </a:r>
+            <a:r>
+              <a:rPr lang="pl" sz="3600" b="0" i="0" u="none" strike="noStrike" cap="none" baseline="0" dirty="0">
                 <a:solidFill>
                   <a:srgbClr val="FF7F00"/>
                 </a:solidFill>
@@ -5167,41 +5118,22 @@
                 <a:cs typeface="Arial" charset="0"/>
                 <a:sym typeface="Cabin"/>
               </a:rPr>
-              <a:t>tuples</a:t>
-            </a:r>
-            <a:r>
-              <a:rPr lang="en-US" sz="3600" u="none" strike="noStrike" cap="none" dirty="0">
-                <a:solidFill>
-                  <a:schemeClr val="lt1"/>
+              <a:t>krotek</a:t>
+            </a:r>
+            <a:r>
+              <a:rPr lang="pl" sz="3600" b="0" i="0" u="none" strike="noStrike" cap="none" baseline="0" dirty="0">
+                <a:solidFill>
+                  <a:schemeClr val="bg1"/>
                 </a:solidFill>
                 <a:latin typeface="Arial" charset="0"/>
                 <a:ea typeface="Arial" charset="0"/>
                 <a:cs typeface="Arial" charset="0"/>
                 <a:sym typeface="Cabin"/>
               </a:rPr>
-              <a:t> to get a sorted version of a dictionary</a:t>
-            </a:r>
-          </a:p>
-          <a:p>
-            <a:pPr marL="1104900" marR="0" lvl="0" indent="-609600" algn="l" rtl="0">
-              <a:lnSpc>
-                <a:spcPct val="100000"/>
-              </a:lnSpc>
-              <a:spcBef>
-                <a:spcPts val="2300"/>
-              </a:spcBef>
-              <a:spcAft>
-                <a:spcPts val="0"/>
-              </a:spcAft>
-              <a:buClr>
-                <a:schemeClr val="lt1"/>
-              </a:buClr>
-              <a:buSzPct val="100000"/>
-              <a:buFont typeface="Cabin"/>
-              <a:buChar char="•"/>
-            </a:pPr>
-            <a:r>
-              <a:rPr lang="en-US" sz="3600" u="none" strike="noStrike" cap="none" dirty="0">
+              <a:t>,</a:t>
+            </a:r>
+            <a:r>
+              <a:rPr lang="pl" sz="3600" b="0" i="0" u="none" strike="noStrike" cap="none" baseline="0" dirty="0">
                 <a:solidFill>
                   <a:schemeClr val="lt1"/>
                 </a:solidFill>
@@ -5210,34 +5142,53 @@
                 <a:cs typeface="Arial" charset="0"/>
                 <a:sym typeface="Cabin"/>
               </a:rPr>
-              <a:t>First we sort the dictionary by the key using the </a:t>
-            </a:r>
-            <a:r>
-              <a:rPr lang="en-US" sz="3600" u="none" strike="noStrike" cap="none" dirty="0">
-                <a:solidFill>
-                  <a:srgbClr val="FF00FF"/>
+              <a:t> żeby uzyskać posortowaną wersję słownika</a:t>
+            </a:r>
+          </a:p>
+          <a:p>
+            <a:pPr marL="1104900" marR="0" lvl="0" indent="-609600" algn="l" rtl="0">
+              <a:lnSpc>
+                <a:spcPct val="100000"/>
+              </a:lnSpc>
+              <a:spcBef>
+                <a:spcPts val="2300"/>
+              </a:spcBef>
+              <a:spcAft>
+                <a:spcPts val="0"/>
+              </a:spcAft>
+              <a:buClr>
+                <a:schemeClr val="lt1"/>
+              </a:buClr>
+              <a:buSzPct val="100000"/>
+              <a:buFont typeface="Cabin"/>
+              <a:buChar char="•"/>
+            </a:pPr>
+            <a:r>
+              <a:rPr lang="pl" sz="3600" b="0" i="0" u="none" strike="noStrike" cap="none" baseline="0" dirty="0">
+                <a:solidFill>
+                  <a:schemeClr val="lt1"/>
                 </a:solidFill>
                 <a:latin typeface="Arial" charset="0"/>
                 <a:ea typeface="Arial" charset="0"/>
                 <a:cs typeface="Arial" charset="0"/>
                 <a:sym typeface="Cabin"/>
               </a:rPr>
-              <a:t>items</a:t>
-            </a:r>
-            <a:r>
-              <a:rPr lang="en-US" sz="3600" u="none" strike="noStrike" cap="none" dirty="0">
-                <a:solidFill>
-                  <a:schemeClr val="lt1"/>
+              <a:t>Najpierw sortujemy słownik według klucza, używając metody </a:t>
+            </a:r>
+            <a:r>
+              <a:rPr lang="pl" sz="3600" b="0" i="0" u="none" strike="noStrike" cap="none" baseline="0" dirty="0">
+                <a:solidFill>
+                  <a:srgbClr val="FF00FF"/>
                 </a:solidFill>
                 <a:latin typeface="Arial" charset="0"/>
                 <a:ea typeface="Arial" charset="0"/>
                 <a:cs typeface="Arial" charset="0"/>
                 <a:sym typeface="Cabin"/>
               </a:rPr>
-              <a:t>() </a:t>
-            </a:r>
-            <a:r>
-              <a:rPr lang="en-US" sz="3600" u="none" strike="noStrike" cap="none" dirty="0" smtClean="0">
+              <a:t>items</a:t>
+            </a:r>
+            <a:r>
+              <a:rPr lang="pl" sz="3600" b="0" i="0" u="none" strike="noStrike" cap="none" baseline="0" dirty="0">
                 <a:solidFill>
                   <a:schemeClr val="lt1"/>
                 </a:solidFill>
@@ -5246,10 +5197,10 @@
                 <a:cs typeface="Arial" charset="0"/>
                 <a:sym typeface="Cabin"/>
               </a:rPr>
-              <a:t>method and </a:t>
-            </a:r>
-            <a:r>
-              <a:rPr lang="en-US" sz="3600" u="none" strike="noStrike" cap="none" dirty="0" smtClean="0">
+              <a:t>() i funkcji </a:t>
+            </a:r>
+            <a:r>
+              <a:rPr lang="pl" sz="3600" b="0" i="0" u="none" strike="noStrike" cap="none" baseline="0" dirty="0">
                 <a:solidFill>
                   <a:srgbClr val="FFFF00"/>
                 </a:solidFill>
@@ -5260,19 +5211,7 @@
               </a:rPr>
               <a:t>sorted() </a:t>
             </a:r>
-            <a:r>
-              <a:rPr lang="en-US" sz="3600" u="none" strike="noStrike" cap="none" dirty="0" smtClean="0">
-                <a:solidFill>
-                  <a:schemeClr val="lt1"/>
-                </a:solidFill>
-                <a:latin typeface="Arial" charset="0"/>
-                <a:ea typeface="Arial" charset="0"/>
-                <a:cs typeface="Arial" charset="0"/>
-                <a:sym typeface="Cabin"/>
-              </a:rPr>
-              <a:t>function</a:t>
-            </a:r>
-            <a:endParaRPr lang="en-US" sz="3600" u="none" strike="noStrike" cap="none" dirty="0">
+            <a:endParaRPr lang="pl" sz="3600" u="none" strike="noStrike" cap="none" dirty="0">
               <a:solidFill>
                 <a:schemeClr val="lt1"/>
               </a:solidFill>
@@ -5327,7 +5266,7 @@
               <a:buNone/>
             </a:pPr>
             <a:r>
-              <a:rPr lang="en-US" sz="3000" i="0" u="none" strike="noStrike" cap="none" dirty="0">
+              <a:rPr lang="pl" sz="3000" b="0" i="0" u="none" strike="noStrike" cap="none" baseline="0">
                 <a:solidFill>
                   <a:schemeClr val="lt1"/>
                 </a:solidFill>
@@ -5339,7 +5278,7 @@
               <a:t>&gt;&gt;&gt; </a:t>
             </a:r>
             <a:r>
-              <a:rPr lang="en-US" sz="3000" i="0" u="none" strike="noStrike" cap="none" dirty="0">
+              <a:rPr lang="pl" sz="3000" b="0" i="0" u="none" strike="noStrike" cap="none" baseline="0">
                 <a:solidFill>
                   <a:srgbClr val="00FF00"/>
                 </a:solidFill>
@@ -5351,7 +5290,7 @@
               <a:t>d</a:t>
             </a:r>
             <a:r>
-              <a:rPr lang="en-US" sz="3000" i="0" u="none" strike="noStrike" cap="none" dirty="0">
+              <a:rPr lang="pl" sz="3000" b="0" i="0" u="none" strike="noStrike" cap="none" baseline="0">
                 <a:solidFill>
                   <a:schemeClr val="lt1"/>
                 </a:solidFill>
@@ -5382,7 +5321,7 @@
               <a:buNone/>
             </a:pPr>
             <a:r>
-              <a:rPr lang="en-US" sz="3000" i="0" u="none" strike="noStrike" cap="none" dirty="0">
+              <a:rPr lang="pl" sz="3000" b="0" i="0" u="none" strike="noStrike" cap="none" baseline="0">
                 <a:solidFill>
                   <a:schemeClr val="lt1"/>
                 </a:solidFill>
@@ -5394,7 +5333,7 @@
               <a:t>&gt;&gt;&gt; </a:t>
             </a:r>
             <a:r>
-              <a:rPr lang="en-US" sz="3000" i="0" u="none" strike="noStrike" cap="none" dirty="0" err="1" smtClean="0">
+              <a:rPr lang="pl" sz="3000" b="0" i="0" u="none" strike="noStrike" cap="none" baseline="0">
                 <a:solidFill>
                   <a:srgbClr val="00FF00"/>
                 </a:solidFill>
@@ -5406,7 +5345,7 @@
               <a:t>d</a:t>
             </a:r>
             <a:r>
-              <a:rPr lang="en-US" sz="3000" i="0" u="none" strike="noStrike" cap="none" dirty="0" err="1" smtClean="0">
+              <a:rPr lang="pl" sz="3000" b="0" i="0" u="none" strike="noStrike" cap="none" baseline="0">
                 <a:solidFill>
                   <a:srgbClr val="FF00FF"/>
                 </a:solidFill>
@@ -5418,7 +5357,7 @@
               <a:t>.items</a:t>
             </a:r>
             <a:r>
-              <a:rPr lang="en-US" sz="3000" i="0" u="none" strike="noStrike" cap="none" dirty="0">
+              <a:rPr lang="pl" sz="3000" b="0" i="0" u="none" strike="noStrike" cap="none" baseline="0">
                 <a:solidFill>
                   <a:schemeClr val="lt1"/>
                 </a:solidFill>
@@ -5449,31 +5388,19 @@
               <a:buNone/>
             </a:pPr>
             <a:r>
-              <a:rPr lang="en-US" sz="3000" i="0" u="none" strike="noStrike" cap="none" dirty="0" err="1" smtClean="0">
-                <a:solidFill>
-                  <a:schemeClr val="lt1"/>
-                </a:solidFill>
-                <a:latin typeface="Courier"/>
-                <a:ea typeface="Courier New"/>
-                <a:cs typeface="Courier"/>
-                <a:sym typeface="Courier New"/>
-              </a:rPr>
-              <a:t>dict_items</a:t>
-            </a:r>
-            <a:r>
-              <a:rPr lang="en-US" sz="3000" i="0" u="none" strike="noStrike" cap="none" dirty="0" smtClean="0">
-                <a:solidFill>
-                  <a:schemeClr val="lt1"/>
-                </a:solidFill>
-                <a:latin typeface="Courier"/>
-                <a:ea typeface="Courier New"/>
-                <a:cs typeface="Courier"/>
-                <a:sym typeface="Courier New"/>
-              </a:rPr>
-              <a:t>([</a:t>
-            </a:r>
-            <a:r>
-              <a:rPr lang="en-US" sz="3000" i="0" u="none" strike="noStrike" cap="none" dirty="0" smtClean="0">
+              <a:rPr lang="pl" sz="3000" b="0" i="0" u="none" strike="noStrike" cap="none" baseline="0">
+                <a:solidFill>
+                  <a:schemeClr val="lt1"/>
+                </a:solidFill>
+                <a:latin typeface="Courier"/>
+                <a:ea typeface="Courier New"/>
+                <a:cs typeface="Courier"/>
+                <a:sym typeface="Courier New"/>
+              </a:rPr>
+              <a:t>dict_items([</a:t>
+            </a:r>
+            <a:r>
+              <a:rPr lang="pl" sz="3000" b="0" i="0" u="none" strike="noStrike" cap="none" baseline="0">
                 <a:solidFill>
                   <a:srgbClr val="FF7F00"/>
                 </a:solidFill>
@@ -5482,10 +5409,22 @@
                 <a:cs typeface="Courier"/>
                 <a:sym typeface="Courier New"/>
               </a:rPr>
-              <a:t>(</a:t>
-            </a:r>
-            <a:r>
-              <a:rPr lang="en-US" sz="3000" i="0" u="none" strike="noStrike" cap="none" dirty="0">
+              <a:t>('a', 10)</a:t>
+            </a:r>
+            <a:r>
+              <a:rPr lang="pl" sz="3000" b="0" i="0" u="none" strike="noStrike" cap="none" baseline="0">
+                <a:solidFill>
+                  <a:schemeClr val="lt1"/>
+                </a:solidFill>
+                <a:latin typeface="Courier"/>
+                <a:ea typeface="Courier New"/>
+                <a:cs typeface="Courier"/>
+                <a:sym typeface="Courier New"/>
+              </a:rPr>
+              <a:t>, </a:t>
+            </a:r>
+            <a:r>
+              <a:rPr lang="pl" sz="3000" b="0" i="0" u="none" strike="noStrike" cap="none" baseline="0">
                 <a:solidFill>
                   <a:srgbClr val="FF7F00"/>
                 </a:solidFill>
@@ -5494,10 +5433,10 @@
                 <a:cs typeface="Courier"/>
                 <a:sym typeface="Courier New"/>
               </a:rPr>
-              <a:t>'a', 10)</a:t>
-            </a:r>
-            <a:r>
-              <a:rPr lang="en-US" sz="3000" i="0" u="none" strike="noStrike" cap="none" dirty="0">
+              <a:t>('c', 22)</a:t>
+            </a:r>
+            <a:r>
+              <a:rPr lang="pl" sz="3000" b="0" i="0" u="none" strike="noStrike" cap="none" baseline="0">
                 <a:solidFill>
                   <a:schemeClr val="lt1"/>
                 </a:solidFill>
@@ -5509,7 +5448,7 @@
               <a:t>, </a:t>
             </a:r>
             <a:r>
-              <a:rPr lang="en-US" sz="3000" i="0" u="none" strike="noStrike" cap="none" dirty="0">
+              <a:rPr lang="pl" sz="3000" b="0" i="0" u="none" strike="noStrike" cap="none" baseline="0">
                 <a:solidFill>
                   <a:srgbClr val="FF7F00"/>
                 </a:solidFill>
@@ -5518,46 +5457,10 @@
                 <a:cs typeface="Courier"/>
                 <a:sym typeface="Courier New"/>
               </a:rPr>
-              <a:t>('c', 22)</a:t>
-            </a:r>
-            <a:r>
-              <a:rPr lang="en-US" sz="3000" i="0" u="none" strike="noStrike" cap="none" dirty="0">
-                <a:solidFill>
-                  <a:schemeClr val="lt1"/>
-                </a:solidFill>
-                <a:latin typeface="Courier"/>
-                <a:ea typeface="Courier New"/>
-                <a:cs typeface="Courier"/>
-                <a:sym typeface="Courier New"/>
-              </a:rPr>
-              <a:t>, </a:t>
-            </a:r>
-            <a:r>
-              <a:rPr lang="en-US" sz="3000" i="0" u="none" strike="noStrike" cap="none" dirty="0">
-                <a:solidFill>
-                  <a:srgbClr val="FF7F00"/>
-                </a:solidFill>
-                <a:latin typeface="Courier"/>
-                <a:ea typeface="Courier New"/>
-                <a:cs typeface="Courier"/>
-                <a:sym typeface="Courier New"/>
-              </a:rPr>
-              <a:t>('b', 1</a:t>
-            </a:r>
-            <a:r>
-              <a:rPr lang="en-US" sz="3000" i="0" u="none" strike="noStrike" cap="none" dirty="0" smtClean="0">
-                <a:solidFill>
-                  <a:srgbClr val="FF7F00"/>
-                </a:solidFill>
-                <a:latin typeface="Courier"/>
-                <a:ea typeface="Courier New"/>
-                <a:cs typeface="Courier"/>
-                <a:sym typeface="Courier New"/>
-              </a:rPr>
-              <a:t>)</a:t>
-            </a:r>
-            <a:r>
-              <a:rPr lang="en-US" sz="3000" i="0" u="none" strike="noStrike" cap="none" dirty="0" smtClean="0">
+              <a:t>('b', 1)</a:t>
+            </a:r>
+            <a:r>
+              <a:rPr lang="pl" sz="3000" b="0" i="0" u="none" strike="noStrike" cap="none" baseline="0">
                 <a:solidFill>
                   <a:schemeClr val="lt1"/>
                 </a:solidFill>
@@ -5568,7 +5471,7 @@
               </a:rPr>
               <a:t>])</a:t>
             </a:r>
-            <a:endParaRPr lang="en-US" sz="3000" i="0" u="none" strike="noStrike" cap="none" dirty="0">
+            <a:endParaRPr lang="pl" sz="3000" i="0" u="none" strike="noStrike" cap="none" dirty="0">
               <a:solidFill>
                 <a:schemeClr val="lt1"/>
               </a:solidFill>
@@ -5579,14 +5482,14 @@
             </a:endParaRPr>
           </a:p>
           <a:p>
-            <a:pPr>
+            <a:pPr algn="l" rtl="0">
               <a:buClr>
                 <a:schemeClr val="lt1"/>
               </a:buClr>
               <a:buSzPct val="25000"/>
             </a:pPr>
             <a:r>
-              <a:rPr lang="en-US" sz="3000" i="0" u="none" strike="noStrike" cap="none" dirty="0">
+              <a:rPr lang="pl" sz="3000" b="0" i="0" u="none" strike="noStrike" cap="none" baseline="0">
                 <a:solidFill>
                   <a:schemeClr val="lt1"/>
                 </a:solidFill>
@@ -5598,7 +5501,7 @@
               <a:t>&gt;&gt;&gt; </a:t>
             </a:r>
             <a:r>
-              <a:rPr lang="en-US" sz="3000" dirty="0">
+              <a:rPr lang="pl" sz="3000" b="0" i="0" u="none" baseline="0">
                 <a:solidFill>
                   <a:srgbClr val="FFFF00"/>
                 </a:solidFill>
@@ -5610,7 +5513,7 @@
               <a:t>sorted(</a:t>
             </a:r>
             <a:r>
-              <a:rPr lang="en-US" sz="3000" dirty="0" err="1">
+              <a:rPr lang="pl" sz="3000" b="0" i="0" u="none" baseline="0">
                 <a:solidFill>
                   <a:srgbClr val="00FF00"/>
                 </a:solidFill>
@@ -5622,7 +5525,7 @@
               <a:t>d</a:t>
             </a:r>
             <a:r>
-              <a:rPr lang="en-US" sz="3000" dirty="0" err="1">
+              <a:rPr lang="pl" sz="3000" b="0" i="0" u="none" baseline="0">
                 <a:solidFill>
                   <a:srgbClr val="FF00FF"/>
                 </a:solidFill>
@@ -5634,7 +5537,7 @@
               <a:t>.items</a:t>
             </a:r>
             <a:r>
-              <a:rPr lang="en-US" sz="3000" dirty="0" smtClean="0">
+              <a:rPr lang="pl" sz="3000" b="0" i="0" u="none" baseline="0">
                 <a:solidFill>
                   <a:schemeClr val="lt1"/>
                 </a:solidFill>
@@ -5646,7 +5549,7 @@
               <a:t>()</a:t>
             </a:r>
             <a:r>
-              <a:rPr lang="en-US" sz="3000" dirty="0" smtClean="0">
+              <a:rPr lang="pl" sz="3000" b="0" i="0" u="none" baseline="0">
                 <a:solidFill>
                   <a:srgbClr val="FFFC00"/>
                 </a:solidFill>
@@ -5657,7 +5560,7 @@
               </a:rPr>
               <a:t>)</a:t>
             </a:r>
-            <a:endParaRPr lang="en-US" sz="3000" i="0" u="none" strike="noStrike" cap="none" dirty="0">
+            <a:endParaRPr lang="pl" sz="3000" i="0" u="none" strike="noStrike" cap="none" dirty="0">
               <a:solidFill>
                 <a:srgbClr val="FFFC00"/>
               </a:solidFill>
@@ -5686,7 +5589,7 @@
               <a:buNone/>
             </a:pPr>
             <a:r>
-              <a:rPr lang="en-US" sz="3000" i="0" u="none" strike="noStrike" cap="none" dirty="0" smtClean="0">
+              <a:rPr lang="pl" sz="3000" b="0" i="0" u="none" strike="noStrike" cap="none" baseline="0">
                 <a:solidFill>
                   <a:schemeClr val="lt1"/>
                 </a:solidFill>
@@ -5698,7 +5601,7 @@
               <a:t>[</a:t>
             </a:r>
             <a:r>
-              <a:rPr lang="en-US" sz="3000" i="0" u="none" strike="noStrike" cap="none" dirty="0" smtClean="0">
+              <a:rPr lang="pl" sz="3000" b="0" i="0" u="none" strike="noStrike" cap="none" baseline="0">
                 <a:solidFill>
                   <a:srgbClr val="FF7F00"/>
                 </a:solidFill>
@@ -5707,10 +5610,22 @@
                 <a:cs typeface="Courier"/>
                 <a:sym typeface="Courier New"/>
               </a:rPr>
-              <a:t>(</a:t>
-            </a:r>
-            <a:r>
-              <a:rPr lang="en-US" sz="3000" i="0" u="none" strike="noStrike" cap="none" dirty="0">
+              <a:t>('a', 10)</a:t>
+            </a:r>
+            <a:r>
+              <a:rPr lang="pl" sz="3000" b="0" i="0" u="none" strike="noStrike" cap="none" baseline="0">
+                <a:solidFill>
+                  <a:schemeClr val="lt1"/>
+                </a:solidFill>
+                <a:latin typeface="Courier"/>
+                <a:ea typeface="Courier New"/>
+                <a:cs typeface="Courier"/>
+                <a:sym typeface="Courier New"/>
+              </a:rPr>
+              <a:t>, </a:t>
+            </a:r>
+            <a:r>
+              <a:rPr lang="pl" sz="3000" b="0" i="0" u="none" strike="noStrike" cap="none" baseline="0">
                 <a:solidFill>
                   <a:srgbClr val="FF7F00"/>
                 </a:solidFill>
@@ -5719,10 +5634,10 @@
                 <a:cs typeface="Courier"/>
                 <a:sym typeface="Courier New"/>
               </a:rPr>
-              <a:t>'a', 10)</a:t>
-            </a:r>
-            <a:r>
-              <a:rPr lang="en-US" sz="3000" i="0" u="none" strike="noStrike" cap="none" dirty="0">
+              <a:t>('b', 1)</a:t>
+            </a:r>
+            <a:r>
+              <a:rPr lang="pl" sz="3000" b="0" i="0" u="none" strike="noStrike" cap="none" baseline="0">
                 <a:solidFill>
                   <a:schemeClr val="lt1"/>
                 </a:solidFill>
@@ -5734,7 +5649,7 @@
               <a:t>, </a:t>
             </a:r>
             <a:r>
-              <a:rPr lang="en-US" sz="3000" i="0" u="none" strike="noStrike" cap="none" dirty="0">
+              <a:rPr lang="pl" sz="3000" b="0" i="0" u="none" strike="noStrike" cap="none" baseline="0">
                 <a:solidFill>
                   <a:srgbClr val="FF7F00"/>
                 </a:solidFill>
@@ -5743,34 +5658,10 @@
                 <a:cs typeface="Courier"/>
                 <a:sym typeface="Courier New"/>
               </a:rPr>
-              <a:t>('b', 1)</a:t>
-            </a:r>
-            <a:r>
-              <a:rPr lang="en-US" sz="3000" i="0" u="none" strike="noStrike" cap="none" dirty="0">
-                <a:solidFill>
-                  <a:schemeClr val="lt1"/>
-                </a:solidFill>
-                <a:latin typeface="Courier"/>
-                <a:ea typeface="Courier New"/>
-                <a:cs typeface="Courier"/>
-                <a:sym typeface="Courier New"/>
-              </a:rPr>
-              <a:t>, </a:t>
-            </a:r>
-            <a:r>
-              <a:rPr lang="en-US" sz="3000" i="0" u="none" strike="noStrike" cap="none" dirty="0">
-                <a:solidFill>
-                  <a:srgbClr val="FF7F00"/>
-                </a:solidFill>
-                <a:latin typeface="Courier"/>
-                <a:ea typeface="Courier New"/>
-                <a:cs typeface="Courier"/>
-                <a:sym typeface="Courier New"/>
-              </a:rPr>
               <a:t>('c', 22)</a:t>
             </a:r>
             <a:r>
-              <a:rPr lang="en-US" sz="3000" i="0" u="none" strike="noStrike" cap="none" dirty="0">
+              <a:rPr lang="pl" sz="3000" b="0" i="0" u="none" strike="noStrike" cap="none" baseline="0">
                 <a:solidFill>
                   <a:schemeClr val="lt1"/>
                 </a:solidFill>
@@ -5789,13 +5680,6 @@
   <p:clrMapOvr>
     <a:masterClrMapping/>
   </p:clrMapOvr>
-  <p:timing>
-    <p:tnLst>
-      <p:par>
-        <p:cTn id="1" dur="indefinite" restart="never" nodeType="tmRoot"/>
-      </p:par>
-    </p:tnLst>
-  </p:timing>
 </p:sld>
 </file>
 
@@ -5863,7 +5747,7 @@
               <a:buNone/>
             </a:pPr>
             <a:r>
-              <a:rPr lang="en-US" sz="7800" u="none" strike="noStrike" cap="none" dirty="0">
+              <a:rPr lang="pl" sz="7800" b="0" i="0" u="none" strike="noStrike" cap="none" baseline="0">
                 <a:solidFill>
                   <a:srgbClr val="FFD966"/>
                 </a:solidFill>
@@ -5872,10 +5756,10 @@
                 <a:cs typeface="Arial" charset="0"/>
                 <a:sym typeface="Cabin"/>
               </a:rPr>
-              <a:t>Using</a:t>
-            </a:r>
-            <a:r>
-              <a:rPr lang="en-US" sz="7800" u="none" strike="noStrike" cap="none" dirty="0">
+              <a:t>Używanie</a:t>
+            </a:r>
+            <a:r>
+              <a:rPr lang="pl" sz="7800" b="0" i="0" u="none" strike="noStrike" cap="none" baseline="0">
                 <a:solidFill>
                   <a:srgbClr val="FFFF00"/>
                 </a:solidFill>
@@ -5887,7 +5771,7 @@
               <a:t> </a:t>
             </a:r>
             <a:r>
-              <a:rPr lang="en-US" sz="7800" u="none" strike="noStrike" cap="none" dirty="0">
+              <a:rPr lang="pl" sz="7800" b="0" i="0" u="none" strike="noStrike" cap="none" baseline="0">
                 <a:solidFill>
                   <a:srgbClr val="FF40FF"/>
                 </a:solidFill>
@@ -5921,11 +5805,11 @@
           <a:bodyPr/>
           <a:lstStyle/>
           <a:p>
-            <a:pPr marL="647700" lvl="0" indent="0">
-              <a:buNone/>
-            </a:pPr>
-            <a:r>
-              <a:rPr lang="en-US" smtClean="0">
+            <a:pPr marL="647700" lvl="0" indent="0" algn="l" rtl="0">
+              <a:buNone/>
+            </a:pPr>
+            <a:r>
+              <a:rPr lang="pl" b="0" i="0" u="none" baseline="0" dirty="0">
                 <a:solidFill>
                   <a:schemeClr val="lt1"/>
                 </a:solidFill>
@@ -5934,34 +5818,34 @@
                 <a:cs typeface="Arial" charset="0"/>
                 <a:sym typeface="Cabin"/>
               </a:rPr>
-              <a:t>We </a:t>
-            </a:r>
-            <a:r>
-              <a:rPr lang="en-US" dirty="0">
-                <a:solidFill>
-                  <a:schemeClr val="lt1"/>
+              <a:t>Możemy zrobić to jeszcze bardziej bezpośrednio, korzystając z wbudowanej funkcji </a:t>
+            </a:r>
+            <a:r>
+              <a:rPr lang="pl" b="0" i="0" u="none" baseline="0" dirty="0">
+                <a:solidFill>
+                  <a:srgbClr val="FF00FF"/>
                 </a:solidFill>
                 <a:latin typeface="Arial" charset="0"/>
                 <a:ea typeface="Arial" charset="0"/>
                 <a:cs typeface="Arial" charset="0"/>
                 <a:sym typeface="Cabin"/>
               </a:rPr>
-              <a:t>can do this even more directly using the built-in function </a:t>
-            </a:r>
-            <a:r>
-              <a:rPr lang="en-US" dirty="0">
-                <a:solidFill>
-                  <a:srgbClr val="FF00FF"/>
+              <a:t>sorted</a:t>
+            </a:r>
+            <a:r>
+              <a:rPr lang="pl" b="0" i="0" u="none" baseline="0" dirty="0">
+                <a:solidFill>
+                  <a:schemeClr val="bg1"/>
                 </a:solidFill>
                 <a:latin typeface="Arial" charset="0"/>
                 <a:ea typeface="Arial" charset="0"/>
                 <a:cs typeface="Arial" charset="0"/>
                 <a:sym typeface="Cabin"/>
               </a:rPr>
-              <a:t>sorted</a:t>
-            </a:r>
-            <a:r>
-              <a:rPr lang="en-US" dirty="0">
+              <a:t>,</a:t>
+            </a:r>
+            <a:r>
+              <a:rPr lang="pl" b="0" i="0" u="none" baseline="0" dirty="0">
                 <a:solidFill>
                   <a:schemeClr val="lt1"/>
                 </a:solidFill>
@@ -5970,21 +5854,9 @@
                 <a:cs typeface="Arial" charset="0"/>
                 <a:sym typeface="Cabin"/>
               </a:rPr>
-              <a:t> that takes a sequence as a parameter and returns a sorted </a:t>
-            </a:r>
-            <a:r>
-              <a:rPr lang="en-US" dirty="0" smtClean="0">
-                <a:solidFill>
-                  <a:schemeClr val="lt1"/>
-                </a:solidFill>
-                <a:latin typeface="Arial" charset="0"/>
-                <a:ea typeface="Arial" charset="0"/>
-                <a:cs typeface="Arial" charset="0"/>
-                <a:sym typeface="Cabin"/>
-              </a:rPr>
-              <a:t>sequence</a:t>
-            </a:r>
-            <a:endParaRPr lang="en-US" dirty="0">
+              <a:t> która przyjmuje sekwencję jako parametr i zwraca posortowaną sekwencję</a:t>
+            </a:r>
+            <a:endParaRPr lang="pl" dirty="0">
               <a:solidFill>
                 <a:schemeClr val="lt1"/>
               </a:solidFill>
@@ -6039,7 +5911,7 @@
               <a:buNone/>
             </a:pPr>
             <a:r>
-              <a:rPr lang="en-US" sz="3000" i="0" u="none" strike="noStrike" cap="none" dirty="0">
+              <a:rPr lang="pl" sz="3000" b="0" i="0" u="none" strike="noStrike" cap="none" baseline="0">
                 <a:solidFill>
                   <a:schemeClr val="lt1"/>
                 </a:solidFill>
@@ -6051,7 +5923,7 @@
               <a:t>&gt;&gt;&gt; </a:t>
             </a:r>
             <a:r>
-              <a:rPr lang="en-US" sz="3000" i="0" u="none" strike="noStrike" cap="none" dirty="0">
+              <a:rPr lang="pl" sz="3000" b="0" i="0" u="none" strike="noStrike" cap="none" baseline="0">
                 <a:solidFill>
                   <a:srgbClr val="00FF00"/>
                 </a:solidFill>
@@ -6063,7 +5935,7 @@
               <a:t>d</a:t>
             </a:r>
             <a:r>
-              <a:rPr lang="en-US" sz="3000" i="0" u="none" strike="noStrike" cap="none" dirty="0">
+              <a:rPr lang="pl" sz="3000" b="0" i="0" u="none" strike="noStrike" cap="none" baseline="0">
                 <a:solidFill>
                   <a:schemeClr val="lt1"/>
                 </a:solidFill>
@@ -6094,7 +5966,7 @@
               <a:buNone/>
             </a:pPr>
             <a:r>
-              <a:rPr lang="en-US" sz="3000" i="0" u="none" strike="noStrike" cap="none" dirty="0" smtClean="0">
+              <a:rPr lang="pl" sz="3000" b="0" i="0" u="none" strike="noStrike" cap="none" baseline="0">
                 <a:solidFill>
                   <a:schemeClr val="lt1"/>
                 </a:solidFill>
@@ -6106,7 +5978,7 @@
               <a:t>&gt;&gt;&gt; </a:t>
             </a:r>
             <a:r>
-              <a:rPr lang="en-US" sz="3000" i="0" u="none" strike="noStrike" cap="none" dirty="0">
+              <a:rPr lang="pl" sz="3000" b="0" i="0" u="none" strike="noStrike" cap="none" baseline="0">
                 <a:solidFill>
                   <a:srgbClr val="00FF00"/>
                 </a:solidFill>
@@ -6118,7 +5990,7 @@
               <a:t>t</a:t>
             </a:r>
             <a:r>
-              <a:rPr lang="en-US" sz="3000" i="0" u="none" strike="noStrike" cap="none" dirty="0">
+              <a:rPr lang="pl" sz="3000" b="0" i="0" u="none" strike="noStrike" cap="none" baseline="0">
                 <a:solidFill>
                   <a:schemeClr val="lt1"/>
                 </a:solidFill>
@@ -6130,7 +6002,7 @@
               <a:t> = </a:t>
             </a:r>
             <a:r>
-              <a:rPr lang="en-US" sz="3000" i="0" u="none" strike="noStrike" cap="none" dirty="0">
+              <a:rPr lang="pl" sz="3000" b="0" i="0" u="none" strike="noStrike" cap="none" baseline="0">
                 <a:solidFill>
                   <a:srgbClr val="FF00FF"/>
                 </a:solidFill>
@@ -6142,7 +6014,7 @@
               <a:t>sorted</a:t>
             </a:r>
             <a:r>
-              <a:rPr lang="en-US" sz="3000" i="0" u="none" strike="noStrike" cap="none" dirty="0">
+              <a:rPr lang="pl" sz="3000" b="0" i="0" u="none" strike="noStrike" cap="none" baseline="0">
                 <a:solidFill>
                   <a:schemeClr val="lt1"/>
                 </a:solidFill>
@@ -6154,7 +6026,7 @@
               <a:t>(</a:t>
             </a:r>
             <a:r>
-              <a:rPr lang="en-US" sz="3000" i="0" u="none" strike="noStrike" cap="none" dirty="0" err="1">
+              <a:rPr lang="pl" sz="3000" b="0" i="0" u="none" strike="noStrike" cap="none" baseline="0">
                 <a:solidFill>
                   <a:srgbClr val="00FF00"/>
                 </a:solidFill>
@@ -6166,7 +6038,7 @@
               <a:t>d</a:t>
             </a:r>
             <a:r>
-              <a:rPr lang="en-US" sz="3000" i="0" u="none" strike="noStrike" cap="none" dirty="0" err="1">
+              <a:rPr lang="pl" sz="3000" b="0" i="0" u="none" strike="noStrike" cap="none" baseline="0">
                 <a:solidFill>
                   <a:srgbClr val="FF00FF"/>
                 </a:solidFill>
@@ -6178,7 +6050,7 @@
               <a:t>.items</a:t>
             </a:r>
             <a:r>
-              <a:rPr lang="en-US" sz="3000" i="0" u="none" strike="noStrike" cap="none" dirty="0">
+              <a:rPr lang="pl" sz="3000" b="0" i="0" u="none" strike="noStrike" cap="none" baseline="0">
                 <a:solidFill>
                   <a:schemeClr val="lt1"/>
                 </a:solidFill>
@@ -6209,7 +6081,7 @@
               <a:buNone/>
             </a:pPr>
             <a:r>
-              <a:rPr lang="en-US" sz="3000" i="0" u="none" strike="noStrike" cap="none" dirty="0">
+              <a:rPr lang="pl" sz="3000" b="0" i="0" u="none" strike="noStrike" cap="none" baseline="0">
                 <a:solidFill>
                   <a:schemeClr val="lt1"/>
                 </a:solidFill>
@@ -6221,7 +6093,7 @@
               <a:t>&gt;&gt;&gt; </a:t>
             </a:r>
             <a:r>
-              <a:rPr lang="en-US" sz="3000" i="0" u="none" strike="noStrike" cap="none" dirty="0">
+              <a:rPr lang="pl" sz="3000" b="0" i="0" u="none" strike="noStrike" cap="none" baseline="0">
                 <a:solidFill>
                   <a:srgbClr val="00FF00"/>
                 </a:solidFill>
@@ -6252,7 +6124,7 @@
               <a:buNone/>
             </a:pPr>
             <a:r>
-              <a:rPr lang="en-US" sz="3000" i="0" u="none" strike="noStrike" cap="none" dirty="0">
+              <a:rPr lang="pl" sz="3000" b="0" i="0" u="none" strike="noStrike" cap="none" baseline="0">
                 <a:solidFill>
                   <a:schemeClr val="lt1"/>
                 </a:solidFill>
@@ -6264,7 +6136,7 @@
               <a:t>[</a:t>
             </a:r>
             <a:r>
-              <a:rPr lang="en-US" sz="3000" i="0" u="none" strike="noStrike" cap="none" dirty="0">
+              <a:rPr lang="pl" sz="3000" b="0" i="0" u="none" strike="noStrike" cap="none" baseline="0">
                 <a:solidFill>
                   <a:srgbClr val="FF7F00"/>
                 </a:solidFill>
@@ -6276,7 +6148,7 @@
               <a:t>('a', 10)</a:t>
             </a:r>
             <a:r>
-              <a:rPr lang="en-US" sz="3000" i="0" u="none" strike="noStrike" cap="none" dirty="0">
+              <a:rPr lang="pl" sz="3000" b="0" i="0" u="none" strike="noStrike" cap="none" baseline="0">
                 <a:solidFill>
                   <a:schemeClr val="lt1"/>
                 </a:solidFill>
@@ -6288,7 +6160,7 @@
               <a:t>, </a:t>
             </a:r>
             <a:r>
-              <a:rPr lang="en-US" sz="3000" i="0" u="none" strike="noStrike" cap="none" dirty="0">
+              <a:rPr lang="pl" sz="3000" b="0" i="0" u="none" strike="noStrike" cap="none" baseline="0">
                 <a:solidFill>
                   <a:srgbClr val="FF7F00"/>
                 </a:solidFill>
@@ -6300,7 +6172,7 @@
               <a:t>('b', 1)</a:t>
             </a:r>
             <a:r>
-              <a:rPr lang="en-US" sz="3000" i="0" u="none" strike="noStrike" cap="none" dirty="0">
+              <a:rPr lang="pl" sz="3000" b="0" i="0" u="none" strike="noStrike" cap="none" baseline="0">
                 <a:solidFill>
                   <a:schemeClr val="lt1"/>
                 </a:solidFill>
@@ -6312,7 +6184,7 @@
               <a:t>, </a:t>
             </a:r>
             <a:r>
-              <a:rPr lang="en-US" sz="3000" i="0" u="none" strike="noStrike" cap="none" dirty="0">
+              <a:rPr lang="pl" sz="3000" b="0" i="0" u="none" strike="noStrike" cap="none" baseline="0">
                 <a:solidFill>
                   <a:srgbClr val="FF7F00"/>
                 </a:solidFill>
@@ -6324,7 +6196,7 @@
               <a:t>('c', 22)</a:t>
             </a:r>
             <a:r>
-              <a:rPr lang="en-US" sz="3000" i="0" u="none" strike="noStrike" cap="none" dirty="0">
+              <a:rPr lang="pl" sz="3000" b="0" i="0" u="none" strike="noStrike" cap="none" baseline="0">
                 <a:solidFill>
                   <a:schemeClr val="lt1"/>
                 </a:solidFill>
@@ -6355,7 +6227,7 @@
               <a:buNone/>
             </a:pPr>
             <a:r>
-              <a:rPr lang="en-US" sz="3000" i="0" u="none" strike="noStrike" cap="none" dirty="0">
+              <a:rPr lang="pl" sz="3000" b="0" i="0" u="none" strike="noStrike" cap="none" baseline="0">
                 <a:solidFill>
                   <a:schemeClr val="lt1"/>
                 </a:solidFill>
@@ -6367,7 +6239,7 @@
               <a:t>&gt;&gt;&gt; </a:t>
             </a:r>
             <a:r>
-              <a:rPr lang="en-US" sz="3000" i="0" u="none" strike="noStrike" cap="none" dirty="0">
+              <a:rPr lang="pl" sz="3000" b="0" i="0" u="none" strike="noStrike" cap="none" baseline="0">
                 <a:solidFill>
                   <a:srgbClr val="FFFF00"/>
                 </a:solidFill>
@@ -6379,7 +6251,7 @@
               <a:t>for</a:t>
             </a:r>
             <a:r>
-              <a:rPr lang="en-US" sz="3000" i="0" u="none" strike="noStrike" cap="none" dirty="0">
+              <a:rPr lang="pl" sz="3000" b="0" i="0" u="none" strike="noStrike" cap="none" baseline="0">
                 <a:solidFill>
                   <a:schemeClr val="lt1"/>
                 </a:solidFill>
@@ -6391,7 +6263,7 @@
               <a:t> </a:t>
             </a:r>
             <a:r>
-              <a:rPr lang="en-US" sz="3000" i="0" u="none" strike="noStrike" cap="none" dirty="0">
+              <a:rPr lang="pl" sz="3000" b="0" i="0" u="none" strike="noStrike" cap="none" baseline="0">
                 <a:solidFill>
                   <a:srgbClr val="FF7F00"/>
                 </a:solidFill>
@@ -6403,7 +6275,7 @@
               <a:t>k, v</a:t>
             </a:r>
             <a:r>
-              <a:rPr lang="en-US" sz="3000" i="0" u="none" strike="noStrike" cap="none" dirty="0">
+              <a:rPr lang="pl" sz="3000" b="0" i="0" u="none" strike="noStrike" cap="none" baseline="0">
                 <a:solidFill>
                   <a:schemeClr val="lt1"/>
                 </a:solidFill>
@@ -6415,7 +6287,7 @@
               <a:t> </a:t>
             </a:r>
             <a:r>
-              <a:rPr lang="en-US" sz="3000" i="0" u="none" strike="noStrike" cap="none" dirty="0">
+              <a:rPr lang="pl" sz="3000" b="0" i="0" u="none" strike="noStrike" cap="none" baseline="0">
                 <a:solidFill>
                   <a:srgbClr val="FFFF00"/>
                 </a:solidFill>
@@ -6427,7 +6299,7 @@
               <a:t>in</a:t>
             </a:r>
             <a:r>
-              <a:rPr lang="en-US" sz="3000" i="0" u="none" strike="noStrike" cap="none" dirty="0">
+              <a:rPr lang="pl" sz="3000" b="0" i="0" u="none" strike="noStrike" cap="none" baseline="0">
                 <a:solidFill>
                   <a:schemeClr val="lt1"/>
                 </a:solidFill>
@@ -6439,7 +6311,7 @@
               <a:t> </a:t>
             </a:r>
             <a:r>
-              <a:rPr lang="en-US" sz="3000" i="0" u="none" strike="noStrike" cap="none" dirty="0">
+              <a:rPr lang="pl" sz="3000" b="0" i="0" u="none" strike="noStrike" cap="none" baseline="0">
                 <a:solidFill>
                   <a:srgbClr val="FF00FF"/>
                 </a:solidFill>
@@ -6451,7 +6323,7 @@
               <a:t>sorted</a:t>
             </a:r>
             <a:r>
-              <a:rPr lang="en-US" sz="3000" i="0" u="none" strike="noStrike" cap="none" dirty="0">
+              <a:rPr lang="pl" sz="3000" b="0" i="0" u="none" strike="noStrike" cap="none" baseline="0">
                 <a:solidFill>
                   <a:schemeClr val="lt1"/>
                 </a:solidFill>
@@ -6463,7 +6335,7 @@
               <a:t>(</a:t>
             </a:r>
             <a:r>
-              <a:rPr lang="en-US" sz="3000" i="0" u="none" strike="noStrike" cap="none" dirty="0" err="1">
+              <a:rPr lang="pl" sz="3000" b="0" i="0" u="none" strike="noStrike" cap="none" baseline="0">
                 <a:solidFill>
                   <a:srgbClr val="00FF00"/>
                 </a:solidFill>
@@ -6475,7 +6347,7 @@
               <a:t>d</a:t>
             </a:r>
             <a:r>
-              <a:rPr lang="en-US" sz="3000" i="0" u="none" strike="noStrike" cap="none" dirty="0" err="1">
+              <a:rPr lang="pl" sz="3000" b="0" i="0" u="none" strike="noStrike" cap="none" baseline="0">
                 <a:solidFill>
                   <a:srgbClr val="FF00FF"/>
                 </a:solidFill>
@@ -6487,7 +6359,7 @@
               <a:t>.items</a:t>
             </a:r>
             <a:r>
-              <a:rPr lang="en-US" sz="3000" i="0" u="none" strike="noStrike" cap="none" dirty="0">
+              <a:rPr lang="pl" sz="3000" b="0" i="0" u="none" strike="noStrike" cap="none" baseline="0">
                 <a:solidFill>
                   <a:schemeClr val="lt1"/>
                 </a:solidFill>
@@ -6518,7 +6390,7 @@
               <a:buNone/>
             </a:pPr>
             <a:r>
-              <a:rPr lang="en-US" sz="3000" i="0" u="none" strike="noStrike" cap="none" dirty="0" smtClean="0">
+              <a:rPr lang="pl" sz="3000" b="0" i="0" u="none" strike="noStrike" cap="none" baseline="0">
                 <a:solidFill>
                   <a:schemeClr val="lt1"/>
                 </a:solidFill>
@@ -6530,7 +6402,7 @@
               <a:t>...    </a:t>
             </a:r>
             <a:r>
-              <a:rPr lang="en-US" sz="3000" i="0" u="none" strike="noStrike" cap="none" dirty="0" smtClean="0">
+              <a:rPr lang="pl" sz="3000" b="0" i="0" u="none" strike="noStrike" cap="none" baseline="0">
                 <a:solidFill>
                   <a:srgbClr val="FFFF00"/>
                 </a:solidFill>
@@ -6542,7 +6414,7 @@
               <a:t>print(</a:t>
             </a:r>
             <a:r>
-              <a:rPr lang="en-US" sz="3000" i="0" u="none" strike="noStrike" cap="none" dirty="0" smtClean="0">
+              <a:rPr lang="pl" sz="3000" b="0" i="0" u="none" strike="noStrike" cap="none" baseline="0">
                 <a:solidFill>
                   <a:srgbClr val="00FF00"/>
                 </a:solidFill>
@@ -6554,7 +6426,7 @@
               <a:t>k</a:t>
             </a:r>
             <a:r>
-              <a:rPr lang="en-US" sz="3000" i="0" u="none" strike="noStrike" cap="none" dirty="0" smtClean="0">
+              <a:rPr lang="pl" sz="3000" b="0" i="0" u="none" strike="noStrike" cap="none" baseline="0">
                 <a:solidFill>
                   <a:schemeClr val="lt1"/>
                 </a:solidFill>
@@ -6566,7 +6438,7 @@
               <a:t>, </a:t>
             </a:r>
             <a:r>
-              <a:rPr lang="en-US" sz="3000" i="0" u="none" strike="noStrike" cap="none" dirty="0" smtClean="0">
+              <a:rPr lang="pl" sz="3000" b="0" i="0" u="none" strike="noStrike" cap="none" baseline="0">
                 <a:solidFill>
                   <a:srgbClr val="00FF00"/>
                 </a:solidFill>
@@ -6578,7 +6450,7 @@
               <a:t>v</a:t>
             </a:r>
             <a:r>
-              <a:rPr lang="en-US" sz="3000" i="0" u="none" strike="noStrike" cap="none" dirty="0" smtClean="0">
+              <a:rPr lang="pl" sz="3000" b="0" i="0" u="none" strike="noStrike" cap="none" baseline="0">
                 <a:solidFill>
                   <a:srgbClr val="FFFF00"/>
                 </a:solidFill>
@@ -6609,7 +6481,7 @@
               <a:buNone/>
             </a:pPr>
             <a:r>
-              <a:rPr lang="en-US" sz="3000" i="0" u="none" strike="noStrike" cap="none" dirty="0" smtClean="0">
+              <a:rPr lang="pl" sz="3000" b="0" i="0" u="none" strike="noStrike" cap="none" baseline="0">
                 <a:solidFill>
                   <a:schemeClr val="lt1"/>
                 </a:solidFill>
@@ -6620,7 +6492,7 @@
               </a:rPr>
               <a:t>...</a:t>
             </a:r>
-            <a:endParaRPr lang="en-US" sz="3000" i="0" u="none" strike="noStrike" cap="none" dirty="0">
+            <a:endParaRPr lang="pl" sz="3000" i="0" u="none" strike="noStrike" cap="none" dirty="0">
               <a:solidFill>
                 <a:schemeClr val="lt1"/>
               </a:solidFill>
@@ -6649,7 +6521,7 @@
               <a:buNone/>
             </a:pPr>
             <a:r>
-              <a:rPr lang="en-US" sz="3000" i="0" u="none" strike="noStrike" cap="none" dirty="0">
+              <a:rPr lang="pl" sz="3000" b="0" i="0" u="none" strike="noStrike" cap="none" baseline="0">
                 <a:solidFill>
                   <a:schemeClr val="lt1"/>
                 </a:solidFill>
@@ -6680,7 +6552,7 @@
               <a:buNone/>
             </a:pPr>
             <a:r>
-              <a:rPr lang="en-US" sz="3000" i="0" u="none" strike="noStrike" cap="none" dirty="0">
+              <a:rPr lang="pl" sz="3000" b="0" i="0" u="none" strike="noStrike" cap="none" baseline="0">
                 <a:solidFill>
                   <a:schemeClr val="lt1"/>
                 </a:solidFill>
@@ -6711,7 +6583,7 @@
               <a:buNone/>
             </a:pPr>
             <a:r>
-              <a:rPr lang="en-US" sz="3000" i="0" u="none" strike="noStrike" cap="none" dirty="0">
+              <a:rPr lang="pl" sz="3000" b="0" i="0" u="none" strike="noStrike" cap="none" baseline="0">
                 <a:solidFill>
                   <a:schemeClr val="lt1"/>
                 </a:solidFill>
@@ -6730,13 +6602,6 @@
   <p:clrMapOvr>
     <a:masterClrMapping/>
   </p:clrMapOvr>
-  <p:timing>
-    <p:tnLst>
-      <p:par>
-        <p:cTn id="1" dur="indefinite" restart="never" nodeType="tmRoot"/>
-      </p:par>
-    </p:tnLst>
-  </p:timing>
 </p:sld>
 </file>
 
@@ -6768,6 +6633,10 @@
           </p:nvPr>
         </p:nvSpPr>
         <p:spPr>
+          <a:xfrm>
+            <a:off x="0" y="789708"/>
+            <a:ext cx="16256000" cy="1750191"/>
+          </a:xfrm>
           <a:prstGeom prst="rect">
             <a:avLst/>
           </a:prstGeom>
@@ -6800,7 +6669,7 @@
               <a:buNone/>
             </a:pPr>
             <a:r>
-              <a:rPr lang="en-US" sz="7800" u="none" strike="noStrike" cap="none" dirty="0">
+              <a:rPr lang="pl" sz="6600" b="0" i="0" u="none" strike="noStrike" cap="none" baseline="0" dirty="0">
                 <a:solidFill>
                   <a:srgbClr val="FFD966"/>
                 </a:solidFill>
@@ -6809,7 +6678,31 @@
                 <a:cs typeface="Arial" charset="0"/>
                 <a:sym typeface="Cabin"/>
               </a:rPr>
-              <a:t>Sort by Values Instead of Key</a:t>
+              <a:t>Sortowanie </a:t>
+            </a:r>
+            <a:r>
+              <a:rPr lang="pl" sz="6600" dirty="0">
+                <a:solidFill>
+                  <a:srgbClr val="FFD966"/>
+                </a:solidFill>
+                <a:latin typeface="Arial" charset="0"/>
+                <a:ea typeface="Arial" charset="0"/>
+                <a:cs typeface="Arial" charset="0"/>
+                <a:sym typeface="Cabin"/>
+              </a:rPr>
+              <a:t>wg.</a:t>
+            </a:r>
+            <a:r>
+              <a:rPr lang="pl" sz="6600" b="0" i="0" u="none" strike="noStrike" cap="none" baseline="0" dirty="0">
+                <a:solidFill>
+                  <a:srgbClr val="FFD966"/>
+                </a:solidFill>
+                <a:latin typeface="Arial" charset="0"/>
+                <a:ea typeface="Arial" charset="0"/>
+                <a:cs typeface="Arial" charset="0"/>
+                <a:sym typeface="Cabin"/>
+              </a:rPr>
+              <a:t> wartości zamiast kluczy</a:t>
             </a:r>
           </a:p>
         </p:txBody>
@@ -6861,7 +6754,7 @@
               <a:buChar char="•"/>
             </a:pPr>
             <a:r>
-              <a:rPr lang="en-US" sz="3600" u="none" strike="noStrike" cap="none">
+              <a:rPr lang="pl" sz="3600" b="0" i="0" u="none" strike="noStrike" cap="none" baseline="0" dirty="0">
                 <a:solidFill>
                   <a:schemeClr val="lt1"/>
                 </a:solidFill>
@@ -6870,10 +6763,10 @@
                 <a:cs typeface="Arial" charset="0"/>
                 <a:sym typeface="Cabin"/>
               </a:rPr>
-              <a:t>If we could construct a list of </a:t>
-            </a:r>
-            <a:r>
-              <a:rPr lang="en-US" sz="3600" u="none" strike="noStrike" cap="none">
+              <a:t>Gdybyśmy mogli stworzyć listę </a:t>
+            </a:r>
+            <a:r>
+              <a:rPr lang="pl" sz="3600" b="0" i="0" u="none" strike="noStrike" cap="none" baseline="0" dirty="0">
                 <a:solidFill>
                   <a:srgbClr val="FF7F00"/>
                 </a:solidFill>
@@ -6882,10 +6775,10 @@
                 <a:cs typeface="Arial" charset="0"/>
                 <a:sym typeface="Cabin"/>
               </a:rPr>
-              <a:t>tuples</a:t>
-            </a:r>
-            <a:r>
-              <a:rPr lang="en-US" sz="3600" u="none" strike="noStrike" cap="none">
+              <a:t>krotek</a:t>
+            </a:r>
+            <a:r>
+              <a:rPr lang="pl" sz="3600" b="0" i="0" u="none" strike="noStrike" cap="none" baseline="0" dirty="0">
                 <a:solidFill>
                   <a:schemeClr val="lt1"/>
                 </a:solidFill>
@@ -6894,10 +6787,10 @@
                 <a:cs typeface="Arial" charset="0"/>
                 <a:sym typeface="Cabin"/>
               </a:rPr>
-              <a:t> of the form </a:t>
-            </a:r>
-            <a:r>
-              <a:rPr lang="en-US" sz="3600" u="none" strike="noStrike" cap="none">
+              <a:t> w formie </a:t>
+            </a:r>
+            <a:r>
+              <a:rPr lang="pl" sz="3600" b="0" i="0" u="none" strike="noStrike" cap="none" baseline="0" dirty="0">
                 <a:solidFill>
                   <a:srgbClr val="FF7F00"/>
                 </a:solidFill>
@@ -6906,65 +6799,46 @@
                 <a:cs typeface="Arial" charset="0"/>
                 <a:sym typeface="Cabin"/>
               </a:rPr>
-              <a:t>(value, key)</a:t>
-            </a:r>
-            <a:r>
-              <a:rPr lang="en-US" sz="3600" u="none" strike="noStrike" cap="none">
-                <a:solidFill>
-                  <a:schemeClr val="lt1"/>
+              <a:t>(wartość, klucz)</a:t>
+            </a:r>
+            <a:r>
+              <a:rPr lang="pl" sz="3600" b="0" i="0" u="none" strike="noStrike" cap="none" baseline="0" dirty="0">
+                <a:solidFill>
+                  <a:schemeClr val="bg1"/>
                 </a:solidFill>
                 <a:latin typeface="Arial" charset="0"/>
                 <a:ea typeface="Arial" charset="0"/>
                 <a:cs typeface="Arial" charset="0"/>
                 <a:sym typeface="Cabin"/>
               </a:rPr>
-              <a:t> we could </a:t>
-            </a:r>
-            <a:r>
-              <a:rPr lang="en-US" sz="3600" u="none" strike="noStrike" cap="none">
-                <a:solidFill>
-                  <a:srgbClr val="FF00FF"/>
+              <a:t>,</a:t>
+            </a:r>
+            <a:r>
+              <a:rPr lang="pl" sz="3600" b="0" i="0" u="none" strike="noStrike" cap="none" baseline="0" dirty="0">
+                <a:solidFill>
+                  <a:schemeClr val="lt1"/>
                 </a:solidFill>
                 <a:latin typeface="Arial" charset="0"/>
                 <a:ea typeface="Arial" charset="0"/>
                 <a:cs typeface="Arial" charset="0"/>
                 <a:sym typeface="Cabin"/>
               </a:rPr>
-              <a:t>sort</a:t>
-            </a:r>
-            <a:r>
-              <a:rPr lang="en-US" sz="3600" u="none" strike="noStrike" cap="none">
-                <a:solidFill>
-                  <a:schemeClr val="lt1"/>
+              <a:t> moglibyśmy </a:t>
+            </a:r>
+            <a:r>
+              <a:rPr lang="pl" sz="3600" b="0" i="0" u="none" strike="noStrike" cap="none" baseline="0" dirty="0">
+                <a:solidFill>
+                  <a:srgbClr val="FF00FF"/>
                 </a:solidFill>
                 <a:latin typeface="Arial" charset="0"/>
                 <a:ea typeface="Arial" charset="0"/>
                 <a:cs typeface="Arial" charset="0"/>
                 <a:sym typeface="Cabin"/>
               </a:rPr>
-              <a:t> by value</a:t>
-            </a:r>
-          </a:p>
-          <a:p>
-            <a:pPr marL="1104900" marR="0" lvl="0" indent="-609600" algn="l" rtl="0">
-              <a:lnSpc>
-                <a:spcPct val="100000"/>
-              </a:lnSpc>
-              <a:spcBef>
-                <a:spcPts val="2300"/>
-              </a:spcBef>
-              <a:spcAft>
-                <a:spcPts val="0"/>
-              </a:spcAft>
-              <a:buClr>
-                <a:schemeClr val="lt1"/>
-              </a:buClr>
-              <a:buSzPct val="100000"/>
-              <a:buFont typeface="Cabin"/>
-              <a:buChar char="•"/>
-            </a:pPr>
-            <a:r>
-              <a:rPr lang="en-US" sz="3600" u="none" strike="noStrike" cap="none" dirty="0">
+              <a:t>sortować</a:t>
+            </a:r>
+            <a:r>
+              <a:rPr lang="pl" sz="3600" b="0" i="0" u="none" strike="noStrike" cap="none" baseline="0" dirty="0">
                 <a:solidFill>
                   <a:schemeClr val="lt1"/>
                 </a:solidFill>
@@ -6973,31 +6847,62 @@
                 <a:cs typeface="Arial" charset="0"/>
                 <a:sym typeface="Cabin"/>
               </a:rPr>
-              <a:t>We do this with a </a:t>
-            </a:r>
-            <a:r>
-              <a:rPr lang="en-US" sz="3600" u="none" strike="noStrike" cap="none" dirty="0">
-                <a:solidFill>
-                  <a:srgbClr val="FFFF00"/>
+              <a:t> według wartości</a:t>
+            </a:r>
+          </a:p>
+          <a:p>
+            <a:pPr marL="1104900" marR="0" lvl="0" indent="-609600" algn="l" rtl="0">
+              <a:lnSpc>
+                <a:spcPct val="100000"/>
+              </a:lnSpc>
+              <a:spcBef>
+                <a:spcPts val="2300"/>
+              </a:spcBef>
+              <a:spcAft>
+                <a:spcPts val="0"/>
+              </a:spcAft>
+              <a:buClr>
+                <a:schemeClr val="lt1"/>
+              </a:buClr>
+              <a:buSzPct val="100000"/>
+              <a:buFont typeface="Cabin"/>
+              <a:buChar char="•"/>
+            </a:pPr>
+            <a:r>
+              <a:rPr lang="pl" sz="3600" b="0" i="0" u="none" strike="noStrike" cap="none" baseline="0" dirty="0">
+                <a:solidFill>
+                  <a:schemeClr val="lt1"/>
                 </a:solidFill>
                 <a:latin typeface="Arial" charset="0"/>
                 <a:ea typeface="Arial" charset="0"/>
                 <a:cs typeface="Arial" charset="0"/>
                 <a:sym typeface="Cabin"/>
               </a:rPr>
-              <a:t>for</a:t>
-            </a:r>
-            <a:r>
-              <a:rPr lang="en-US" sz="3600" u="none" strike="noStrike" cap="none" dirty="0">
-                <a:solidFill>
-                  <a:schemeClr val="lt1"/>
+              <a:t>Osiągniemy to pętlą </a:t>
+            </a:r>
+            <a:r>
+              <a:rPr lang="pl" sz="3600" b="0" i="0" u="none" strike="noStrike" cap="none" baseline="0" dirty="0">
+                <a:solidFill>
+                  <a:srgbClr val="FFFF00"/>
                 </a:solidFill>
                 <a:latin typeface="Arial" charset="0"/>
                 <a:ea typeface="Arial" charset="0"/>
                 <a:cs typeface="Arial" charset="0"/>
                 <a:sym typeface="Cabin"/>
               </a:rPr>
-              <a:t> loop that creates a list of tuples  </a:t>
+              <a:t>for</a:t>
+            </a:r>
+            <a:r>
+              <a:rPr lang="pl" sz="3600" b="0" i="0" u="none" strike="noStrike" cap="none" baseline="0" dirty="0">
+                <a:solidFill>
+                  <a:schemeClr val="lt1"/>
+                </a:solidFill>
+                <a:latin typeface="Arial" charset="0"/>
+                <a:ea typeface="Arial" charset="0"/>
+                <a:cs typeface="Arial" charset="0"/>
+                <a:sym typeface="Cabin"/>
+              </a:rPr>
+              <a:t>, która tworzy listę krotek  </a:t>
             </a:r>
           </a:p>
         </p:txBody>
@@ -7027,7 +6932,7 @@
           </a:bodyPr>
           <a:lstStyle/>
           <a:p>
-            <a:pPr lvl="1">
+            <a:pPr lvl="1" algn="l" rtl="0">
               <a:buClr>
                 <a:schemeClr val="lt1"/>
               </a:buClr>
@@ -7036,7 +6941,7 @@
               <a:buNone/>
             </a:pPr>
             <a:r>
-              <a:rPr lang="en-US" sz="3000" i="0" u="none" strike="noStrike" cap="none" dirty="0">
+              <a:rPr lang="pl" sz="3000" b="0" i="0" u="none" strike="noStrike" cap="none" baseline="0">
                 <a:solidFill>
                   <a:schemeClr val="lt1"/>
                 </a:solidFill>
@@ -7048,7 +6953,7 @@
               <a:t>&gt;&gt;&gt; </a:t>
             </a:r>
             <a:r>
-              <a:rPr lang="en-US" sz="3000" i="0" u="none" strike="noStrike" cap="none" dirty="0">
+              <a:rPr lang="pl" sz="3000" b="0" i="0" u="none" strike="noStrike" cap="none" baseline="0">
                 <a:solidFill>
                   <a:srgbClr val="00FF00"/>
                 </a:solidFill>
@@ -7060,7 +6965,7 @@
               <a:t>c</a:t>
             </a:r>
             <a:r>
-              <a:rPr lang="en-US" sz="3000" i="0" u="none" strike="noStrike" cap="none" dirty="0">
+              <a:rPr lang="pl" sz="3000" b="0" i="0" u="none" strike="noStrike" cap="none" baseline="0">
                 <a:solidFill>
                   <a:schemeClr val="lt1"/>
                 </a:solidFill>
@@ -7073,7 +6978,7 @@
             </a:r>
           </a:p>
           <a:p>
-            <a:pPr lvl="1">
+            <a:pPr lvl="1" algn="l" rtl="0">
               <a:buClr>
                 <a:schemeClr val="lt1"/>
               </a:buClr>
@@ -7082,7 +6987,7 @@
               <a:buNone/>
             </a:pPr>
             <a:r>
-              <a:rPr lang="en-US" sz="3000" i="0" u="none" strike="noStrike" cap="none" dirty="0">
+              <a:rPr lang="pl" sz="3000" b="0" i="0" u="none" strike="noStrike" cap="none" baseline="0">
                 <a:solidFill>
                   <a:schemeClr val="lt1"/>
                 </a:solidFill>
@@ -7094,7 +6999,7 @@
               <a:t>&gt;&gt;&gt; </a:t>
             </a:r>
             <a:r>
-              <a:rPr lang="en-US" sz="3000" i="0" u="none" strike="noStrike" cap="none" dirty="0" err="1">
+              <a:rPr lang="pl" sz="3000" b="0" i="0" u="none" strike="noStrike" cap="none" baseline="0">
                 <a:solidFill>
                   <a:srgbClr val="00FF00"/>
                 </a:solidFill>
@@ -7106,7 +7011,7 @@
               <a:t>tmp</a:t>
             </a:r>
             <a:r>
-              <a:rPr lang="en-US" sz="3000" i="0" u="none" strike="noStrike" cap="none" dirty="0">
+              <a:rPr lang="pl" sz="3000" b="0" i="0" u="none" strike="noStrike" cap="none" baseline="0">
                 <a:solidFill>
                   <a:schemeClr val="lt1"/>
                 </a:solidFill>
@@ -7118,7 +7023,7 @@
               <a:t> = </a:t>
             </a:r>
             <a:r>
-              <a:rPr lang="en-US" sz="3000" i="0" u="none" strike="noStrike" cap="none" dirty="0">
+              <a:rPr lang="pl" sz="3000" b="0" i="0" u="none" strike="noStrike" cap="none" baseline="0">
                 <a:solidFill>
                   <a:srgbClr val="FF00FF"/>
                 </a:solidFill>
@@ -7130,7 +7035,7 @@
               <a:t>list</a:t>
             </a:r>
             <a:r>
-              <a:rPr lang="en-US" sz="3000" i="0" u="none" strike="noStrike" cap="none" dirty="0">
+              <a:rPr lang="pl" sz="3000" b="0" i="0" u="none" strike="noStrike" cap="none" baseline="0">
                 <a:solidFill>
                   <a:schemeClr val="lt1"/>
                 </a:solidFill>
@@ -7143,7 +7048,7 @@
             </a:r>
           </a:p>
           <a:p>
-            <a:pPr lvl="1">
+            <a:pPr lvl="1" algn="l" rtl="0">
               <a:buClr>
                 <a:schemeClr val="lt1"/>
               </a:buClr>
@@ -7152,7 +7057,7 @@
               <a:buNone/>
             </a:pPr>
             <a:r>
-              <a:rPr lang="en-US" sz="3000" i="0" u="none" strike="noStrike" cap="none" dirty="0">
+              <a:rPr lang="pl" sz="3000" b="0" i="0" u="none" strike="noStrike" cap="none" baseline="0">
                 <a:solidFill>
                   <a:schemeClr val="lt1"/>
                 </a:solidFill>
@@ -7164,7 +7069,7 @@
               <a:t>&gt;&gt;&gt; </a:t>
             </a:r>
             <a:r>
-              <a:rPr lang="en-US" sz="3000" i="0" u="none" strike="noStrike" cap="none" dirty="0">
+              <a:rPr lang="pl" sz="3000" b="0" i="0" u="none" strike="noStrike" cap="none" baseline="0">
                 <a:solidFill>
                   <a:srgbClr val="FFFF00"/>
                 </a:solidFill>
@@ -7176,7 +7081,7 @@
               <a:t>for</a:t>
             </a:r>
             <a:r>
-              <a:rPr lang="en-US" sz="3000" i="0" u="none" strike="noStrike" cap="none" dirty="0">
+              <a:rPr lang="pl" sz="3000" b="0" i="0" u="none" strike="noStrike" cap="none" baseline="0">
                 <a:solidFill>
                   <a:schemeClr val="lt1"/>
                 </a:solidFill>
@@ -7188,7 +7093,7 @@
               <a:t> </a:t>
             </a:r>
             <a:r>
-              <a:rPr lang="en-US" sz="3000" i="0" u="none" strike="noStrike" cap="none" dirty="0">
+              <a:rPr lang="pl" sz="3000" b="0" i="0" u="none" strike="noStrike" cap="none" baseline="0">
                 <a:solidFill>
                   <a:srgbClr val="FF7F00"/>
                 </a:solidFill>
@@ -7200,7 +7105,7 @@
               <a:t>k, v</a:t>
             </a:r>
             <a:r>
-              <a:rPr lang="en-US" sz="3000" i="0" u="none" strike="noStrike" cap="none" dirty="0">
+              <a:rPr lang="pl" sz="3000" b="0" i="0" u="none" strike="noStrike" cap="none" baseline="0">
                 <a:solidFill>
                   <a:schemeClr val="lt1"/>
                 </a:solidFill>
@@ -7212,7 +7117,7 @@
               <a:t> </a:t>
             </a:r>
             <a:r>
-              <a:rPr lang="en-US" sz="3000" i="0" u="none" strike="noStrike" cap="none" dirty="0">
+              <a:rPr lang="pl" sz="3000" b="0" i="0" u="none" strike="noStrike" cap="none" baseline="0">
                 <a:solidFill>
                   <a:srgbClr val="FFFF00"/>
                 </a:solidFill>
@@ -7224,7 +7129,7 @@
               <a:t>in</a:t>
             </a:r>
             <a:r>
-              <a:rPr lang="en-US" sz="3000" i="0" u="none" strike="noStrike" cap="none" dirty="0">
+              <a:rPr lang="pl" sz="3000" b="0" i="0" u="none" strike="noStrike" cap="none" baseline="0">
                 <a:solidFill>
                   <a:schemeClr val="lt1"/>
                 </a:solidFill>
@@ -7236,7 +7141,7 @@
               <a:t> </a:t>
             </a:r>
             <a:r>
-              <a:rPr lang="en-US" sz="3000" i="0" u="none" strike="noStrike" cap="none" dirty="0" err="1">
+              <a:rPr lang="pl" sz="3000" b="0" i="0" u="none" strike="noStrike" cap="none" baseline="0">
                 <a:solidFill>
                   <a:srgbClr val="00FF00"/>
                 </a:solidFill>
@@ -7248,7 +7153,7 @@
               <a:t>c</a:t>
             </a:r>
             <a:r>
-              <a:rPr lang="en-US" sz="3000" i="0" u="none" strike="noStrike" cap="none" dirty="0" err="1">
+              <a:rPr lang="pl" sz="3000" b="0" i="0" u="none" strike="noStrike" cap="none" baseline="0">
                 <a:solidFill>
                   <a:srgbClr val="FF00FF"/>
                 </a:solidFill>
@@ -7260,7 +7165,7 @@
               <a:t>.items</a:t>
             </a:r>
             <a:r>
-              <a:rPr lang="en-US" sz="3000" i="0" u="none" strike="noStrike" cap="none" dirty="0">
+              <a:rPr lang="pl" sz="3000" b="0" i="0" u="none" strike="noStrike" cap="none" baseline="0">
                 <a:solidFill>
                   <a:schemeClr val="lt1"/>
                 </a:solidFill>
@@ -7273,7 +7178,7 @@
             </a:r>
           </a:p>
           <a:p>
-            <a:pPr lvl="1">
+            <a:pPr lvl="1" algn="l" rtl="0">
               <a:buClr>
                 <a:schemeClr val="lt1"/>
               </a:buClr>
@@ -7282,7 +7187,7 @@
               <a:buNone/>
             </a:pPr>
             <a:r>
-              <a:rPr lang="en-US" sz="3000" i="0" u="none" strike="noStrike" cap="none" dirty="0">
+              <a:rPr lang="pl" sz="3000" b="0" i="0" u="none" strike="noStrike" cap="none" baseline="0">
                 <a:solidFill>
                   <a:schemeClr val="lt1"/>
                 </a:solidFill>
@@ -7294,7 +7199,7 @@
               <a:t>...     </a:t>
             </a:r>
             <a:r>
-              <a:rPr lang="en-US" sz="3000" i="0" u="none" strike="noStrike" cap="none" dirty="0" err="1">
+              <a:rPr lang="pl" sz="3000" b="0" i="0" u="none" strike="noStrike" cap="none" baseline="0">
                 <a:solidFill>
                   <a:srgbClr val="00FF00"/>
                 </a:solidFill>
@@ -7306,7 +7211,7 @@
               <a:t>tmp</a:t>
             </a:r>
             <a:r>
-              <a:rPr lang="en-US" sz="3000" i="0" u="none" strike="noStrike" cap="none" dirty="0" err="1">
+              <a:rPr lang="pl" sz="3000" b="0" i="0" u="none" strike="noStrike" cap="none" baseline="0">
                 <a:solidFill>
                   <a:srgbClr val="FF00FF"/>
                 </a:solidFill>
@@ -7318,7 +7223,7 @@
               <a:t>.append</a:t>
             </a:r>
             <a:r>
-              <a:rPr lang="en-US" sz="3000" i="0" u="none" strike="noStrike" cap="none" dirty="0">
+              <a:rPr lang="pl" sz="3000" b="0" i="0" u="none" strike="noStrike" cap="none" baseline="0">
                 <a:solidFill>
                   <a:schemeClr val="lt1"/>
                 </a:solidFill>
@@ -7330,7 +7235,7 @@
               <a:t>( </a:t>
             </a:r>
             <a:r>
-              <a:rPr lang="en-US" sz="3000" i="0" u="none" strike="noStrike" cap="none" dirty="0">
+              <a:rPr lang="pl" sz="3000" b="0" i="0" u="none" strike="noStrike" cap="none" baseline="0">
                 <a:solidFill>
                   <a:srgbClr val="FF7F00"/>
                 </a:solidFill>
@@ -7342,7 +7247,7 @@
               <a:t>(v, k)</a:t>
             </a:r>
             <a:r>
-              <a:rPr lang="en-US" sz="3000" i="0" u="none" strike="noStrike" cap="none" dirty="0">
+              <a:rPr lang="pl" sz="3000" b="0" i="0" u="none" strike="noStrike" cap="none" baseline="0">
                 <a:solidFill>
                   <a:schemeClr val="lt1"/>
                 </a:solidFill>
@@ -7355,7 +7260,7 @@
             </a:r>
           </a:p>
           <a:p>
-            <a:pPr lvl="1">
+            <a:pPr lvl="1" algn="l" rtl="0">
               <a:buClr>
                 <a:schemeClr val="lt1"/>
               </a:buClr>
@@ -7364,7 +7269,7 @@
               <a:buNone/>
             </a:pPr>
             <a:r>
-              <a:rPr lang="en-US" sz="3000" i="0" u="none" strike="noStrike" cap="none" dirty="0">
+              <a:rPr lang="pl" sz="3000" b="0" i="0" u="none" strike="noStrike" cap="none" baseline="0">
                 <a:solidFill>
                   <a:schemeClr val="lt1"/>
                 </a:solidFill>
@@ -7377,14 +7282,14 @@
             </a:r>
           </a:p>
           <a:p>
-            <a:pPr lvl="1">
+            <a:pPr lvl="1" algn="l" rtl="0">
               <a:buClr>
                 <a:schemeClr val="lt1"/>
               </a:buClr>
               <a:buSzPct val="25000"/>
             </a:pPr>
             <a:r>
-              <a:rPr lang="en-US" sz="3000" i="0" u="none" strike="noStrike" cap="none" dirty="0">
+              <a:rPr lang="pl" sz="3000" b="0" i="0" u="none" strike="noStrike" cap="none" baseline="0">
                 <a:solidFill>
                   <a:schemeClr val="lt1"/>
                 </a:solidFill>
@@ -7396,7 +7301,7 @@
               <a:t>&gt;&gt;&gt; </a:t>
             </a:r>
             <a:r>
-              <a:rPr lang="en-US" sz="3000" i="0" u="none" strike="noStrike" cap="none" dirty="0" smtClean="0">
+              <a:rPr lang="pl" sz="3000" b="0" i="0" u="none" strike="noStrike" cap="none" baseline="0">
                 <a:solidFill>
                   <a:srgbClr val="FFFF00"/>
                 </a:solidFill>
@@ -7408,7 +7313,7 @@
               <a:t>print</a:t>
             </a:r>
             <a:r>
-              <a:rPr lang="en-US" sz="3000" dirty="0">
+              <a:rPr lang="pl" sz="3000" b="0" i="0" u="none" baseline="0">
                 <a:solidFill>
                   <a:schemeClr val="lt1"/>
                 </a:solidFill>
@@ -7420,7 +7325,7 @@
               <a:t>(</a:t>
             </a:r>
             <a:r>
-              <a:rPr lang="en-US" sz="3000" i="0" u="none" strike="noStrike" cap="none" dirty="0" err="1" smtClean="0">
+              <a:rPr lang="pl" sz="3000" b="0" i="0" u="none" strike="noStrike" cap="none" baseline="0">
                 <a:solidFill>
                   <a:srgbClr val="00FF00"/>
                 </a:solidFill>
@@ -7432,7 +7337,7 @@
               <a:t>tmp</a:t>
             </a:r>
             <a:r>
-              <a:rPr lang="en-US" sz="3000" dirty="0" smtClean="0">
+              <a:rPr lang="pl" sz="3000" b="0" i="0" u="none" baseline="0">
                 <a:solidFill>
                   <a:srgbClr val="FFFF00"/>
                 </a:solidFill>
@@ -7443,7 +7348,7 @@
               </a:rPr>
               <a:t>)</a:t>
             </a:r>
-            <a:endParaRPr lang="en-US" sz="3000" i="0" u="none" strike="noStrike" cap="none" dirty="0">
+            <a:endParaRPr lang="pl" sz="3000" i="0" u="none" strike="noStrike" cap="none" dirty="0">
               <a:solidFill>
                 <a:srgbClr val="00FF00"/>
               </a:solidFill>
@@ -7454,7 +7359,7 @@
             </a:endParaRPr>
           </a:p>
           <a:p>
-            <a:pPr lvl="1">
+            <a:pPr lvl="1" algn="l" rtl="0">
               <a:buClr>
                 <a:schemeClr val="lt1"/>
               </a:buClr>
@@ -7463,7 +7368,7 @@
               <a:buNone/>
             </a:pPr>
             <a:r>
-              <a:rPr lang="en-US" sz="3000" i="0" u="none" strike="noStrike" cap="none" dirty="0">
+              <a:rPr lang="pl" sz="3000" b="0" i="0" u="none" strike="noStrike" cap="none" baseline="0">
                 <a:solidFill>
                   <a:schemeClr val="lt1"/>
                 </a:solidFill>
@@ -7476,7 +7381,7 @@
             </a:r>
           </a:p>
           <a:p>
-            <a:pPr lvl="1">
+            <a:pPr lvl="1" algn="l" rtl="0">
               <a:buClr>
                 <a:schemeClr val="lt1"/>
               </a:buClr>
@@ -7485,7 +7390,7 @@
               <a:buNone/>
             </a:pPr>
             <a:r>
-              <a:rPr lang="en-US" sz="3000" i="0" u="none" strike="noStrike" cap="none" dirty="0">
+              <a:rPr lang="pl" sz="3000" b="0" i="0" u="none" strike="noStrike" cap="none" baseline="0">
                 <a:solidFill>
                   <a:schemeClr val="lt1"/>
                 </a:solidFill>
@@ -7497,7 +7402,7 @@
               <a:t>&gt;&gt;&gt; </a:t>
             </a:r>
             <a:r>
-              <a:rPr lang="en-US" sz="3000" i="0" u="none" strike="noStrike" cap="none" dirty="0" err="1" smtClean="0">
+              <a:rPr lang="pl" sz="3000" b="0" i="0" u="none" strike="noStrike" cap="none" baseline="0">
                 <a:solidFill>
                   <a:srgbClr val="00FA00"/>
                 </a:solidFill>
@@ -7506,34 +7411,58 @@
                 <a:cs typeface="Courier"/>
                 <a:sym typeface="Courier New"/>
               </a:rPr>
+              <a:t>tmp </a:t>
+            </a:r>
+            <a:r>
+              <a:rPr lang="pl" sz="3000" b="0" i="0" u="none" strike="noStrike" cap="none" baseline="0">
+                <a:solidFill>
+                  <a:schemeClr val="lt1"/>
+                </a:solidFill>
+                <a:latin typeface="Courier"/>
+                <a:ea typeface="Courier New"/>
+                <a:cs typeface="Courier"/>
+                <a:sym typeface="Courier New"/>
+              </a:rPr>
+              <a:t>= </a:t>
+            </a:r>
+            <a:r>
+              <a:rPr lang="pl" sz="3000" b="0" i="0" u="none" strike="noStrike" cap="none" baseline="0">
+                <a:solidFill>
+                  <a:srgbClr val="FFFF00"/>
+                </a:solidFill>
+                <a:latin typeface="Courier"/>
+                <a:ea typeface="Courier New"/>
+                <a:cs typeface="Courier"/>
+                <a:sym typeface="Courier New"/>
+              </a:rPr>
+              <a:t>sorted(</a:t>
+            </a:r>
+            <a:r>
+              <a:rPr lang="pl" sz="3000" b="0" i="0" u="none" strike="noStrike" cap="none" baseline="0">
+                <a:solidFill>
+                  <a:srgbClr val="00FF00"/>
+                </a:solidFill>
+                <a:latin typeface="Courier"/>
+                <a:ea typeface="Courier New"/>
+                <a:cs typeface="Courier"/>
+                <a:sym typeface="Courier New"/>
+              </a:rPr>
               <a:t>tmp</a:t>
             </a:r>
             <a:r>
-              <a:rPr lang="en-US" sz="3000" i="0" u="none" strike="noStrike" cap="none" dirty="0" smtClean="0">
-                <a:solidFill>
-                  <a:srgbClr val="00FA00"/>
-                </a:solidFill>
-                <a:latin typeface="Courier"/>
-                <a:ea typeface="Courier New"/>
-                <a:cs typeface="Courier"/>
-                <a:sym typeface="Courier New"/>
-              </a:rPr>
-              <a:t> </a:t>
-            </a:r>
-            <a:r>
-              <a:rPr lang="en-US" sz="3000" i="0" u="none" strike="noStrike" cap="none" dirty="0" smtClean="0">
-                <a:solidFill>
-                  <a:schemeClr val="lt1"/>
-                </a:solidFill>
-                <a:latin typeface="Courier"/>
-                <a:ea typeface="Courier New"/>
-                <a:cs typeface="Courier"/>
-                <a:sym typeface="Courier New"/>
-              </a:rPr>
-              <a:t>= </a:t>
-            </a:r>
-            <a:r>
-              <a:rPr lang="en-US" sz="3000" i="0" u="none" strike="noStrike" cap="none" dirty="0" smtClean="0">
+              <a:rPr lang="pl" sz="3000" b="0" i="0" u="none" strike="noStrike" cap="none" baseline="0">
+                <a:solidFill>
+                  <a:srgbClr val="FF00FF"/>
+                </a:solidFill>
+                <a:latin typeface="Courier"/>
+                <a:ea typeface="Courier New"/>
+                <a:cs typeface="Courier"/>
+                <a:sym typeface="Courier New"/>
+              </a:rPr>
+              <a:t>, reverse=True</a:t>
+            </a:r>
+            <a:r>
+              <a:rPr lang="pl" sz="3000" b="0" i="0" u="none" strike="noStrike" cap="none" baseline="0">
                 <a:solidFill>
                   <a:srgbClr val="FFFF00"/>
                 </a:solidFill>
@@ -7542,10 +7471,42 @@
                 <a:cs typeface="Courier"/>
                 <a:sym typeface="Courier New"/>
               </a:rPr>
-              <a:t>sorted(</a:t>
-            </a:r>
-            <a:r>
-              <a:rPr lang="en-US" sz="3000" i="0" u="none" strike="noStrike" cap="none" dirty="0" err="1" smtClean="0">
+              <a:t>)</a:t>
+            </a:r>
+          </a:p>
+          <a:p>
+            <a:pPr lvl="1" algn="l" rtl="0">
+              <a:buClr>
+                <a:schemeClr val="lt1"/>
+              </a:buClr>
+              <a:buSzPct val="25000"/>
+            </a:pPr>
+            <a:r>
+              <a:rPr lang="pl" sz="3000" b="0" i="0" u="none" strike="noStrike" cap="none" baseline="0">
+                <a:solidFill>
+                  <a:schemeClr val="lt1"/>
+                </a:solidFill>
+                <a:latin typeface="Courier"/>
+                <a:ea typeface="Courier New"/>
+                <a:cs typeface="Courier"/>
+                <a:sym typeface="Courier New"/>
+              </a:rPr>
+              <a:t>&gt;&gt;&gt; </a:t>
+            </a:r>
+            <a:r>
+              <a:rPr lang="pl" sz="3000" b="0" i="0" u="none" strike="noStrike" cap="none" baseline="0">
+                <a:solidFill>
+                  <a:srgbClr val="FFFF00"/>
+                </a:solidFill>
+                <a:latin typeface="Courier"/>
+                <a:ea typeface="Courier New"/>
+                <a:cs typeface="Courier"/>
+                <a:sym typeface="Courier New"/>
+              </a:rPr>
+              <a:t>print(</a:t>
+            </a:r>
+            <a:r>
+              <a:rPr lang="pl" sz="3000" b="0" i="0" u="none" strike="noStrike" cap="none" baseline="0">
                 <a:solidFill>
                   <a:srgbClr val="00FF00"/>
                 </a:solidFill>
@@ -7557,19 +7518,7 @@
               <a:t>tmp</a:t>
             </a:r>
             <a:r>
-              <a:rPr lang="en-US" sz="3000" i="0" u="none" strike="noStrike" cap="none" dirty="0" smtClean="0">
-                <a:solidFill>
-                  <a:srgbClr val="FF00FF"/>
-                </a:solidFill>
-                <a:latin typeface="Courier"/>
-                <a:ea typeface="Courier New"/>
-                <a:cs typeface="Courier"/>
-                <a:sym typeface="Courier New"/>
-              </a:rPr>
-              <a:t>, reverse=True</a:t>
-            </a:r>
-            <a:r>
-              <a:rPr lang="en-US" sz="3000" i="0" u="none" strike="noStrike" cap="none" dirty="0">
+              <a:rPr lang="pl" sz="3000" b="0" i="0" u="none" baseline="0">
                 <a:solidFill>
                   <a:srgbClr val="FFFF00"/>
                 </a:solidFill>
@@ -7580,63 +7529,7 @@
               </a:rPr>
               <a:t>)</a:t>
             </a:r>
-          </a:p>
-          <a:p>
-            <a:pPr lvl="1">
-              <a:buClr>
-                <a:schemeClr val="lt1"/>
-              </a:buClr>
-              <a:buSzPct val="25000"/>
-            </a:pPr>
-            <a:r>
-              <a:rPr lang="en-US" sz="3000" i="0" u="none" strike="noStrike" cap="none" dirty="0">
-                <a:solidFill>
-                  <a:schemeClr val="lt1"/>
-                </a:solidFill>
-                <a:latin typeface="Courier"/>
-                <a:ea typeface="Courier New"/>
-                <a:cs typeface="Courier"/>
-                <a:sym typeface="Courier New"/>
-              </a:rPr>
-              <a:t>&gt;&gt;&gt; </a:t>
-            </a:r>
-            <a:r>
-              <a:rPr lang="en-US" sz="3000" i="0" u="none" strike="noStrike" cap="none" dirty="0" smtClean="0">
-                <a:solidFill>
-                  <a:srgbClr val="FFFF00"/>
-                </a:solidFill>
-                <a:latin typeface="Courier"/>
-                <a:ea typeface="Courier New"/>
-                <a:cs typeface="Courier"/>
-                <a:sym typeface="Courier New"/>
-              </a:rPr>
-              <a:t>print(</a:t>
-            </a:r>
-            <a:r>
-              <a:rPr lang="en-US" sz="3000" i="0" u="none" strike="noStrike" cap="none" dirty="0" err="1" smtClean="0">
-                <a:solidFill>
-                  <a:srgbClr val="00FF00"/>
-                </a:solidFill>
-                <a:latin typeface="Courier"/>
-                <a:ea typeface="Courier New"/>
-                <a:cs typeface="Courier"/>
-                <a:sym typeface="Courier New"/>
-              </a:rPr>
-              <a:t>tmp</a:t>
-            </a:r>
-            <a:r>
-              <a:rPr lang="en-US" sz="3000" dirty="0" smtClean="0">
-                <a:solidFill>
-                  <a:srgbClr val="FFFF00"/>
-                </a:solidFill>
-                <a:latin typeface="Courier"/>
-                <a:ea typeface="Courier New"/>
-                <a:cs typeface="Courier"/>
-                <a:sym typeface="Courier New"/>
-              </a:rPr>
-              <a:t>)</a:t>
-            </a:r>
-            <a:endParaRPr lang="en-US" sz="3000" i="0" u="none" strike="noStrike" cap="none" dirty="0">
+            <a:endParaRPr lang="pl" sz="3000" i="0" u="none" strike="noStrike" cap="none" dirty="0">
               <a:solidFill>
                 <a:srgbClr val="00FF00"/>
               </a:solidFill>
@@ -7647,7 +7540,7 @@
             </a:endParaRPr>
           </a:p>
           <a:p>
-            <a:pPr lvl="1">
+            <a:pPr lvl="1" algn="l" rtl="0">
               <a:buClr>
                 <a:schemeClr val="lt1"/>
               </a:buClr>
@@ -7656,7 +7549,7 @@
               <a:buNone/>
             </a:pPr>
             <a:r>
-              <a:rPr lang="en-US" sz="3000" i="0" u="none" strike="noStrike" cap="none" dirty="0">
+              <a:rPr lang="pl" sz="3000" b="0" i="0" u="none" strike="noStrike" cap="none" baseline="0">
                 <a:solidFill>
                   <a:schemeClr val="lt1"/>
                 </a:solidFill>
@@ -7675,13 +7568,6 @@
   <p:clrMapOvr>
     <a:masterClrMapping/>
   </p:clrMapOvr>
-  <p:timing>
-    <p:tnLst>
-      <p:par>
-        <p:cTn id="1" dur="indefinite" restart="never" nodeType="tmRoot"/>
-      </p:par>
-    </p:tnLst>
-  </p:timing>
 </p:sld>
 </file>
 
@@ -7745,7 +7631,7 @@
               <a:buNone/>
             </a:pPr>
             <a:r>
-              <a:rPr lang="en-US" sz="3000" i="0" u="none" strike="noStrike" cap="none" dirty="0" err="1">
+              <a:rPr lang="pl" sz="3000" b="0" i="0" u="none" strike="noStrike" cap="none" baseline="0">
                 <a:solidFill>
                   <a:srgbClr val="00FF00"/>
                 </a:solidFill>
@@ -7757,7 +7643,7 @@
               <a:t>fhand</a:t>
             </a:r>
             <a:r>
-              <a:rPr lang="en-US" sz="3000" i="0" u="none" strike="noStrike" cap="none" dirty="0">
+              <a:rPr lang="pl" sz="3000" b="0" i="0" u="none" strike="noStrike" cap="none" baseline="0">
                 <a:solidFill>
                   <a:schemeClr val="lt1"/>
                 </a:solidFill>
@@ -7769,7 +7655,7 @@
               <a:t> = </a:t>
             </a:r>
             <a:r>
-              <a:rPr lang="en-US" sz="3000" i="0" u="none" strike="noStrike" cap="none" dirty="0">
+              <a:rPr lang="pl" sz="3000" b="0" i="0" u="none" strike="noStrike" cap="none" baseline="0">
                 <a:solidFill>
                   <a:srgbClr val="FF00FF"/>
                 </a:solidFill>
@@ -7781,40 +7667,16 @@
               <a:t>open</a:t>
             </a:r>
             <a:r>
-              <a:rPr lang="en-US" sz="3000" i="0" u="none" strike="noStrike" cap="none" dirty="0">
-                <a:solidFill>
-                  <a:schemeClr val="lt1"/>
-                </a:solidFill>
-                <a:latin typeface="Courier"/>
-                <a:ea typeface="Courier New"/>
-                <a:cs typeface="Courier"/>
-                <a:sym typeface="Courier New"/>
-              </a:rPr>
-              <a:t>('</a:t>
-            </a:r>
-            <a:r>
-              <a:rPr lang="en-US" sz="3000" i="0" u="none" strike="noStrike" cap="none" dirty="0" err="1">
-                <a:solidFill>
-                  <a:schemeClr val="lt1"/>
-                </a:solidFill>
-                <a:latin typeface="Courier"/>
-                <a:ea typeface="Courier New"/>
-                <a:cs typeface="Courier"/>
-                <a:sym typeface="Courier New"/>
-              </a:rPr>
-              <a:t>romeo.txt</a:t>
-            </a:r>
-            <a:r>
-              <a:rPr lang="en-US" sz="3000" i="0" u="none" strike="noStrike" cap="none" dirty="0">
-                <a:solidFill>
-                  <a:schemeClr val="lt1"/>
-                </a:solidFill>
-                <a:latin typeface="Courier"/>
-                <a:ea typeface="Courier New"/>
-                <a:cs typeface="Courier"/>
-                <a:sym typeface="Courier New"/>
-              </a:rPr>
-              <a:t>')</a:t>
+              <a:rPr lang="pl" sz="3000" b="0" i="0" u="none" strike="noStrike" cap="none" baseline="0">
+                <a:solidFill>
+                  <a:schemeClr val="lt1"/>
+                </a:solidFill>
+                <a:latin typeface="Courier"/>
+                <a:ea typeface="Courier New"/>
+                <a:cs typeface="Courier"/>
+                <a:sym typeface="Courier New"/>
+              </a:rPr>
+              <a:t>('romeo.txt')</a:t>
             </a:r>
           </a:p>
           <a:p>
@@ -7836,7 +7698,7 @@
               <a:buNone/>
             </a:pPr>
             <a:r>
-              <a:rPr lang="en-US" sz="3000" i="0" u="none" strike="noStrike" cap="none" dirty="0">
+              <a:rPr lang="pl" sz="3000" b="0" i="0" u="none" strike="noStrike" cap="none" baseline="0">
                 <a:solidFill>
                   <a:srgbClr val="00FF00"/>
                 </a:solidFill>
@@ -7848,7 +7710,7 @@
               <a:t>counts</a:t>
             </a:r>
             <a:r>
-              <a:rPr lang="en-US" sz="3000" i="0" u="none" strike="noStrike" cap="none" dirty="0">
+              <a:rPr lang="pl" sz="3000" b="0" i="0" u="none" strike="noStrike" cap="none" baseline="0">
                 <a:solidFill>
                   <a:schemeClr val="lt1"/>
                 </a:solidFill>
@@ -7860,7 +7722,7 @@
               <a:t> = </a:t>
             </a:r>
             <a:r>
-              <a:rPr lang="en-US" sz="3000" i="0" u="none" strike="noStrike" cap="none" dirty="0" smtClean="0">
+              <a:rPr lang="pl" sz="3000" b="0" i="0" u="none" strike="noStrike" cap="none" baseline="0">
                 <a:solidFill>
                   <a:srgbClr val="FF00FF"/>
                 </a:solidFill>
@@ -7871,7 +7733,7 @@
               </a:rPr>
               <a:t>{}</a:t>
             </a:r>
-            <a:endParaRPr lang="en-US" sz="3000" i="0" u="none" strike="noStrike" cap="none" dirty="0">
+            <a:endParaRPr lang="pl" sz="3000" i="0" u="none" strike="noStrike" cap="none" dirty="0">
               <a:solidFill>
                 <a:schemeClr val="lt1"/>
               </a:solidFill>
@@ -7900,7 +7762,7 @@
               <a:buNone/>
             </a:pPr>
             <a:r>
-              <a:rPr lang="en-US" sz="3000" i="0" u="none" strike="noStrike" cap="none" dirty="0">
+              <a:rPr lang="pl" sz="3000" b="0" i="0" u="none" strike="noStrike" cap="none" baseline="0">
                 <a:solidFill>
                   <a:srgbClr val="FFFF00"/>
                 </a:solidFill>
@@ -7912,7 +7774,7 @@
               <a:t>for</a:t>
             </a:r>
             <a:r>
-              <a:rPr lang="en-US" sz="3000" i="0" u="none" strike="noStrike" cap="none" dirty="0">
+              <a:rPr lang="pl" sz="3000" b="0" i="0" u="none" strike="noStrike" cap="none" baseline="0">
                 <a:solidFill>
                   <a:schemeClr val="lt1"/>
                 </a:solidFill>
@@ -7924,7 +7786,7 @@
               <a:t> </a:t>
             </a:r>
             <a:r>
-              <a:rPr lang="en-US" sz="3000" i="0" u="none" strike="noStrike" cap="none" dirty="0">
+              <a:rPr lang="pl" sz="3000" b="0" i="0" u="none" strike="noStrike" cap="none" baseline="0">
                 <a:solidFill>
                   <a:srgbClr val="00FF00"/>
                 </a:solidFill>
@@ -7936,7 +7798,7 @@
               <a:t>line</a:t>
             </a:r>
             <a:r>
-              <a:rPr lang="en-US" sz="3000" i="0" u="none" strike="noStrike" cap="none" dirty="0">
+              <a:rPr lang="pl" sz="3000" b="0" i="0" u="none" strike="noStrike" cap="none" baseline="0">
                 <a:solidFill>
                   <a:schemeClr val="lt1"/>
                 </a:solidFill>
@@ -7948,7 +7810,7 @@
               <a:t> </a:t>
             </a:r>
             <a:r>
-              <a:rPr lang="en-US" sz="3000" i="0" u="none" strike="noStrike" cap="none" dirty="0">
+              <a:rPr lang="pl" sz="3000" b="0" i="0" u="none" strike="noStrike" cap="none" baseline="0">
                 <a:solidFill>
                   <a:srgbClr val="FFFF00"/>
                 </a:solidFill>
@@ -7960,7 +7822,7 @@
               <a:t>in</a:t>
             </a:r>
             <a:r>
-              <a:rPr lang="en-US" sz="3000" i="0" u="none" strike="noStrike" cap="none" dirty="0">
+              <a:rPr lang="pl" sz="3000" b="0" i="0" u="none" strike="noStrike" cap="none" baseline="0">
                 <a:solidFill>
                   <a:schemeClr val="lt1"/>
                 </a:solidFill>
@@ -7972,7 +7834,7 @@
               <a:t> </a:t>
             </a:r>
             <a:r>
-              <a:rPr lang="en-US" sz="3000" i="0" u="none" strike="noStrike" cap="none" dirty="0" err="1">
+              <a:rPr lang="pl" sz="3000" b="0" i="0" u="none" strike="noStrike" cap="none" baseline="0">
                 <a:solidFill>
                   <a:srgbClr val="00FF00"/>
                 </a:solidFill>
@@ -7984,7 +7846,7 @@
               <a:t>fhand</a:t>
             </a:r>
             <a:r>
-              <a:rPr lang="en-US" sz="3000" i="0" u="none" strike="noStrike" cap="none" dirty="0">
+              <a:rPr lang="pl" sz="3000" b="0" i="0" u="none" strike="noStrike" cap="none" baseline="0">
                 <a:solidFill>
                   <a:schemeClr val="lt1"/>
                 </a:solidFill>
@@ -8015,7 +7877,7 @@
               <a:buNone/>
             </a:pPr>
             <a:r>
-              <a:rPr lang="en-US" sz="3000" i="0" u="none" strike="noStrike" cap="none" dirty="0">
+              <a:rPr lang="pl" sz="3000" b="0" i="0" u="none" strike="noStrike" cap="none" baseline="0">
                 <a:solidFill>
                   <a:schemeClr val="lt1"/>
                 </a:solidFill>
@@ -8027,7 +7889,7 @@
               <a:t>    </a:t>
             </a:r>
             <a:r>
-              <a:rPr lang="en-US" sz="3000" i="0" u="none" strike="noStrike" cap="none" dirty="0">
+              <a:rPr lang="pl" sz="3000" b="0" i="0" u="none" strike="noStrike" cap="none" baseline="0">
                 <a:solidFill>
                   <a:srgbClr val="00FF00"/>
                 </a:solidFill>
@@ -8039,7 +7901,7 @@
               <a:t>words</a:t>
             </a:r>
             <a:r>
-              <a:rPr lang="en-US" sz="3000" i="0" u="none" strike="noStrike" cap="none" dirty="0">
+              <a:rPr lang="pl" sz="3000" b="0" i="0" u="none" strike="noStrike" cap="none" baseline="0">
                 <a:solidFill>
                   <a:schemeClr val="lt1"/>
                 </a:solidFill>
@@ -8051,7 +7913,7 @@
               <a:t> = </a:t>
             </a:r>
             <a:r>
-              <a:rPr lang="en-US" sz="3000" i="0" u="none" strike="noStrike" cap="none" dirty="0" err="1">
+              <a:rPr lang="pl" sz="3000" b="0" i="0" u="none" strike="noStrike" cap="none" baseline="0">
                 <a:solidFill>
                   <a:srgbClr val="00FF00"/>
                 </a:solidFill>
@@ -8063,7 +7925,7 @@
               <a:t>line</a:t>
             </a:r>
             <a:r>
-              <a:rPr lang="en-US" sz="3000" i="0" u="none" strike="noStrike" cap="none" dirty="0" err="1">
+              <a:rPr lang="pl" sz="3000" b="0" i="0" u="none" strike="noStrike" cap="none" baseline="0">
                 <a:solidFill>
                   <a:srgbClr val="FF00FF"/>
                 </a:solidFill>
@@ -8075,7 +7937,7 @@
               <a:t>.split</a:t>
             </a:r>
             <a:r>
-              <a:rPr lang="en-US" sz="3000" i="0" u="none" strike="noStrike" cap="none" dirty="0">
+              <a:rPr lang="pl" sz="3000" b="0" i="0" u="none" strike="noStrike" cap="none" baseline="0">
                 <a:solidFill>
                   <a:schemeClr val="lt1"/>
                 </a:solidFill>
@@ -8106,7 +7968,7 @@
               <a:buNone/>
             </a:pPr>
             <a:r>
-              <a:rPr lang="en-US" sz="3000" i="0" u="none" strike="noStrike" cap="none" dirty="0">
+              <a:rPr lang="pl" sz="3000" b="0" i="0" u="none" strike="noStrike" cap="none" baseline="0">
                 <a:solidFill>
                   <a:schemeClr val="lt1"/>
                 </a:solidFill>
@@ -8118,7 +7980,7 @@
               <a:t>    </a:t>
             </a:r>
             <a:r>
-              <a:rPr lang="en-US" sz="3000" i="0" u="none" strike="noStrike" cap="none" dirty="0">
+              <a:rPr lang="pl" sz="3000" b="0" i="0" u="none" strike="noStrike" cap="none" baseline="0">
                 <a:solidFill>
                   <a:srgbClr val="FFFF00"/>
                 </a:solidFill>
@@ -8130,7 +7992,7 @@
               <a:t>for</a:t>
             </a:r>
             <a:r>
-              <a:rPr lang="en-US" sz="3000" i="0" u="none" strike="noStrike" cap="none" dirty="0">
+              <a:rPr lang="pl" sz="3000" b="0" i="0" u="none" strike="noStrike" cap="none" baseline="0">
                 <a:solidFill>
                   <a:schemeClr val="lt1"/>
                 </a:solidFill>
@@ -8142,7 +8004,7 @@
               <a:t> </a:t>
             </a:r>
             <a:r>
-              <a:rPr lang="en-US" sz="3000" i="0" u="none" strike="noStrike" cap="none" dirty="0">
+              <a:rPr lang="pl" sz="3000" b="0" i="0" u="none" strike="noStrike" cap="none" baseline="0">
                 <a:solidFill>
                   <a:srgbClr val="00FF00"/>
                 </a:solidFill>
@@ -8154,7 +8016,7 @@
               <a:t>word</a:t>
             </a:r>
             <a:r>
-              <a:rPr lang="en-US" sz="3000" i="0" u="none" strike="noStrike" cap="none" dirty="0">
+              <a:rPr lang="pl" sz="3000" b="0" i="0" u="none" strike="noStrike" cap="none" baseline="0">
                 <a:solidFill>
                   <a:schemeClr val="lt1"/>
                 </a:solidFill>
@@ -8166,7 +8028,7 @@
               <a:t> </a:t>
             </a:r>
             <a:r>
-              <a:rPr lang="en-US" sz="3000" i="0" u="none" strike="noStrike" cap="none" dirty="0">
+              <a:rPr lang="pl" sz="3000" b="0" i="0" u="none" strike="noStrike" cap="none" baseline="0">
                 <a:solidFill>
                   <a:srgbClr val="FFFF00"/>
                 </a:solidFill>
@@ -8178,7 +8040,7 @@
               <a:t>in</a:t>
             </a:r>
             <a:r>
-              <a:rPr lang="en-US" sz="3000" i="0" u="none" strike="noStrike" cap="none" dirty="0">
+              <a:rPr lang="pl" sz="3000" b="0" i="0" u="none" strike="noStrike" cap="none" baseline="0">
                 <a:solidFill>
                   <a:schemeClr val="lt1"/>
                 </a:solidFill>
@@ -8190,7 +8052,7 @@
               <a:t> </a:t>
             </a:r>
             <a:r>
-              <a:rPr lang="en-US" sz="3000" i="0" u="none" strike="noStrike" cap="none" dirty="0">
+              <a:rPr lang="pl" sz="3000" b="0" i="0" u="none" strike="noStrike" cap="none" baseline="0">
                 <a:solidFill>
                   <a:srgbClr val="00FF00"/>
                 </a:solidFill>
@@ -8202,7 +8064,7 @@
               <a:t>words</a:t>
             </a:r>
             <a:r>
-              <a:rPr lang="en-US" sz="3000" i="0" u="none" strike="noStrike" cap="none" dirty="0">
+              <a:rPr lang="pl" sz="3000" b="0" i="0" u="none" strike="noStrike" cap="none" baseline="0">
                 <a:solidFill>
                   <a:schemeClr val="lt1"/>
                 </a:solidFill>
@@ -8233,7 +8095,7 @@
               <a:buNone/>
             </a:pPr>
             <a:r>
-              <a:rPr lang="en-US" sz="3000" i="0" u="none" strike="noStrike" cap="none" dirty="0">
+              <a:rPr lang="pl" sz="3000" b="0" i="0" u="none" strike="noStrike" cap="none" baseline="0">
                 <a:solidFill>
                   <a:schemeClr val="lt1"/>
                 </a:solidFill>
@@ -8245,7 +8107,7 @@
               <a:t>        </a:t>
             </a:r>
             <a:r>
-              <a:rPr lang="en-US" sz="3000" i="0" u="none" strike="noStrike" cap="none" dirty="0">
+              <a:rPr lang="pl" sz="3000" b="0" i="0" u="none" strike="noStrike" cap="none" baseline="0">
                 <a:solidFill>
                   <a:srgbClr val="00FF00"/>
                 </a:solidFill>
@@ -8257,7 +8119,7 @@
               <a:t>counts</a:t>
             </a:r>
             <a:r>
-              <a:rPr lang="en-US" sz="3000" i="0" u="none" strike="noStrike" cap="none" dirty="0">
+              <a:rPr lang="pl" sz="3000" b="0" i="0" u="none" strike="noStrike" cap="none" baseline="0">
                 <a:solidFill>
                   <a:srgbClr val="00FFFF"/>
                 </a:solidFill>
@@ -8269,7 +8131,7 @@
               <a:t>[word]</a:t>
             </a:r>
             <a:r>
-              <a:rPr lang="en-US" sz="3000" i="0" u="none" strike="noStrike" cap="none" dirty="0">
+              <a:rPr lang="pl" sz="3000" b="0" i="0" u="none" strike="noStrike" cap="none" baseline="0">
                 <a:solidFill>
                   <a:schemeClr val="lt1"/>
                 </a:solidFill>
@@ -8281,7 +8143,7 @@
               <a:t> = </a:t>
             </a:r>
             <a:r>
-              <a:rPr lang="en-US" sz="3000" i="0" u="none" strike="noStrike" cap="none" dirty="0" err="1">
+              <a:rPr lang="pl" sz="3000" b="0" i="0" u="none" strike="noStrike" cap="none" baseline="0">
                 <a:solidFill>
                   <a:srgbClr val="00FF00"/>
                 </a:solidFill>
@@ -8293,7 +8155,7 @@
               <a:t>counts</a:t>
             </a:r>
             <a:r>
-              <a:rPr lang="en-US" sz="3000" i="0" u="none" strike="noStrike" cap="none" dirty="0" err="1">
+              <a:rPr lang="pl" sz="3000" b="0" i="0" u="none" strike="noStrike" cap="none" baseline="0">
                 <a:solidFill>
                   <a:srgbClr val="FF00FF"/>
                 </a:solidFill>
@@ -8305,7 +8167,7 @@
               <a:t>.get</a:t>
             </a:r>
             <a:r>
-              <a:rPr lang="en-US" sz="3000" i="0" u="none" strike="noStrike" cap="none" dirty="0">
+              <a:rPr lang="pl" sz="3000" b="0" i="0" u="none" strike="noStrike" cap="none" baseline="0">
                 <a:solidFill>
                   <a:schemeClr val="lt1"/>
                 </a:solidFill>
@@ -8317,7 +8179,7 @@
               <a:t>(</a:t>
             </a:r>
             <a:r>
-              <a:rPr lang="en-US" sz="3000" i="0" u="none" strike="noStrike" cap="none" dirty="0">
+              <a:rPr lang="pl" sz="3000" b="0" i="0" u="none" strike="noStrike" cap="none" baseline="0">
                 <a:solidFill>
                   <a:srgbClr val="00FFFF"/>
                 </a:solidFill>
@@ -8329,7 +8191,7 @@
               <a:t>word</a:t>
             </a:r>
             <a:r>
-              <a:rPr lang="en-US" sz="3000" i="0" u="none" strike="noStrike" cap="none" dirty="0">
+              <a:rPr lang="pl" sz="3000" b="0" i="0" u="none" strike="noStrike" cap="none" baseline="0">
                 <a:solidFill>
                   <a:schemeClr val="lt1"/>
                 </a:solidFill>
@@ -8387,7 +8249,7 @@
               <a:buNone/>
             </a:pPr>
             <a:r>
-              <a:rPr lang="en-US" sz="3000" i="0" u="none" strike="noStrike" cap="none" dirty="0" err="1">
+              <a:rPr lang="pl" sz="3000" b="0" i="0" u="none" strike="noStrike" cap="none" baseline="0">
                 <a:solidFill>
                   <a:srgbClr val="00FF00"/>
                 </a:solidFill>
@@ -8399,31 +8261,19 @@
               <a:t>lst</a:t>
             </a:r>
             <a:r>
-              <a:rPr lang="en-US" sz="3000" i="0" u="none" strike="noStrike" cap="none" dirty="0">
-                <a:solidFill>
-                  <a:schemeClr val="lt1"/>
-                </a:solidFill>
-                <a:latin typeface="Courier"/>
-                <a:ea typeface="Courier New"/>
-                <a:cs typeface="Courier"/>
-                <a:sym typeface="Courier New"/>
-              </a:rPr>
-              <a:t> </a:t>
-            </a:r>
-            <a:r>
-              <a:rPr lang="en-US" sz="3000" i="0" u="none" strike="noStrike" cap="none">
-                <a:solidFill>
-                  <a:schemeClr val="lt1"/>
-                </a:solidFill>
-                <a:latin typeface="Courier"/>
-                <a:ea typeface="Courier New"/>
-                <a:cs typeface="Courier"/>
-                <a:sym typeface="Courier New"/>
-              </a:rPr>
-              <a:t>= </a:t>
-            </a:r>
-            <a:r>
-              <a:rPr lang="en-US" sz="3000" i="0" u="none" strike="noStrike" cap="none" smtClean="0">
+              <a:rPr lang="pl" sz="3000" b="0" i="0" u="none" strike="noStrike" cap="none" baseline="0">
+                <a:solidFill>
+                  <a:schemeClr val="lt1"/>
+                </a:solidFill>
+                <a:latin typeface="Courier"/>
+                <a:ea typeface="Courier New"/>
+                <a:cs typeface="Courier"/>
+                <a:sym typeface="Courier New"/>
+              </a:rPr>
+              <a:t> = </a:t>
+            </a:r>
+            <a:r>
+              <a:rPr lang="pl" sz="3000" b="0" i="0" u="none" strike="noStrike" cap="none" baseline="0">
                 <a:solidFill>
                   <a:srgbClr val="FF00FF"/>
                 </a:solidFill>
@@ -8434,7 +8284,7 @@
               </a:rPr>
               <a:t>[]</a:t>
             </a:r>
-            <a:endParaRPr lang="en-US" sz="3000" i="0" u="none" strike="noStrike" cap="none" dirty="0">
+            <a:endParaRPr lang="pl" sz="3000" i="0" u="none" strike="noStrike" cap="none" dirty="0">
               <a:solidFill>
                 <a:schemeClr val="lt1"/>
               </a:solidFill>
@@ -8463,7 +8313,7 @@
               <a:buNone/>
             </a:pPr>
             <a:r>
-              <a:rPr lang="en-US" sz="3000" i="0" u="none" strike="noStrike" cap="none" dirty="0">
+              <a:rPr lang="pl" sz="3000" b="0" i="0" u="none" strike="noStrike" cap="none" baseline="0">
                 <a:solidFill>
                   <a:srgbClr val="FFFF00"/>
                 </a:solidFill>
@@ -8475,7 +8325,7 @@
               <a:t>for</a:t>
             </a:r>
             <a:r>
-              <a:rPr lang="en-US" sz="3000" i="0" u="none" strike="noStrike" cap="none" dirty="0">
+              <a:rPr lang="pl" sz="3000" b="0" i="0" u="none" strike="noStrike" cap="none" baseline="0">
                 <a:solidFill>
                   <a:schemeClr val="lt1"/>
                 </a:solidFill>
@@ -8487,7 +8337,7 @@
               <a:t> </a:t>
             </a:r>
             <a:r>
-              <a:rPr lang="en-US" sz="3000" i="0" u="none" strike="noStrike" cap="none" dirty="0">
+              <a:rPr lang="pl" sz="3000" b="0" i="0" u="none" strike="noStrike" cap="none" baseline="0">
                 <a:solidFill>
                   <a:srgbClr val="FF7F00"/>
                 </a:solidFill>
@@ -8496,10 +8346,126 @@
                 <a:cs typeface="Courier"/>
                 <a:sym typeface="Courier New"/>
               </a:rPr>
-              <a:t>key, </a:t>
-            </a:r>
-            <a:r>
-              <a:rPr lang="en-US" sz="3000" i="0" u="none" strike="noStrike" cap="none" dirty="0" err="1">
+              <a:t>key, val</a:t>
+            </a:r>
+            <a:r>
+              <a:rPr lang="pl" sz="3000" b="0" i="0" u="none" strike="noStrike" cap="none" baseline="0">
+                <a:solidFill>
+                  <a:schemeClr val="lt1"/>
+                </a:solidFill>
+                <a:latin typeface="Courier"/>
+                <a:ea typeface="Courier New"/>
+                <a:cs typeface="Courier"/>
+                <a:sym typeface="Courier New"/>
+              </a:rPr>
+              <a:t> </a:t>
+            </a:r>
+            <a:r>
+              <a:rPr lang="pl" sz="3000" b="0" i="0" u="none" strike="noStrike" cap="none" baseline="0">
+                <a:solidFill>
+                  <a:srgbClr val="FFFF00"/>
+                </a:solidFill>
+                <a:latin typeface="Courier"/>
+                <a:ea typeface="Courier New"/>
+                <a:cs typeface="Courier"/>
+                <a:sym typeface="Courier New"/>
+              </a:rPr>
+              <a:t>in</a:t>
+            </a:r>
+            <a:r>
+              <a:rPr lang="pl" sz="3000" b="0" i="0" u="none" strike="noStrike" cap="none" baseline="0">
+                <a:solidFill>
+                  <a:schemeClr val="lt1"/>
+                </a:solidFill>
+                <a:latin typeface="Courier"/>
+                <a:ea typeface="Courier New"/>
+                <a:cs typeface="Courier"/>
+                <a:sym typeface="Courier New"/>
+              </a:rPr>
+              <a:t> </a:t>
+            </a:r>
+            <a:r>
+              <a:rPr lang="pl" sz="3000" b="0" i="0" u="none" strike="noStrike" cap="none" baseline="0">
+                <a:solidFill>
+                  <a:srgbClr val="00FF00"/>
+                </a:solidFill>
+                <a:latin typeface="Courier"/>
+                <a:ea typeface="Courier New"/>
+                <a:cs typeface="Courier"/>
+                <a:sym typeface="Courier New"/>
+              </a:rPr>
+              <a:t>counts</a:t>
+            </a:r>
+            <a:r>
+              <a:rPr lang="pl" sz="3000" b="0" i="0" u="none" strike="noStrike" cap="none" baseline="0">
+                <a:solidFill>
+                  <a:srgbClr val="FF00FF"/>
+                </a:solidFill>
+                <a:latin typeface="Courier"/>
+                <a:ea typeface="Courier New"/>
+                <a:cs typeface="Courier"/>
+                <a:sym typeface="Courier New"/>
+              </a:rPr>
+              <a:t>.items</a:t>
+            </a:r>
+            <a:r>
+              <a:rPr lang="pl" sz="3000" b="0" i="0" u="none" strike="noStrike" cap="none" baseline="0">
+                <a:solidFill>
+                  <a:schemeClr val="lt1"/>
+                </a:solidFill>
+                <a:latin typeface="Courier"/>
+                <a:ea typeface="Courier New"/>
+                <a:cs typeface="Courier"/>
+                <a:sym typeface="Courier New"/>
+              </a:rPr>
+              <a:t>():</a:t>
+            </a:r>
+          </a:p>
+          <a:p>
+            <a:pPr lvl="0" algn="l" rtl="0">
+              <a:buClr>
+                <a:srgbClr val="FFFF00"/>
+              </a:buClr>
+              <a:buSzPct val="25000"/>
+            </a:pPr>
+            <a:r>
+              <a:rPr lang="pl" sz="3000" b="0" i="0" u="none" baseline="0">
+                <a:solidFill>
+                  <a:schemeClr val="lt1"/>
+                </a:solidFill>
+                <a:latin typeface="Courier"/>
+                <a:ea typeface="Courier New"/>
+                <a:cs typeface="Courier"/>
+                <a:sym typeface="Courier New"/>
+              </a:rPr>
+              <a:t>	</a:t>
+            </a:r>
+            <a:r>
+              <a:rPr lang="pl" sz="3000" b="0" i="0" u="none" baseline="0">
+                <a:solidFill>
+                  <a:srgbClr val="00FA00"/>
+                </a:solidFill>
+                <a:latin typeface="Courier"/>
+                <a:ea typeface="Courier New"/>
+                <a:cs typeface="Courier"/>
+                <a:sym typeface="Courier New"/>
+              </a:rPr>
+              <a:t>newtup </a:t>
+            </a:r>
+            <a:r>
+              <a:rPr lang="pl" sz="3000" b="0" i="0" u="none" baseline="0">
+                <a:solidFill>
+                  <a:schemeClr val="lt1"/>
+                </a:solidFill>
+                <a:latin typeface="Courier"/>
+                <a:ea typeface="Courier New"/>
+                <a:cs typeface="Courier"/>
+                <a:sym typeface="Courier New"/>
+              </a:rPr>
+              <a:t>= </a:t>
+            </a:r>
+            <a:r>
+              <a:rPr lang="pl" sz="3000" b="0" i="0" u="none" baseline="0">
                 <a:solidFill>
                   <a:srgbClr val="FF7F00"/>
                 </a:solidFill>
@@ -8508,10 +8474,10 @@
                 <a:cs typeface="Courier"/>
                 <a:sym typeface="Courier New"/>
               </a:rPr>
-              <a:t>val</a:t>
-            </a:r>
-            <a:r>
-              <a:rPr lang="en-US" sz="3000" i="0" u="none" strike="noStrike" cap="none" dirty="0">
+              <a:t>(val, key)</a:t>
+            </a:r>
+            <a:r>
+              <a:rPr lang="pl" sz="3000" b="0" i="0" u="none" baseline="0">
                 <a:solidFill>
                   <a:schemeClr val="lt1"/>
                 </a:solidFill>
@@ -8522,171 +8488,7 @@
               </a:rPr>
               <a:t> </a:t>
             </a:r>
-            <a:r>
-              <a:rPr lang="en-US" sz="3000" i="0" u="none" strike="noStrike" cap="none" dirty="0">
-                <a:solidFill>
-                  <a:srgbClr val="FFFF00"/>
-                </a:solidFill>
-                <a:latin typeface="Courier"/>
-                <a:ea typeface="Courier New"/>
-                <a:cs typeface="Courier"/>
-                <a:sym typeface="Courier New"/>
-              </a:rPr>
-              <a:t>in</a:t>
-            </a:r>
-            <a:r>
-              <a:rPr lang="en-US" sz="3000" i="0" u="none" strike="noStrike" cap="none" dirty="0">
-                <a:solidFill>
-                  <a:schemeClr val="lt1"/>
-                </a:solidFill>
-                <a:latin typeface="Courier"/>
-                <a:ea typeface="Courier New"/>
-                <a:cs typeface="Courier"/>
-                <a:sym typeface="Courier New"/>
-              </a:rPr>
-              <a:t> </a:t>
-            </a:r>
-            <a:r>
-              <a:rPr lang="en-US" sz="3000" i="0" u="none" strike="noStrike" cap="none" dirty="0" err="1">
-                <a:solidFill>
-                  <a:srgbClr val="00FF00"/>
-                </a:solidFill>
-                <a:latin typeface="Courier"/>
-                <a:ea typeface="Courier New"/>
-                <a:cs typeface="Courier"/>
-                <a:sym typeface="Courier New"/>
-              </a:rPr>
-              <a:t>counts</a:t>
-            </a:r>
-            <a:r>
-              <a:rPr lang="en-US" sz="3000" i="0" u="none" strike="noStrike" cap="none" dirty="0" err="1">
-                <a:solidFill>
-                  <a:srgbClr val="FF00FF"/>
-                </a:solidFill>
-                <a:latin typeface="Courier"/>
-                <a:ea typeface="Courier New"/>
-                <a:cs typeface="Courier"/>
-                <a:sym typeface="Courier New"/>
-              </a:rPr>
-              <a:t>.items</a:t>
-            </a:r>
-            <a:r>
-              <a:rPr lang="en-US" sz="3000" i="0" u="none" strike="noStrike" cap="none" dirty="0" smtClean="0">
-                <a:solidFill>
-                  <a:schemeClr val="lt1"/>
-                </a:solidFill>
-                <a:latin typeface="Courier"/>
-                <a:ea typeface="Courier New"/>
-                <a:cs typeface="Courier"/>
-                <a:sym typeface="Courier New"/>
-              </a:rPr>
-              <a:t>():</a:t>
-            </a:r>
-          </a:p>
-          <a:p>
-            <a:pPr lvl="0">
-              <a:buClr>
-                <a:srgbClr val="FFFF00"/>
-              </a:buClr>
-              <a:buSzPct val="25000"/>
-            </a:pPr>
-            <a:r>
-              <a:rPr lang="en-US" sz="3000" dirty="0">
-                <a:solidFill>
-                  <a:schemeClr val="lt1"/>
-                </a:solidFill>
-                <a:latin typeface="Courier"/>
-                <a:ea typeface="Courier New"/>
-                <a:cs typeface="Courier"/>
-                <a:sym typeface="Courier New"/>
-              </a:rPr>
-              <a:t>	</a:t>
-            </a:r>
-            <a:r>
-              <a:rPr lang="en-US" sz="3000" dirty="0" err="1" smtClean="0">
-                <a:solidFill>
-                  <a:srgbClr val="00FA00"/>
-                </a:solidFill>
-                <a:latin typeface="Courier"/>
-                <a:ea typeface="Courier New"/>
-                <a:cs typeface="Courier"/>
-                <a:sym typeface="Courier New"/>
-              </a:rPr>
-              <a:t>newtup</a:t>
-            </a:r>
-            <a:r>
-              <a:rPr lang="en-US" sz="3000" dirty="0" smtClean="0">
-                <a:solidFill>
-                  <a:srgbClr val="00FA00"/>
-                </a:solidFill>
-                <a:latin typeface="Courier"/>
-                <a:ea typeface="Courier New"/>
-                <a:cs typeface="Courier"/>
-                <a:sym typeface="Courier New"/>
-              </a:rPr>
-              <a:t> </a:t>
-            </a:r>
-            <a:r>
-              <a:rPr lang="en-US" sz="3000" dirty="0" smtClean="0">
-                <a:solidFill>
-                  <a:schemeClr val="lt1"/>
-                </a:solidFill>
-                <a:latin typeface="Courier"/>
-                <a:ea typeface="Courier New"/>
-                <a:cs typeface="Courier"/>
-                <a:sym typeface="Courier New"/>
-              </a:rPr>
-              <a:t>= </a:t>
-            </a:r>
-            <a:r>
-              <a:rPr lang="en-US" sz="3000" dirty="0">
-                <a:solidFill>
-                  <a:srgbClr val="FF7F00"/>
-                </a:solidFill>
-                <a:latin typeface="Courier"/>
-                <a:ea typeface="Courier New"/>
-                <a:cs typeface="Courier"/>
-                <a:sym typeface="Courier New"/>
-              </a:rPr>
-              <a:t>(</a:t>
-            </a:r>
-            <a:r>
-              <a:rPr lang="en-US" sz="3000" dirty="0" err="1">
-                <a:solidFill>
-                  <a:srgbClr val="FF7F00"/>
-                </a:solidFill>
-                <a:latin typeface="Courier"/>
-                <a:ea typeface="Courier New"/>
-                <a:cs typeface="Courier"/>
-                <a:sym typeface="Courier New"/>
-              </a:rPr>
-              <a:t>val</a:t>
-            </a:r>
-            <a:r>
-              <a:rPr lang="en-US" sz="3000" dirty="0">
-                <a:solidFill>
-                  <a:srgbClr val="FF7F00"/>
-                </a:solidFill>
-                <a:latin typeface="Courier"/>
-                <a:ea typeface="Courier New"/>
-                <a:cs typeface="Courier"/>
-                <a:sym typeface="Courier New"/>
-              </a:rPr>
-              <a:t>, key)</a:t>
-            </a:r>
-            <a:r>
-              <a:rPr lang="en-US" sz="3000" dirty="0">
-                <a:solidFill>
-                  <a:schemeClr val="lt1"/>
-                </a:solidFill>
-                <a:latin typeface="Courier"/>
-                <a:ea typeface="Courier New"/>
-                <a:cs typeface="Courier"/>
-                <a:sym typeface="Courier New"/>
-              </a:rPr>
-              <a:t> </a:t>
-            </a:r>
-            <a:endParaRPr lang="en-US" sz="3000" i="0" u="none" strike="noStrike" cap="none" dirty="0">
+            <a:endParaRPr lang="pl" sz="3000" i="0" u="none" strike="noStrike" cap="none" dirty="0">
               <a:solidFill>
                 <a:schemeClr val="lt1"/>
               </a:solidFill>
@@ -8715,7 +8517,7 @@
               <a:buNone/>
             </a:pPr>
             <a:r>
-              <a:rPr lang="en-US" sz="3000" i="0" u="none" strike="noStrike" cap="none" dirty="0">
+              <a:rPr lang="pl" sz="3000" b="0" i="0" u="none" strike="noStrike" cap="none" baseline="0">
                 <a:solidFill>
                   <a:schemeClr val="lt1"/>
                 </a:solidFill>
@@ -8727,7 +8529,7 @@
               <a:t>    </a:t>
             </a:r>
             <a:r>
-              <a:rPr lang="en-US" sz="3000" i="0" u="none" strike="noStrike" cap="none" dirty="0" err="1" smtClean="0">
+              <a:rPr lang="pl" sz="3000" b="0" i="0" u="none" strike="noStrike" cap="none" baseline="0">
                 <a:solidFill>
                   <a:srgbClr val="00FF00"/>
                 </a:solidFill>
@@ -8739,7 +8541,7 @@
               <a:t>lst</a:t>
             </a:r>
             <a:r>
-              <a:rPr lang="en-US" sz="3000" i="0" u="none" strike="noStrike" cap="none" dirty="0" err="1" smtClean="0">
+              <a:rPr lang="pl" sz="3000" b="0" i="0" u="none" strike="noStrike" cap="none" baseline="0">
                 <a:solidFill>
                   <a:srgbClr val="FF00FF"/>
                 </a:solidFill>
@@ -8751,7 +8553,7 @@
               <a:t>.append</a:t>
             </a:r>
             <a:r>
-              <a:rPr lang="en-US" sz="3000" i="0" u="none" strike="noStrike" cap="none" dirty="0" smtClean="0">
+              <a:rPr lang="pl" sz="3000" b="0" i="0" u="none" strike="noStrike" cap="none" baseline="0">
                 <a:solidFill>
                   <a:schemeClr val="lt1"/>
                 </a:solidFill>
@@ -8763,7 +8565,7 @@
               <a:t>(</a:t>
             </a:r>
             <a:r>
-              <a:rPr lang="en-US" sz="3000" i="0" u="none" strike="noStrike" cap="none" dirty="0" err="1" smtClean="0">
+              <a:rPr lang="pl" sz="3000" b="0" i="0" u="none" strike="noStrike" cap="none" baseline="0">
                 <a:solidFill>
                   <a:srgbClr val="00FA00"/>
                 </a:solidFill>
@@ -8775,7 +8577,7 @@
               <a:t>newtup</a:t>
             </a:r>
             <a:r>
-              <a:rPr lang="en-US" sz="3000" i="0" u="none" strike="noStrike" cap="none" dirty="0" smtClean="0">
+              <a:rPr lang="pl" sz="3000" b="0" i="0" u="none" strike="noStrike" cap="none" baseline="0">
                 <a:solidFill>
                   <a:schemeClr val="lt1"/>
                 </a:solidFill>
@@ -8786,7 +8588,7 @@
               </a:rPr>
               <a:t>)</a:t>
             </a:r>
-            <a:endParaRPr lang="en-US" sz="3000" i="0" u="none" strike="noStrike" cap="none" dirty="0">
+            <a:endParaRPr lang="pl" sz="3000" i="0" u="none" strike="noStrike" cap="none" dirty="0">
               <a:solidFill>
                 <a:schemeClr val="lt1"/>
               </a:solidFill>
@@ -8824,14 +8626,14 @@
             </a:endParaRPr>
           </a:p>
           <a:p>
-            <a:pPr lvl="0">
+            <a:pPr lvl="0" algn="l" rtl="0">
               <a:buClr>
                 <a:srgbClr val="00FF00"/>
               </a:buClr>
               <a:buSzPct val="25000"/>
             </a:pPr>
             <a:r>
-              <a:rPr lang="en-US" sz="3000" dirty="0" err="1" smtClean="0">
+              <a:rPr lang="pl" sz="3000" b="0" i="0" u="none" baseline="0">
                 <a:solidFill>
                   <a:srgbClr val="00FF00"/>
                 </a:solidFill>
@@ -8840,46 +8642,34 @@
                 <a:cs typeface="Courier"/>
                 <a:sym typeface="Courier New"/>
               </a:rPr>
+              <a:t>lst = </a:t>
+            </a:r>
+            <a:r>
+              <a:rPr lang="pl" sz="3000" b="0" i="0" u="none" baseline="0">
+                <a:solidFill>
+                  <a:srgbClr val="FF40FF"/>
+                </a:solidFill>
+                <a:latin typeface="Courier"/>
+                <a:ea typeface="Courier New"/>
+                <a:cs typeface="Courier"/>
+                <a:sym typeface="Courier New"/>
+              </a:rPr>
+              <a:t>sorted(</a:t>
+            </a:r>
+            <a:r>
+              <a:rPr lang="pl" sz="3000" b="0" i="0" u="none" baseline="0">
+                <a:solidFill>
+                  <a:srgbClr val="00FF00"/>
+                </a:solidFill>
+                <a:latin typeface="Courier"/>
+                <a:ea typeface="Courier New"/>
+                <a:cs typeface="Courier"/>
+                <a:sym typeface="Courier New"/>
+              </a:rPr>
               <a:t>lst</a:t>
             </a:r>
             <a:r>
-              <a:rPr lang="en-US" sz="3000" dirty="0" smtClean="0">
-                <a:solidFill>
-                  <a:srgbClr val="00FF00"/>
-                </a:solidFill>
-                <a:latin typeface="Courier"/>
-                <a:ea typeface="Courier New"/>
-                <a:cs typeface="Courier"/>
-                <a:sym typeface="Courier New"/>
-              </a:rPr>
-              <a:t> = </a:t>
-            </a:r>
-            <a:r>
-              <a:rPr lang="en-US" sz="3000" dirty="0" smtClean="0">
-                <a:solidFill>
-                  <a:srgbClr val="FF40FF"/>
-                </a:solidFill>
-                <a:latin typeface="Courier"/>
-                <a:ea typeface="Courier New"/>
-                <a:cs typeface="Courier"/>
-                <a:sym typeface="Courier New"/>
-              </a:rPr>
-              <a:t>sorted(</a:t>
-            </a:r>
-            <a:r>
-              <a:rPr lang="en-US" sz="3000" dirty="0" err="1" smtClean="0">
-                <a:solidFill>
-                  <a:srgbClr val="00FF00"/>
-                </a:solidFill>
-                <a:latin typeface="Courier"/>
-                <a:ea typeface="Courier New"/>
-                <a:cs typeface="Courier"/>
-                <a:sym typeface="Courier New"/>
-              </a:rPr>
-              <a:t>lst</a:t>
-            </a:r>
-            <a:r>
-              <a:rPr lang="en-US" sz="3000" i="0" u="none" strike="noStrike" cap="none" dirty="0" smtClean="0">
+              <a:rPr lang="pl" sz="3000" b="0" i="0" u="none" strike="noStrike" cap="none" baseline="0">
                 <a:solidFill>
                   <a:srgbClr val="FF00FF"/>
                 </a:solidFill>
@@ -8891,7 +8681,7 @@
               <a:t>, reverse=True</a:t>
             </a:r>
             <a:r>
-              <a:rPr lang="en-US" sz="3000" i="0" u="none" strike="noStrike" cap="none" dirty="0">
+              <a:rPr lang="pl" sz="3000" b="0" i="0" u="none" strike="noStrike" cap="none" baseline="0">
                 <a:solidFill>
                   <a:srgbClr val="FF40FF"/>
                 </a:solidFill>
@@ -8949,7 +8739,7 @@
               <a:buNone/>
             </a:pPr>
             <a:r>
-              <a:rPr lang="en-US" sz="3000" i="0" u="none" strike="noStrike" cap="none" dirty="0">
+              <a:rPr lang="pl" sz="3000" b="0" i="0" u="none" strike="noStrike" cap="none" baseline="0">
                 <a:solidFill>
                   <a:srgbClr val="FFFF00"/>
                 </a:solidFill>
@@ -8961,7 +8751,7 @@
               <a:t>for</a:t>
             </a:r>
             <a:r>
-              <a:rPr lang="en-US" sz="3000" i="0" u="none" strike="noStrike" cap="none" dirty="0">
+              <a:rPr lang="pl" sz="3000" b="0" i="0" u="none" strike="noStrike" cap="none" baseline="0">
                 <a:solidFill>
                   <a:schemeClr val="lt1"/>
                 </a:solidFill>
@@ -8973,7 +8763,7 @@
               <a:t> </a:t>
             </a:r>
             <a:r>
-              <a:rPr lang="en-US" sz="3000" i="0" u="none" strike="noStrike" cap="none" dirty="0" err="1">
+              <a:rPr lang="pl" sz="3000" b="0" i="0" u="none" strike="noStrike" cap="none" baseline="0">
                 <a:solidFill>
                   <a:srgbClr val="FF7F00"/>
                 </a:solidFill>
@@ -8982,34 +8772,150 @@
                 <a:cs typeface="Courier"/>
                 <a:sym typeface="Courier New"/>
               </a:rPr>
+              <a:t>val, key</a:t>
+            </a:r>
+            <a:r>
+              <a:rPr lang="pl" sz="3000" b="0" i="0" u="none" strike="noStrike" cap="none" baseline="0">
+                <a:solidFill>
+                  <a:schemeClr val="lt1"/>
+                </a:solidFill>
+                <a:latin typeface="Courier"/>
+                <a:ea typeface="Courier New"/>
+                <a:cs typeface="Courier"/>
+                <a:sym typeface="Courier New"/>
+              </a:rPr>
+              <a:t> </a:t>
+            </a:r>
+            <a:r>
+              <a:rPr lang="pl" sz="3000" b="0" i="0" u="none" strike="noStrike" cap="none" baseline="0">
+                <a:solidFill>
+                  <a:srgbClr val="FFFF00"/>
+                </a:solidFill>
+                <a:latin typeface="Courier"/>
+                <a:ea typeface="Courier New"/>
+                <a:cs typeface="Courier"/>
+                <a:sym typeface="Courier New"/>
+              </a:rPr>
+              <a:t>in</a:t>
+            </a:r>
+            <a:r>
+              <a:rPr lang="pl" sz="3000" b="0" i="0" u="none" strike="noStrike" cap="none" baseline="0">
+                <a:solidFill>
+                  <a:schemeClr val="lt1"/>
+                </a:solidFill>
+                <a:latin typeface="Courier"/>
+                <a:ea typeface="Courier New"/>
+                <a:cs typeface="Courier"/>
+                <a:sym typeface="Courier New"/>
+              </a:rPr>
+              <a:t> </a:t>
+            </a:r>
+            <a:r>
+              <a:rPr lang="pl" sz="3000" b="0" i="0" u="none" strike="noStrike" cap="none" baseline="0">
+                <a:solidFill>
+                  <a:srgbClr val="FF00FF"/>
+                </a:solidFill>
+                <a:latin typeface="Courier"/>
+                <a:ea typeface="Courier New"/>
+                <a:cs typeface="Courier"/>
+                <a:sym typeface="Courier New"/>
+              </a:rPr>
+              <a:t>lst</a:t>
+            </a:r>
+            <a:r>
+              <a:rPr lang="pl" sz="3000" b="0" i="0" u="none" strike="noStrike" cap="none" baseline="0">
+                <a:solidFill>
+                  <a:srgbClr val="00FFFF"/>
+                </a:solidFill>
+                <a:latin typeface="Courier"/>
+                <a:ea typeface="Courier New"/>
+                <a:cs typeface="Courier"/>
+                <a:sym typeface="Courier New"/>
+              </a:rPr>
+              <a:t>[:10]</a:t>
+            </a:r>
+            <a:r>
+              <a:rPr lang="pl" sz="3000" b="0" i="0" u="none" strike="noStrike" cap="none" baseline="0">
+                <a:solidFill>
+                  <a:schemeClr val="lt1"/>
+                </a:solidFill>
+                <a:latin typeface="Courier"/>
+                <a:ea typeface="Courier New"/>
+                <a:cs typeface="Courier"/>
+                <a:sym typeface="Courier New"/>
+              </a:rPr>
+              <a:t> :</a:t>
+            </a:r>
+          </a:p>
+          <a:p>
+            <a:pPr lvl="0" algn="l" rtl="0">
+              <a:buClr>
+                <a:schemeClr val="lt1"/>
+              </a:buClr>
+              <a:buSzPct val="25000"/>
+            </a:pPr>
+            <a:r>
+              <a:rPr lang="pl" sz="3000" b="0" i="0" u="none" strike="noStrike" cap="none" baseline="0">
+                <a:solidFill>
+                  <a:schemeClr val="lt1"/>
+                </a:solidFill>
+                <a:latin typeface="Courier"/>
+                <a:ea typeface="Courier New"/>
+                <a:cs typeface="Courier"/>
+                <a:sym typeface="Courier New"/>
+              </a:rPr>
+              <a:t>    </a:t>
+            </a:r>
+            <a:r>
+              <a:rPr lang="pl" sz="3000" b="0" i="0" u="none" strike="noStrike" cap="none" baseline="0">
+                <a:solidFill>
+                  <a:srgbClr val="FFFF00"/>
+                </a:solidFill>
+                <a:latin typeface="Courier"/>
+                <a:ea typeface="Courier New"/>
+                <a:cs typeface="Courier"/>
+                <a:sym typeface="Courier New"/>
+              </a:rPr>
+              <a:t>print(</a:t>
+            </a:r>
+            <a:r>
+              <a:rPr lang="pl" sz="3000" b="0" i="0" u="none" strike="noStrike" cap="none" baseline="0">
+                <a:solidFill>
+                  <a:srgbClr val="00FF00"/>
+                </a:solidFill>
+                <a:latin typeface="Courier"/>
+                <a:ea typeface="Courier New"/>
+                <a:cs typeface="Courier"/>
+                <a:sym typeface="Courier New"/>
+              </a:rPr>
+              <a:t>key</a:t>
+            </a:r>
+            <a:r>
+              <a:rPr lang="pl" sz="3000" b="0" i="0" u="none" strike="noStrike" cap="none" baseline="0">
+                <a:solidFill>
+                  <a:schemeClr val="lt1"/>
+                </a:solidFill>
+                <a:latin typeface="Courier"/>
+                <a:ea typeface="Courier New"/>
+                <a:cs typeface="Courier"/>
+                <a:sym typeface="Courier New"/>
+              </a:rPr>
+              <a:t>, </a:t>
+            </a:r>
+            <a:r>
+              <a:rPr lang="pl" sz="3000" b="0" i="0" u="none" strike="noStrike" cap="none" baseline="0">
+                <a:solidFill>
+                  <a:srgbClr val="00FF00"/>
+                </a:solidFill>
+                <a:latin typeface="Courier"/>
+                <a:ea typeface="Courier New"/>
+                <a:cs typeface="Courier"/>
+                <a:sym typeface="Courier New"/>
+              </a:rPr>
               <a:t>val</a:t>
             </a:r>
             <a:r>
-              <a:rPr lang="en-US" sz="3000" i="0" u="none" strike="noStrike" cap="none" dirty="0">
-                <a:solidFill>
-                  <a:srgbClr val="FF7F00"/>
-                </a:solidFill>
-                <a:latin typeface="Courier"/>
-                <a:ea typeface="Courier New"/>
-                <a:cs typeface="Courier"/>
-                <a:sym typeface="Courier New"/>
-              </a:rPr>
-              <a:t>, key</a:t>
-            </a:r>
-            <a:r>
-              <a:rPr lang="en-US" sz="3000" i="0" u="none" strike="noStrike" cap="none" dirty="0">
-                <a:solidFill>
-                  <a:schemeClr val="lt1"/>
-                </a:solidFill>
-                <a:latin typeface="Courier"/>
-                <a:ea typeface="Courier New"/>
-                <a:cs typeface="Courier"/>
-                <a:sym typeface="Courier New"/>
-              </a:rPr>
-              <a:t> </a:t>
-            </a:r>
-            <a:r>
-              <a:rPr lang="en-US" sz="3000" i="0" u="none" strike="noStrike" cap="none" dirty="0">
+              <a:rPr lang="pl" sz="3000" b="0" i="0" u="none" baseline="0">
                 <a:solidFill>
                   <a:srgbClr val="FFFF00"/>
                 </a:solidFill>
@@ -9018,137 +8924,9 @@
                 <a:cs typeface="Courier"/>
                 <a:sym typeface="Courier New"/>
               </a:rPr>
-              <a:t>in</a:t>
-            </a:r>
-            <a:r>
-              <a:rPr lang="en-US" sz="3000" i="0" u="none" strike="noStrike" cap="none" dirty="0">
-                <a:solidFill>
-                  <a:schemeClr val="lt1"/>
-                </a:solidFill>
-                <a:latin typeface="Courier"/>
-                <a:ea typeface="Courier New"/>
-                <a:cs typeface="Courier"/>
-                <a:sym typeface="Courier New"/>
-              </a:rPr>
-              <a:t> </a:t>
-            </a:r>
-            <a:r>
-              <a:rPr lang="en-US" sz="3000" i="0" u="none" strike="noStrike" cap="none" dirty="0" err="1">
-                <a:solidFill>
-                  <a:srgbClr val="FF00FF"/>
-                </a:solidFill>
-                <a:latin typeface="Courier"/>
-                <a:ea typeface="Courier New"/>
-                <a:cs typeface="Courier"/>
-                <a:sym typeface="Courier New"/>
-              </a:rPr>
-              <a:t>lst</a:t>
-            </a:r>
-            <a:r>
-              <a:rPr lang="en-US" sz="3000" i="0" u="none" strike="noStrike" cap="none" dirty="0">
-                <a:solidFill>
-                  <a:srgbClr val="00FFFF"/>
-                </a:solidFill>
-                <a:latin typeface="Courier"/>
-                <a:ea typeface="Courier New"/>
-                <a:cs typeface="Courier"/>
-                <a:sym typeface="Courier New"/>
-              </a:rPr>
-              <a:t>[:10]</a:t>
-            </a:r>
-            <a:r>
-              <a:rPr lang="en-US" sz="3000" i="0" u="none" strike="noStrike" cap="none" dirty="0">
-                <a:solidFill>
-                  <a:schemeClr val="lt1"/>
-                </a:solidFill>
-                <a:latin typeface="Courier"/>
-                <a:ea typeface="Courier New"/>
-                <a:cs typeface="Courier"/>
-                <a:sym typeface="Courier New"/>
-              </a:rPr>
-              <a:t> :</a:t>
-            </a:r>
-          </a:p>
-          <a:p>
-            <a:pPr lvl="0">
-              <a:buClr>
-                <a:schemeClr val="lt1"/>
-              </a:buClr>
-              <a:buSzPct val="25000"/>
-            </a:pPr>
-            <a:r>
-              <a:rPr lang="en-US" sz="3000" i="0" u="none" strike="noStrike" cap="none" dirty="0">
-                <a:solidFill>
-                  <a:schemeClr val="lt1"/>
-                </a:solidFill>
-                <a:latin typeface="Courier"/>
-                <a:ea typeface="Courier New"/>
-                <a:cs typeface="Courier"/>
-                <a:sym typeface="Courier New"/>
-              </a:rPr>
-              <a:t>    </a:t>
-            </a:r>
-            <a:r>
-              <a:rPr lang="en-US" sz="3000" i="0" u="none" strike="noStrike" cap="none" dirty="0" smtClean="0">
-                <a:solidFill>
-                  <a:srgbClr val="FFFF00"/>
-                </a:solidFill>
-                <a:latin typeface="Courier"/>
-                <a:ea typeface="Courier New"/>
-                <a:cs typeface="Courier"/>
-                <a:sym typeface="Courier New"/>
-              </a:rPr>
-              <a:t>print(</a:t>
-            </a:r>
-            <a:r>
-              <a:rPr lang="en-US" sz="3000" i="0" u="none" strike="noStrike" cap="none" dirty="0" smtClean="0">
-                <a:solidFill>
-                  <a:srgbClr val="00FF00"/>
-                </a:solidFill>
-                <a:latin typeface="Courier"/>
-                <a:ea typeface="Courier New"/>
-                <a:cs typeface="Courier"/>
-                <a:sym typeface="Courier New"/>
-              </a:rPr>
-              <a:t>key</a:t>
-            </a:r>
-            <a:r>
-              <a:rPr lang="en-US" sz="3000" i="0" u="none" strike="noStrike" cap="none" dirty="0">
-                <a:solidFill>
-                  <a:schemeClr val="lt1"/>
-                </a:solidFill>
-                <a:latin typeface="Courier"/>
-                <a:ea typeface="Courier New"/>
-                <a:cs typeface="Courier"/>
-                <a:sym typeface="Courier New"/>
-              </a:rPr>
-              <a:t>, </a:t>
-            </a:r>
-            <a:r>
-              <a:rPr lang="en-US" sz="3000" i="0" u="none" strike="noStrike" cap="none" dirty="0" err="1" smtClean="0">
-                <a:solidFill>
-                  <a:srgbClr val="00FF00"/>
-                </a:solidFill>
-                <a:latin typeface="Courier"/>
-                <a:ea typeface="Courier New"/>
-                <a:cs typeface="Courier"/>
-                <a:sym typeface="Courier New"/>
-              </a:rPr>
-              <a:t>val</a:t>
-            </a:r>
-            <a:r>
-              <a:rPr lang="en-US" sz="3000" dirty="0" smtClean="0">
-                <a:solidFill>
-                  <a:srgbClr val="FFFF00"/>
-                </a:solidFill>
-                <a:latin typeface="Courier"/>
-                <a:ea typeface="Courier New"/>
-                <a:cs typeface="Courier"/>
-                <a:sym typeface="Courier New"/>
-              </a:rPr>
               <a:t>)</a:t>
             </a:r>
-            <a:endParaRPr lang="en-US" sz="3000" i="0" u="none" strike="noStrike" cap="none" dirty="0">
+            <a:endParaRPr lang="pl" sz="3000" i="0" u="none" strike="noStrike" cap="none" dirty="0">
               <a:solidFill>
                 <a:srgbClr val="00FF00"/>
               </a:solidFill>
@@ -9203,7 +8981,7 @@
               <a:buNone/>
             </a:pPr>
             <a:r>
-              <a:rPr lang="en-US" sz="4400" u="none" strike="noStrike" cap="none">
+              <a:rPr lang="pl" sz="4400" b="0" i="0" u="none" strike="noStrike" cap="none" baseline="0">
                 <a:solidFill>
                   <a:srgbClr val="FFFF00"/>
                 </a:solidFill>
@@ -9212,7 +8990,7 @@
                 <a:cs typeface="Arial" charset="0"/>
                 <a:sym typeface="Cabin"/>
               </a:rPr>
-              <a:t>The top 10 most common words</a:t>
+              <a:t>10 najczęstszych słów</a:t>
             </a:r>
           </a:p>
         </p:txBody>
@@ -9222,13 +9000,6 @@
   <p:clrMapOvr>
     <a:masterClrMapping/>
   </p:clrMapOvr>
-  <p:timing>
-    <p:tnLst>
-      <p:par>
-        <p:cTn id="1" dur="indefinite" restart="never" nodeType="tmRoot"/>
-      </p:par>
-    </p:tnLst>
-  </p:timing>
 </p:sld>
 </file>
 
@@ -9292,7 +9063,7 @@
               <a:buNone/>
             </a:pPr>
             <a:r>
-              <a:rPr lang="en-US" sz="7800" u="none" strike="noStrike" cap="none">
+              <a:rPr lang="pl" sz="7800" b="0" i="0" u="none" strike="noStrike" cap="none" baseline="0">
                 <a:solidFill>
                   <a:srgbClr val="FFD966"/>
                 </a:solidFill>
@@ -9301,7 +9072,7 @@
                 <a:cs typeface="Arial" charset="0"/>
                 <a:sym typeface="Cabin"/>
               </a:rPr>
-              <a:t>Even Shorter Version</a:t>
+              <a:t>Jeszcze krótsza wersja</a:t>
             </a:r>
           </a:p>
         </p:txBody>
@@ -9349,7 +9120,7 @@
               <a:buNone/>
             </a:pPr>
             <a:r>
-              <a:rPr lang="en-US" sz="3000" u="sng" strike="noStrike" cap="none">
+              <a:rPr lang="pl" sz="3000" b="0" i="0" u="sng" strike="noStrike" cap="none" baseline="0">
                 <a:solidFill>
                   <a:schemeClr val="hlink"/>
                 </a:solidFill>
@@ -9359,20 +9130,7 @@
                 <a:sym typeface="Cabin"/>
                 <a:hlinkClick r:id="rId3"/>
               </a:rPr>
-              <a:t>http://</a:t>
-            </a:r>
-            <a:r>
-              <a:rPr lang="en-US" sz="3000" u="sng" strike="noStrike" cap="none" dirty="0">
-                <a:solidFill>
-                  <a:schemeClr val="hlink"/>
-                </a:solidFill>
-                <a:latin typeface="Arial" charset="0"/>
-                <a:ea typeface="Arial" charset="0"/>
-                <a:cs typeface="Arial" charset="0"/>
-                <a:sym typeface="Cabin"/>
-                <a:hlinkClick r:id="rId3"/>
-              </a:rPr>
-              <a:t>wiki.python.org/moin/HowTo/Sorting</a:t>
+              <a:t>http://wiki.python.org/moin/HowTo/Sorting</a:t>
             </a:r>
           </a:p>
         </p:txBody>
@@ -9420,7 +9178,7 @@
               <a:buNone/>
             </a:pPr>
             <a:r>
-              <a:rPr lang="en-US" sz="3600" i="0" u="none" strike="noStrike" cap="none" dirty="0">
+              <a:rPr lang="pl" sz="3600" b="0" i="0" u="none" strike="noStrike" cap="none" baseline="0">
                 <a:solidFill>
                   <a:schemeClr val="lt1"/>
                 </a:solidFill>
@@ -9432,7 +9190,7 @@
               <a:t>&gt;&gt;&gt; </a:t>
             </a:r>
             <a:r>
-              <a:rPr lang="en-US" sz="3600" i="0" u="none" strike="noStrike" cap="none" dirty="0">
+              <a:rPr lang="pl" sz="3600" b="0" i="0" u="none" strike="noStrike" cap="none" baseline="0">
                 <a:solidFill>
                   <a:srgbClr val="00FF00"/>
                 </a:solidFill>
@@ -9444,7 +9202,7 @@
               <a:t>c</a:t>
             </a:r>
             <a:r>
-              <a:rPr lang="en-US" sz="3600" i="0" u="none" strike="noStrike" cap="none" dirty="0">
+              <a:rPr lang="pl" sz="3600" b="0" i="0" u="none" strike="noStrike" cap="none" baseline="0">
                 <a:solidFill>
                   <a:schemeClr val="lt1"/>
                 </a:solidFill>
@@ -9502,7 +9260,7 @@
               <a:buNone/>
             </a:pPr>
             <a:r>
-              <a:rPr lang="en-US" sz="3600" i="0" u="none" strike="noStrike" cap="none" dirty="0">
+              <a:rPr lang="pl" sz="3600" b="0" i="0" u="none" strike="noStrike" cap="none" baseline="0">
                 <a:solidFill>
                   <a:schemeClr val="lt1"/>
                 </a:solidFill>
@@ -9514,7 +9272,7 @@
               <a:t>&gt;&gt;&gt; </a:t>
             </a:r>
             <a:r>
-              <a:rPr lang="en-US" sz="3600" i="0" u="none" strike="noStrike" cap="none" dirty="0" smtClean="0">
+              <a:rPr lang="pl" sz="3600" b="0" i="0" u="none" strike="noStrike" cap="none" baseline="0">
                 <a:solidFill>
                   <a:srgbClr val="FFFF00"/>
                 </a:solidFill>
@@ -9526,7 +9284,7 @@
               <a:t>print(</a:t>
             </a:r>
             <a:r>
-              <a:rPr lang="en-US" sz="3600" dirty="0">
+              <a:rPr lang="pl" sz="3600" b="0" i="0" u="none" baseline="0">
                 <a:solidFill>
                   <a:srgbClr val="00FF00"/>
                 </a:solidFill>
@@ -9538,7 +9296,7 @@
               <a:t> </a:t>
             </a:r>
             <a:r>
-              <a:rPr lang="en-US" sz="3600" i="0" u="none" strike="noStrike" cap="none" dirty="0" smtClean="0">
+              <a:rPr lang="pl" sz="3600" b="0" i="0" u="none" strike="noStrike" cap="none" baseline="0">
                 <a:solidFill>
                   <a:srgbClr val="FF00FF"/>
                 </a:solidFill>
@@ -9550,7 +9308,7 @@
               <a:t>sorted</a:t>
             </a:r>
             <a:r>
-              <a:rPr lang="en-US" sz="3600" i="0" u="none" strike="noStrike" cap="none" dirty="0">
+              <a:rPr lang="pl" sz="3600" b="0" i="0" u="none" strike="noStrike" cap="none" baseline="0">
                 <a:solidFill>
                   <a:schemeClr val="lt1"/>
                 </a:solidFill>
@@ -9562,7 +9320,7 @@
               <a:t>(</a:t>
             </a:r>
             <a:r>
-              <a:rPr lang="en-US" sz="3600" i="0" u="none" strike="noStrike" cap="none" dirty="0">
+              <a:rPr lang="pl" sz="3600" b="0" i="0" u="none" strike="noStrike" cap="none" baseline="0">
                 <a:solidFill>
                   <a:srgbClr val="00FF00"/>
                 </a:solidFill>
@@ -9574,7 +9332,7 @@
               <a:t> </a:t>
             </a:r>
             <a:r>
-              <a:rPr lang="en-US" sz="3600" i="0" u="none" strike="noStrike" cap="none" dirty="0">
+              <a:rPr lang="pl" sz="3600" b="0" i="0" u="none" strike="noStrike" cap="none" baseline="0">
                 <a:solidFill>
                   <a:srgbClr val="00FFFF"/>
                 </a:solidFill>
@@ -9586,7 +9344,7 @@
               <a:t>[</a:t>
             </a:r>
             <a:r>
-              <a:rPr lang="en-US" sz="3600" i="0" u="none" strike="noStrike" cap="none" dirty="0">
+              <a:rPr lang="pl" sz="3600" b="0" i="0" u="none" strike="noStrike" cap="none" baseline="0">
                 <a:solidFill>
                   <a:schemeClr val="lt1"/>
                 </a:solidFill>
@@ -9598,7 +9356,7 @@
               <a:t> </a:t>
             </a:r>
             <a:r>
-              <a:rPr lang="en-US" sz="3600" i="0" u="none" strike="noStrike" cap="none" dirty="0">
+              <a:rPr lang="pl" sz="3600" b="0" i="0" u="none" strike="noStrike" cap="none" baseline="0">
                 <a:solidFill>
                   <a:srgbClr val="FF7F00"/>
                 </a:solidFill>
@@ -9607,10 +9365,46 @@
                 <a:cs typeface="Courier"/>
                 <a:sym typeface="Courier New"/>
               </a:rPr>
-              <a:t>(</a:t>
-            </a:r>
-            <a:r>
-              <a:rPr lang="en-US" sz="3600" i="0" u="none" strike="noStrike" cap="none" dirty="0" err="1">
+              <a:t>(v,k)</a:t>
+            </a:r>
+            <a:r>
+              <a:rPr lang="pl" sz="3600" b="0" i="0" u="none" strike="noStrike" cap="none" baseline="0">
+                <a:solidFill>
+                  <a:schemeClr val="lt1"/>
+                </a:solidFill>
+                <a:latin typeface="Courier"/>
+                <a:ea typeface="Courier New"/>
+                <a:cs typeface="Courier"/>
+                <a:sym typeface="Courier New"/>
+              </a:rPr>
+              <a:t> </a:t>
+            </a:r>
+            <a:r>
+              <a:rPr lang="pl" sz="3600" b="0" i="0" u="none" strike="noStrike" cap="none" baseline="0">
+                <a:solidFill>
+                  <a:srgbClr val="FFFF00"/>
+                </a:solidFill>
+                <a:latin typeface="Courier"/>
+                <a:ea typeface="Courier New"/>
+                <a:cs typeface="Courier"/>
+                <a:sym typeface="Courier New"/>
+              </a:rPr>
+              <a:t>for</a:t>
+            </a:r>
+            <a:r>
+              <a:rPr lang="pl" sz="3600" b="0" i="0" u="none" strike="noStrike" cap="none" baseline="0">
+                <a:solidFill>
+                  <a:schemeClr val="lt1"/>
+                </a:solidFill>
+                <a:latin typeface="Courier"/>
+                <a:ea typeface="Courier New"/>
+                <a:cs typeface="Courier"/>
+                <a:sym typeface="Courier New"/>
+              </a:rPr>
+              <a:t> </a:t>
+            </a:r>
+            <a:r>
+              <a:rPr lang="pl" sz="3600" b="0" i="0" u="none" strike="noStrike" cap="none" baseline="0">
                 <a:solidFill>
                   <a:srgbClr val="FF7F00"/>
                 </a:solidFill>
@@ -9619,12 +9413,108 @@
                 <a:cs typeface="Courier"/>
                 <a:sym typeface="Courier New"/>
               </a:rPr>
-              <a:t>v,k</a:t>
-            </a:r>
-            <a:r>
-              <a:rPr lang="en-US" sz="3600" i="0" u="none" strike="noStrike" cap="none" dirty="0">
-                <a:solidFill>
-                  <a:srgbClr val="FF7F00"/>
+              <a:t>k,v</a:t>
+            </a:r>
+            <a:r>
+              <a:rPr lang="pl" sz="3600" b="0" i="0" u="none" strike="noStrike" cap="none" baseline="0">
+                <a:solidFill>
+                  <a:schemeClr val="lt1"/>
+                </a:solidFill>
+                <a:latin typeface="Courier"/>
+                <a:ea typeface="Courier New"/>
+                <a:cs typeface="Courier"/>
+                <a:sym typeface="Courier New"/>
+              </a:rPr>
+              <a:t> </a:t>
+            </a:r>
+            <a:r>
+              <a:rPr lang="pl" sz="3600" b="0" i="0" u="none" strike="noStrike" cap="none" baseline="0">
+                <a:solidFill>
+                  <a:srgbClr val="FFFF00"/>
+                </a:solidFill>
+                <a:latin typeface="Courier"/>
+                <a:ea typeface="Courier New"/>
+                <a:cs typeface="Courier"/>
+                <a:sym typeface="Courier New"/>
+              </a:rPr>
+              <a:t>in</a:t>
+            </a:r>
+            <a:r>
+              <a:rPr lang="pl" sz="3600" b="0" i="0" u="none" strike="noStrike" cap="none" baseline="0">
+                <a:solidFill>
+                  <a:schemeClr val="lt1"/>
+                </a:solidFill>
+                <a:latin typeface="Courier"/>
+                <a:ea typeface="Courier New"/>
+                <a:cs typeface="Courier"/>
+                <a:sym typeface="Courier New"/>
+              </a:rPr>
+              <a:t> </a:t>
+            </a:r>
+            <a:r>
+              <a:rPr lang="pl" sz="3600" b="0" i="0" u="none" strike="noStrike" cap="none" baseline="0">
+                <a:solidFill>
+                  <a:srgbClr val="00FF00"/>
+                </a:solidFill>
+                <a:latin typeface="Courier"/>
+                <a:ea typeface="Courier New"/>
+                <a:cs typeface="Courier"/>
+                <a:sym typeface="Courier New"/>
+              </a:rPr>
+              <a:t>c</a:t>
+            </a:r>
+            <a:r>
+              <a:rPr lang="pl" sz="3600" b="0" i="0" u="none" strike="noStrike" cap="none" baseline="0">
+                <a:solidFill>
+                  <a:srgbClr val="FF00FF"/>
+                </a:solidFill>
+                <a:latin typeface="Courier"/>
+                <a:ea typeface="Courier New"/>
+                <a:cs typeface="Courier"/>
+                <a:sym typeface="Courier New"/>
+              </a:rPr>
+              <a:t>.items</a:t>
+            </a:r>
+            <a:r>
+              <a:rPr lang="pl" sz="3600" b="0" i="0" u="none" strike="noStrike" cap="none" baseline="0">
+                <a:solidFill>
+                  <a:schemeClr val="lt1"/>
+                </a:solidFill>
+                <a:latin typeface="Courier"/>
+                <a:ea typeface="Courier New"/>
+                <a:cs typeface="Courier"/>
+                <a:sym typeface="Courier New"/>
+              </a:rPr>
+              <a:t>() </a:t>
+            </a:r>
+            <a:r>
+              <a:rPr lang="pl" sz="3600" b="0" i="0" u="none" strike="noStrike" cap="none" baseline="0">
+                <a:solidFill>
+                  <a:srgbClr val="00FFFF"/>
+                </a:solidFill>
+                <a:latin typeface="Courier"/>
+                <a:ea typeface="Courier New"/>
+                <a:cs typeface="Courier"/>
+                <a:sym typeface="Courier New"/>
+              </a:rPr>
+              <a:t>]</a:t>
+            </a:r>
+            <a:r>
+              <a:rPr lang="pl" sz="3600" b="0" i="0" u="none" strike="noStrike" cap="none" baseline="0">
+                <a:solidFill>
+                  <a:schemeClr val="lt1"/>
+                </a:solidFill>
+                <a:latin typeface="Courier"/>
+                <a:ea typeface="Courier New"/>
+                <a:cs typeface="Courier"/>
+                <a:sym typeface="Courier New"/>
+              </a:rPr>
+              <a:t> ) </a:t>
+            </a:r>
+            <a:r>
+              <a:rPr lang="pl" sz="3600" b="0" i="0" u="none" strike="noStrike" cap="none" baseline="0">
+                <a:solidFill>
+                  <a:srgbClr val="FFFF00"/>
                 </a:solidFill>
                 <a:latin typeface="Courier"/>
                 <a:ea typeface="Courier New"/>
@@ -9633,175 +9523,7 @@
               </a:rPr>
               <a:t>)</a:t>
             </a:r>
-            <a:r>
-              <a:rPr lang="en-US" sz="3600" i="0" u="none" strike="noStrike" cap="none" dirty="0">
-                <a:solidFill>
-                  <a:schemeClr val="lt1"/>
-                </a:solidFill>
-                <a:latin typeface="Courier"/>
-                <a:ea typeface="Courier New"/>
-                <a:cs typeface="Courier"/>
-                <a:sym typeface="Courier New"/>
-              </a:rPr>
-              <a:t> </a:t>
-            </a:r>
-            <a:r>
-              <a:rPr lang="en-US" sz="3600" i="0" u="none" strike="noStrike" cap="none" dirty="0">
-                <a:solidFill>
-                  <a:srgbClr val="FFFF00"/>
-                </a:solidFill>
-                <a:latin typeface="Courier"/>
-                <a:ea typeface="Courier New"/>
-                <a:cs typeface="Courier"/>
-                <a:sym typeface="Courier New"/>
-              </a:rPr>
-              <a:t>for</a:t>
-            </a:r>
-            <a:r>
-              <a:rPr lang="en-US" sz="3600" i="0" u="none" strike="noStrike" cap="none" dirty="0">
-                <a:solidFill>
-                  <a:schemeClr val="lt1"/>
-                </a:solidFill>
-                <a:latin typeface="Courier"/>
-                <a:ea typeface="Courier New"/>
-                <a:cs typeface="Courier"/>
-                <a:sym typeface="Courier New"/>
-              </a:rPr>
-              <a:t> </a:t>
-            </a:r>
-            <a:r>
-              <a:rPr lang="en-US" sz="3600" i="0" u="none" strike="noStrike" cap="none" dirty="0" err="1">
-                <a:solidFill>
-                  <a:srgbClr val="FF7F00"/>
-                </a:solidFill>
-                <a:latin typeface="Courier"/>
-                <a:ea typeface="Courier New"/>
-                <a:cs typeface="Courier"/>
-                <a:sym typeface="Courier New"/>
-              </a:rPr>
-              <a:t>k,v</a:t>
-            </a:r>
-            <a:r>
-              <a:rPr lang="en-US" sz="3600" i="0" u="none" strike="noStrike" cap="none" dirty="0">
-                <a:solidFill>
-                  <a:schemeClr val="lt1"/>
-                </a:solidFill>
-                <a:latin typeface="Courier"/>
-                <a:ea typeface="Courier New"/>
-                <a:cs typeface="Courier"/>
-                <a:sym typeface="Courier New"/>
-              </a:rPr>
-              <a:t> </a:t>
-            </a:r>
-            <a:r>
-              <a:rPr lang="en-US" sz="3600" i="0" u="none" strike="noStrike" cap="none" dirty="0">
-                <a:solidFill>
-                  <a:srgbClr val="FFFF00"/>
-                </a:solidFill>
-                <a:latin typeface="Courier"/>
-                <a:ea typeface="Courier New"/>
-                <a:cs typeface="Courier"/>
-                <a:sym typeface="Courier New"/>
-              </a:rPr>
-              <a:t>in</a:t>
-            </a:r>
-            <a:r>
-              <a:rPr lang="en-US" sz="3600" i="0" u="none" strike="noStrike" cap="none" dirty="0">
-                <a:solidFill>
-                  <a:schemeClr val="lt1"/>
-                </a:solidFill>
-                <a:latin typeface="Courier"/>
-                <a:ea typeface="Courier New"/>
-                <a:cs typeface="Courier"/>
-                <a:sym typeface="Courier New"/>
-              </a:rPr>
-              <a:t> </a:t>
-            </a:r>
-            <a:r>
-              <a:rPr lang="en-US" sz="3600" i="0" u="none" strike="noStrike" cap="none" dirty="0" err="1">
-                <a:solidFill>
-                  <a:srgbClr val="00FF00"/>
-                </a:solidFill>
-                <a:latin typeface="Courier"/>
-                <a:ea typeface="Courier New"/>
-                <a:cs typeface="Courier"/>
-                <a:sym typeface="Courier New"/>
-              </a:rPr>
-              <a:t>c</a:t>
-            </a:r>
-            <a:r>
-              <a:rPr lang="en-US" sz="3600" i="0" u="none" strike="noStrike" cap="none" dirty="0" err="1">
-                <a:solidFill>
-                  <a:srgbClr val="FF00FF"/>
-                </a:solidFill>
-                <a:latin typeface="Courier"/>
-                <a:ea typeface="Courier New"/>
-                <a:cs typeface="Courier"/>
-                <a:sym typeface="Courier New"/>
-              </a:rPr>
-              <a:t>.items</a:t>
-            </a:r>
-            <a:r>
-              <a:rPr lang="en-US" sz="3600" i="0" u="none" strike="noStrike" cap="none" dirty="0">
-                <a:solidFill>
-                  <a:schemeClr val="lt1"/>
-                </a:solidFill>
-                <a:latin typeface="Courier"/>
-                <a:ea typeface="Courier New"/>
-                <a:cs typeface="Courier"/>
-                <a:sym typeface="Courier New"/>
-              </a:rPr>
-              <a:t>() </a:t>
-            </a:r>
-            <a:r>
-              <a:rPr lang="en-US" sz="3600" i="0" u="none" strike="noStrike" cap="none" dirty="0">
-                <a:solidFill>
-                  <a:srgbClr val="00FFFF"/>
-                </a:solidFill>
-                <a:latin typeface="Courier"/>
-                <a:ea typeface="Courier New"/>
-                <a:cs typeface="Courier"/>
-                <a:sym typeface="Courier New"/>
-              </a:rPr>
-              <a:t>]</a:t>
-            </a:r>
-            <a:r>
-              <a:rPr lang="en-US" sz="3600" i="0" u="none" strike="noStrike" cap="none" dirty="0">
-                <a:solidFill>
-                  <a:schemeClr val="lt1"/>
-                </a:solidFill>
-                <a:latin typeface="Courier"/>
-                <a:ea typeface="Courier New"/>
-                <a:cs typeface="Courier"/>
-                <a:sym typeface="Courier New"/>
-              </a:rPr>
-              <a:t> </a:t>
-            </a:r>
-            <a:r>
-              <a:rPr lang="en-US" sz="3600" i="0" u="none" strike="noStrike" cap="none" dirty="0" smtClean="0">
-                <a:solidFill>
-                  <a:schemeClr val="lt1"/>
-                </a:solidFill>
-                <a:latin typeface="Courier"/>
-                <a:ea typeface="Courier New"/>
-                <a:cs typeface="Courier"/>
-                <a:sym typeface="Courier New"/>
-              </a:rPr>
-              <a:t>) </a:t>
-            </a:r>
-            <a:r>
-              <a:rPr lang="en-US" sz="3600" i="0" u="none" strike="noStrike" cap="none" dirty="0" smtClean="0">
-                <a:solidFill>
-                  <a:srgbClr val="FFFF00"/>
-                </a:solidFill>
-                <a:latin typeface="Courier"/>
-                <a:ea typeface="Courier New"/>
-                <a:cs typeface="Courier"/>
-                <a:sym typeface="Courier New"/>
-              </a:rPr>
-              <a:t>)</a:t>
-            </a:r>
-            <a:endParaRPr lang="en-US" sz="3600" i="0" u="none" strike="noStrike" cap="none" dirty="0">
+            <a:endParaRPr lang="pl" sz="3600" i="0" u="none" strike="noStrike" cap="none" dirty="0">
               <a:solidFill>
                 <a:srgbClr val="FFFF00"/>
               </a:solidFill>
@@ -9857,7 +9579,7 @@
               <a:buNone/>
             </a:pPr>
             <a:r>
-              <a:rPr lang="en-US" sz="3600" i="0" u="none" strike="noStrike" cap="none" dirty="0">
+              <a:rPr lang="pl" sz="3600" b="0" i="0" u="none" strike="noStrike" cap="none" baseline="0">
                 <a:solidFill>
                   <a:schemeClr val="lt1"/>
                 </a:solidFill>
@@ -9879,8 +9601,8 @@
         </p:nvSpPr>
         <p:spPr>
           <a:xfrm>
-            <a:off x="1808049" y="5959475"/>
-            <a:ext cx="12915900" cy="1219199"/>
+            <a:off x="1504950" y="5959475"/>
+            <a:ext cx="13218999" cy="1219199"/>
           </a:xfrm>
           <a:prstGeom prst="rect">
             <a:avLst/>
@@ -9914,7 +9636,7 @@
               <a:buNone/>
             </a:pPr>
             <a:r>
-              <a:rPr lang="en-US" sz="3800" u="none" strike="noStrike" cap="none">
+              <a:rPr lang="pl" sz="3800" b="0" i="0" u="none" strike="noStrike" cap="none" baseline="0" dirty="0">
                 <a:solidFill>
                   <a:srgbClr val="00FF00"/>
                 </a:solidFill>
@@ -9923,10 +9645,10 @@
                 <a:cs typeface="Arial" charset="0"/>
                 <a:sym typeface="Cabin"/>
               </a:rPr>
-              <a:t>List comprehension</a:t>
-            </a:r>
-            <a:r>
-              <a:rPr lang="en-US" sz="3800" u="none" strike="noStrike" cap="none">
+              <a:t>Lista składana</a:t>
+            </a:r>
+            <a:r>
+              <a:rPr lang="pl" sz="3800" b="0" i="0" u="none" strike="noStrike" cap="none" baseline="0" dirty="0">
                 <a:solidFill>
                   <a:schemeClr val="lt1"/>
                 </a:solidFill>
@@ -9935,19 +9657,7 @@
                 <a:cs typeface="Arial" charset="0"/>
                 <a:sym typeface="Cabin"/>
               </a:rPr>
-              <a:t> creates a dynamic list.  </a:t>
-            </a:r>
-            <a:r>
-              <a:rPr lang="en-US" sz="3800" u="none" strike="noStrike" cap="none" dirty="0">
-                <a:solidFill>
-                  <a:schemeClr val="lt1"/>
-                </a:solidFill>
-                <a:latin typeface="Arial" charset="0"/>
-                <a:ea typeface="Arial" charset="0"/>
-                <a:cs typeface="Arial" charset="0"/>
-                <a:sym typeface="Cabin"/>
-              </a:rPr>
-              <a:t>In this case, we make a list of reversed tuples and then sort it.</a:t>
+              <a:t> jest tworzona dynamicznie. W tym przypadku tworzymy listę odwróconych krotek i sortujemy ją.</a:t>
             </a:r>
           </a:p>
         </p:txBody>
@@ -9957,13 +9667,6 @@
   <p:clrMapOvr>
     <a:masterClrMapping/>
   </p:clrMapOvr>
-  <p:timing>
-    <p:tnLst>
-      <p:par>
-        <p:cTn id="1" dur="indefinite" restart="never" nodeType="tmRoot"/>
-      </p:par>
-    </p:tnLst>
-  </p:timing>
 </p:sld>
 </file>
 
@@ -10031,7 +9734,7 @@
               <a:buNone/>
             </a:pPr>
             <a:r>
-              <a:rPr lang="en-US" sz="7600" u="none" strike="noStrike" cap="none" dirty="0">
+              <a:rPr lang="pl" sz="7600" b="0" i="0" u="none" strike="noStrike" cap="none" baseline="0">
                 <a:solidFill>
                   <a:srgbClr val="FFD966"/>
                 </a:solidFill>
@@ -10040,7 +9743,7 @@
                 <a:cs typeface="Arial" charset="0"/>
                 <a:sym typeface="Cabin"/>
               </a:rPr>
-              <a:t>Summary</a:t>
+              <a:t>Podsumowanie</a:t>
             </a:r>
           </a:p>
         </p:txBody>
@@ -10092,7 +9795,7 @@
               <a:buChar char="•"/>
             </a:pPr>
             <a:r>
-              <a:rPr lang="en-US" sz="3600" u="none" strike="noStrike" cap="none" dirty="0">
+              <a:rPr lang="pl" sz="3600" b="0" i="0" u="none" strike="noStrike" cap="none" baseline="0">
                 <a:solidFill>
                   <a:schemeClr val="lt1"/>
                 </a:solidFill>
@@ -10101,7 +9804,7 @@
                 <a:cs typeface="Arial" charset="0"/>
                 <a:sym typeface="Cabin"/>
               </a:rPr>
-              <a:t>Tuple syntax</a:t>
+              <a:t>Składnia krotek</a:t>
             </a:r>
           </a:p>
           <a:p>
@@ -10123,7 +9826,7 @@
               <a:buChar char="•"/>
             </a:pPr>
             <a:r>
-              <a:rPr lang="en-US" sz="3600" u="none" strike="noStrike" cap="none" dirty="0">
+              <a:rPr lang="pl" sz="3600" b="0" i="0" u="none" strike="noStrike" cap="none" baseline="0">
                 <a:solidFill>
                   <a:schemeClr val="lt1"/>
                 </a:solidFill>
@@ -10132,7 +9835,7 @@
                 <a:cs typeface="Arial" charset="0"/>
                 <a:sym typeface="Cabin"/>
               </a:rPr>
-              <a:t>Immutability</a:t>
+              <a:t>Niezmienność</a:t>
             </a:r>
           </a:p>
           <a:p>
@@ -10154,7 +9857,7 @@
               <a:buChar char="•"/>
             </a:pPr>
             <a:r>
-              <a:rPr lang="en-US" sz="3600" u="none" strike="noStrike" cap="none" dirty="0">
+              <a:rPr lang="pl" sz="3600" b="0" i="0" u="none" strike="noStrike" cap="none" baseline="0">
                 <a:solidFill>
                   <a:schemeClr val="lt1"/>
                 </a:solidFill>
@@ -10163,7 +9866,7 @@
                 <a:cs typeface="Arial" charset="0"/>
                 <a:sym typeface="Cabin"/>
               </a:rPr>
-              <a:t>Comparability</a:t>
+              <a:t>Porównywalność</a:t>
             </a:r>
           </a:p>
           <a:p>
@@ -10185,7 +9888,7 @@
               <a:buChar char="•"/>
             </a:pPr>
             <a:r>
-              <a:rPr lang="en-US" sz="3600" u="none" strike="noStrike" cap="none" dirty="0">
+              <a:rPr lang="pl" sz="3600" b="0" i="0" u="none" strike="noStrike" cap="none" baseline="0">
                 <a:solidFill>
                   <a:schemeClr val="lt1"/>
                 </a:solidFill>
@@ -10194,7 +9897,7 @@
                 <a:cs typeface="Arial" charset="0"/>
                 <a:sym typeface="Cabin"/>
               </a:rPr>
-              <a:t>Sorting</a:t>
+              <a:t>Sortowanie</a:t>
             </a:r>
           </a:p>
         </p:txBody>
@@ -10246,7 +9949,7 @@
               <a:buChar char="•"/>
             </a:pPr>
             <a:r>
-              <a:rPr lang="en-US" sz="3600" u="none" strike="noStrike" cap="none" dirty="0">
+              <a:rPr lang="pl" sz="3600" b="0" i="0" u="none" strike="noStrike" cap="none" baseline="0">
                 <a:solidFill>
                   <a:schemeClr val="lt1"/>
                 </a:solidFill>
@@ -10255,7 +9958,7 @@
                 <a:cs typeface="Arial" charset="0"/>
                 <a:sym typeface="Cabin"/>
               </a:rPr>
-              <a:t>Tuples in assignment statements</a:t>
+              <a:t>Krotki w instrukcjach przypisania</a:t>
             </a:r>
           </a:p>
           <a:p>
@@ -10277,7 +9980,7 @@
               <a:buChar char="•"/>
             </a:pPr>
             <a:r>
-              <a:rPr lang="en-US" sz="3600" u="none" strike="noStrike" cap="none" dirty="0">
+              <a:rPr lang="pl" sz="3600" b="0" i="0" u="none" strike="noStrike" cap="none" baseline="0">
                 <a:solidFill>
                   <a:schemeClr val="lt1"/>
                 </a:solidFill>
@@ -10286,7 +9989,7 @@
                 <a:cs typeface="Arial" charset="0"/>
                 <a:sym typeface="Cabin"/>
               </a:rPr>
-              <a:t>Sorting dictionaries by either key or value </a:t>
+              <a:t>Sortowanie słowników po kluczach lub wartościach </a:t>
             </a:r>
           </a:p>
         </p:txBody>
@@ -10296,13 +9999,6 @@
   <p:clrMapOvr>
     <a:masterClrMapping/>
   </p:clrMapOvr>
-  <p:timing>
-    <p:tnLst>
-      <p:par>
-        <p:cTn id="1" dur="indefinite" restart="never" nodeType="tmRoot"/>
-      </p:par>
-    </p:tnLst>
-  </p:timing>
 </p:sld>
 </file>
 
@@ -10311,7 +10007,7 @@
   <p:cSld>
     <p:spTree>
       <p:nvGrpSpPr>
-        <p:cNvPr id="1" name="Shape 271"/>
+        <p:cNvPr id="1" name="Shape 793"/>
         <p:cNvGrpSpPr/>
         <p:nvPr/>
       </p:nvGrpSpPr>
@@ -10325,7 +10021,7 @@
       </p:grpSpPr>
       <p:sp>
         <p:nvSpPr>
-          <p:cNvPr id="272" name="Shape 272"/>
+          <p:cNvPr id="794" name="Shape 794"/>
           <p:cNvSpPr txBox="1">
             <a:spLocks noGrp="1"/>
           </p:cNvSpPr>
@@ -10335,8 +10031,53 @@
         </p:nvSpPr>
         <p:spPr>
           <a:xfrm>
-            <a:off x="1462700" y="906184"/>
-            <a:ext cx="12469200" cy="1024800"/>
+            <a:off x="1462700" y="946150"/>
+            <a:ext cx="12469200" cy="811213"/>
+          </a:xfrm>
+          <a:prstGeom prst="rect">
+            <a:avLst/>
+          </a:prstGeom>
+        </p:spPr>
+        <p:txBody>
+          <a:bodyPr lIns="91425" tIns="91425" rIns="91425" bIns="91425" anchor="ctr" anchorCtr="0">
+            <a:noAutofit/>
+          </a:bodyPr>
+          <a:lstStyle/>
+          <a:p>
+            <a:pPr lvl="0" rtl="0">
+              <a:spcBef>
+                <a:spcPts val="0"/>
+              </a:spcBef>
+              <a:buNone/>
+            </a:pPr>
+            <a:r>
+              <a:rPr lang="pl" sz="3600" b="0" i="0" u="none" baseline="0">
+                <a:solidFill>
+                  <a:srgbClr val="FFFF00"/>
+                </a:solidFill>
+              </a:rPr>
+              <a:t>Podziękowania dla współpracowników</a:t>
+            </a:r>
+          </a:p>
+        </p:txBody>
+      </p:sp>
+      <p:pic>
+        <p:nvPicPr>
+          <p:cNvPr id="797" name="Shape 797"/>
+          <p:cNvPicPr preferRelativeResize="0"/>
+          <p:nvPr/>
+        </p:nvPicPr>
+        <p:blipFill rotWithShape="1">
+          <a:blip r:embed="rId3">
+            <a:alphaModFix/>
+          </a:blip>
+          <a:srcRect/>
+          <a:stretch/>
+        </p:blipFill>
+        <p:spPr>
+          <a:xfrm>
+            <a:off x="437900" y="839500"/>
+            <a:ext cx="1024800" cy="1024800"/>
           </a:xfrm>
           <a:prstGeom prst="rect">
             <a:avLst/>
@@ -10346,54 +10087,44 @@
             <a:noFill/>
           </a:ln>
         </p:spPr>
-        <p:txBody>
-          <a:bodyPr lIns="91425" tIns="91425" rIns="91425" bIns="91425" anchor="ctr" anchorCtr="0">
-            <a:noAutofit/>
-          </a:bodyPr>
-          <a:lstStyle/>
-          <a:p>
-            <a:pPr marL="0" marR="0" lvl="0" indent="0" algn="ctr" rtl="0">
-              <a:lnSpc>
-                <a:spcPct val="100000"/>
-              </a:lnSpc>
-              <a:spcBef>
-                <a:spcPts val="0"/>
-              </a:spcBef>
-              <a:spcAft>
-                <a:spcPts val="0"/>
-              </a:spcAft>
-              <a:buClr>
-                <a:srgbClr val="FFFF00"/>
-              </a:buClr>
-              <a:buSzPct val="25000"/>
-              <a:buFont typeface="Arial"/>
-              <a:buNone/>
-            </a:pPr>
-            <a:r>
-              <a:rPr lang="en-US" sz="3600" b="0" i="0" u="none" strike="noStrike" cap="none">
-                <a:solidFill>
-                  <a:srgbClr val="FFFF00"/>
-                </a:solidFill>
-                <a:latin typeface="Arial"/>
-                <a:ea typeface="Arial"/>
-                <a:cs typeface="Arial"/>
-                <a:sym typeface="Arial"/>
-              </a:rPr>
-              <a:t>Acknowledgements / Contributions</a:t>
-            </a:r>
-          </a:p>
-        </p:txBody>
-      </p:sp>
+      </p:pic>
+      <p:pic>
+        <p:nvPicPr>
+          <p:cNvPr id="798" name="Shape 798"/>
+          <p:cNvPicPr preferRelativeResize="0"/>
+          <p:nvPr/>
+        </p:nvPicPr>
+        <p:blipFill rotWithShape="1">
+          <a:blip r:embed="rId4">
+            <a:alphaModFix/>
+          </a:blip>
+          <a:srcRect/>
+          <a:stretch/>
+        </p:blipFill>
+        <p:spPr>
+          <a:xfrm>
+            <a:off x="13897687" y="1017700"/>
+            <a:ext cx="1968599" cy="668400"/>
+          </a:xfrm>
+          <a:prstGeom prst="rect">
+            <a:avLst/>
+          </a:prstGeom>
+          <a:noFill/>
+          <a:ln>
+            <a:noFill/>
+          </a:ln>
+        </p:spPr>
+      </p:pic>
       <p:sp>
         <p:nvSpPr>
-          <p:cNvPr id="274" name="Shape 274"/>
+          <p:cNvPr id="799" name="Shape 799"/>
           <p:cNvSpPr txBox="1"/>
           <p:nvPr/>
         </p:nvSpPr>
         <p:spPr>
           <a:xfrm>
-            <a:off x="1206100" y="2153260"/>
-            <a:ext cx="6797698" cy="6019200"/>
+            <a:off x="8704400" y="2217051"/>
+            <a:ext cx="6797699" cy="5631550"/>
           </a:xfrm>
           <a:prstGeom prst="rect">
             <a:avLst/>
@@ -10409,268 +10140,39 @@
           </a:bodyPr>
           <a:lstStyle/>
           <a:p>
-            <a:pPr marL="0" marR="0" lvl="0" indent="0" algn="l" rtl="0">
-              <a:lnSpc>
-                <a:spcPct val="100000"/>
-              </a:lnSpc>
-              <a:spcBef>
-                <a:spcPts val="0"/>
-              </a:spcBef>
-              <a:spcAft>
-                <a:spcPts val="0"/>
-              </a:spcAft>
-              <a:buClr>
-                <a:srgbClr val="FFFFFF"/>
-              </a:buClr>
-              <a:buSzPct val="25000"/>
-              <a:buFont typeface="Arial"/>
-              <a:buNone/>
-            </a:pPr>
-            <a:r>
-              <a:rPr lang="en-US" sz="1800" b="0" i="0" u="none" strike="noStrike" cap="none" dirty="0">
+            <a:pPr lvl="0" algn="l" rtl="0">
+              <a:spcBef>
+                <a:spcPts val="0"/>
+              </a:spcBef>
+              <a:buNone/>
+            </a:pPr>
+            <a:r>
+              <a:rPr lang="pl" sz="1800" b="0" i="0" u="none" baseline="0">
                 <a:solidFill>
                   <a:srgbClr val="FFFFFF"/>
                 </a:solidFill>
-                <a:latin typeface="Arial"/>
-                <a:ea typeface="Arial"/>
-                <a:cs typeface="Arial"/>
-                <a:sym typeface="Arial"/>
-              </a:rPr>
-              <a:t>These slides are Copyright 2010-  Charles R. Severance (</a:t>
-            </a:r>
-            <a:r>
-              <a:rPr lang="en-US" sz="1800" b="0" i="0" u="sng" strike="noStrike" cap="none" dirty="0">
-                <a:solidFill>
-                  <a:schemeClr val="hlink"/>
-                </a:solidFill>
-                <a:latin typeface="Arial"/>
-                <a:ea typeface="Arial"/>
-                <a:cs typeface="Arial"/>
-                <a:sym typeface="Arial"/>
-                <a:hlinkClick r:id="rId3"/>
-              </a:rPr>
-              <a:t>www.dr-chuck.com</a:t>
-            </a:r>
-            <a:r>
-              <a:rPr lang="en-US" sz="1800" b="0" i="0" u="none" strike="noStrike" cap="none" dirty="0">
-                <a:solidFill>
-                  <a:srgbClr val="FFFFFF"/>
-                </a:solidFill>
-                <a:latin typeface="Arial"/>
-                <a:ea typeface="Arial"/>
-                <a:cs typeface="Arial"/>
-                <a:sym typeface="Arial"/>
-              </a:rPr>
-              <a:t>) of the University of Michigan School of Information and </a:t>
-            </a:r>
-            <a:r>
-              <a:rPr lang="en-US" sz="1800" b="0" i="0" u="sng" strike="noStrike" cap="none" dirty="0">
-                <a:solidFill>
-                  <a:schemeClr val="hlink"/>
-                </a:solidFill>
-                <a:latin typeface="Arial"/>
-                <a:ea typeface="Arial"/>
-                <a:cs typeface="Arial"/>
-                <a:sym typeface="Arial"/>
-                <a:hlinkClick r:id="rId4"/>
-              </a:rPr>
-              <a:t>open.umich.edu</a:t>
-            </a:r>
-            <a:r>
-              <a:rPr lang="en-US" sz="1800" b="0" i="0" u="none" strike="noStrike" cap="none" dirty="0">
-                <a:solidFill>
-                  <a:srgbClr val="FFFFFF"/>
-                </a:solidFill>
-                <a:latin typeface="Arial"/>
-                <a:ea typeface="Arial"/>
-                <a:cs typeface="Arial"/>
-                <a:sym typeface="Arial"/>
-              </a:rPr>
-              <a:t> and made available under a Creative Commons Attribution 4.0 License.  Please maintain this last slide in all copies of the document to comply with the attribution requirements of the license.  If you make a change, feel free to add your name and organization to the list of contributors on this page as you republish the materials.</a:t>
-            </a:r>
-          </a:p>
-          <a:p>
-            <a:pPr marL="0" marR="0" lvl="0" indent="0" algn="l" rtl="0">
-              <a:lnSpc>
-                <a:spcPct val="100000"/>
-              </a:lnSpc>
-              <a:spcBef>
-                <a:spcPts val="0"/>
-              </a:spcBef>
-              <a:spcAft>
-                <a:spcPts val="0"/>
-              </a:spcAft>
-              <a:buClr>
-                <a:srgbClr val="000000"/>
-              </a:buClr>
-              <a:buFont typeface="Arial"/>
-              <a:buNone/>
-            </a:pPr>
-            <a:endParaRPr sz="1800" b="0" i="0" u="none" strike="noStrike" cap="none" dirty="0">
-              <a:solidFill>
-                <a:srgbClr val="FFFFFF"/>
-              </a:solidFill>
-              <a:latin typeface="Arial"/>
-              <a:ea typeface="Arial"/>
-              <a:cs typeface="Arial"/>
-              <a:sym typeface="Arial"/>
-            </a:endParaRPr>
-          </a:p>
-          <a:p>
-            <a:pPr marL="0" marR="0" lvl="0" indent="0" algn="l" rtl="0">
-              <a:lnSpc>
-                <a:spcPct val="100000"/>
-              </a:lnSpc>
-              <a:spcBef>
-                <a:spcPts val="0"/>
-              </a:spcBef>
-              <a:spcAft>
-                <a:spcPts val="0"/>
-              </a:spcAft>
-              <a:buClr>
-                <a:srgbClr val="FFFFFF"/>
-              </a:buClr>
-              <a:buSzPct val="25000"/>
-              <a:buFont typeface="Arial"/>
-              <a:buNone/>
-            </a:pPr>
-            <a:r>
-              <a:rPr lang="en-US" sz="1800" b="0" i="0" u="none" strike="noStrike" cap="none" dirty="0">
-                <a:solidFill>
-                  <a:srgbClr val="FFFFFF"/>
-                </a:solidFill>
-                <a:latin typeface="Arial"/>
-                <a:ea typeface="Arial"/>
-                <a:cs typeface="Arial"/>
-                <a:sym typeface="Arial"/>
-              </a:rPr>
-              <a:t>Initial Development: Charles Severance, University of Michigan School of Information</a:t>
-            </a:r>
-          </a:p>
-          <a:p>
-            <a:pPr marL="0" marR="0" lvl="0" indent="0" algn="l" rtl="0">
-              <a:lnSpc>
-                <a:spcPct val="100000"/>
-              </a:lnSpc>
-              <a:spcBef>
-                <a:spcPts val="0"/>
-              </a:spcBef>
-              <a:spcAft>
-                <a:spcPts val="0"/>
-              </a:spcAft>
-              <a:buClr>
-                <a:srgbClr val="000000"/>
-              </a:buClr>
-              <a:buFont typeface="Arial"/>
-              <a:buNone/>
-            </a:pPr>
-            <a:endParaRPr sz="1800" b="0" i="0" u="none" strike="noStrike" cap="none" dirty="0">
-              <a:solidFill>
-                <a:srgbClr val="FFFFFF"/>
-              </a:solidFill>
-              <a:latin typeface="Arial"/>
-              <a:ea typeface="Arial"/>
-              <a:cs typeface="Arial"/>
-              <a:sym typeface="Arial"/>
-            </a:endParaRPr>
-          </a:p>
-          <a:p>
-            <a:pPr marL="0" marR="0" lvl="0" indent="0" algn="l" rtl="0">
-              <a:lnSpc>
-                <a:spcPct val="100000"/>
-              </a:lnSpc>
-              <a:spcBef>
-                <a:spcPts val="0"/>
-              </a:spcBef>
-              <a:spcAft>
-                <a:spcPts val="0"/>
-              </a:spcAft>
-              <a:buClr>
-                <a:srgbClr val="FFFFFF"/>
-              </a:buClr>
-              <a:buSzPct val="25000"/>
-              <a:buFont typeface="Arial"/>
-              <a:buNone/>
-            </a:pPr>
-            <a:r>
-              <a:rPr lang="en-US" sz="1800" b="0" i="0" u="none" strike="noStrike" cap="none" dirty="0">
-                <a:solidFill>
-                  <a:srgbClr val="FFFFFF"/>
-                </a:solidFill>
-                <a:latin typeface="Arial"/>
-                <a:ea typeface="Arial"/>
-                <a:cs typeface="Arial"/>
-                <a:sym typeface="Arial"/>
-              </a:rPr>
-              <a:t>… Insert new Contributors and Translators here</a:t>
+              </a:rPr>
+              <a:t>...</a:t>
             </a:r>
           </a:p>
         </p:txBody>
       </p:sp>
-      <p:pic>
-        <p:nvPicPr>
-          <p:cNvPr id="275" name="Shape 275"/>
-          <p:cNvPicPr preferRelativeResize="0"/>
-          <p:nvPr/>
-        </p:nvPicPr>
-        <p:blipFill rotWithShape="1">
-          <a:blip r:embed="rId5">
-            <a:alphaModFix/>
-          </a:blip>
-          <a:srcRect/>
-          <a:stretch/>
-        </p:blipFill>
-        <p:spPr>
-          <a:xfrm>
-            <a:off x="437900" y="906184"/>
-            <a:ext cx="1024800" cy="1024800"/>
-          </a:xfrm>
-          <a:prstGeom prst="rect">
-            <a:avLst/>
-          </a:prstGeom>
-          <a:noFill/>
-          <a:ln>
-            <a:noFill/>
-          </a:ln>
-        </p:spPr>
-      </p:pic>
-      <p:pic>
-        <p:nvPicPr>
-          <p:cNvPr id="276" name="Shape 276"/>
-          <p:cNvPicPr preferRelativeResize="0"/>
-          <p:nvPr/>
-        </p:nvPicPr>
-        <p:blipFill rotWithShape="1">
-          <a:blip r:embed="rId6">
-            <a:alphaModFix/>
-          </a:blip>
-          <a:srcRect/>
-          <a:stretch/>
-        </p:blipFill>
-        <p:spPr>
-          <a:xfrm>
-            <a:off x="13897687" y="1084384"/>
-            <a:ext cx="1968599" cy="668400"/>
-          </a:xfrm>
-          <a:prstGeom prst="rect">
-            <a:avLst/>
-          </a:prstGeom>
-          <a:noFill/>
-          <a:ln>
-            <a:noFill/>
-          </a:ln>
-        </p:spPr>
-      </p:pic>
       <p:sp>
         <p:nvSpPr>
-          <p:cNvPr id="277" name="Shape 277"/>
+          <p:cNvPr id="7" name="Shape 502">
+            <a:extLst>
+              <a:ext uri="{FF2B5EF4-FFF2-40B4-BE49-F238E27FC236}">
+                <a16:creationId xmlns:a16="http://schemas.microsoft.com/office/drawing/2014/main" id="{CEF5E0F8-6601-4183-B7F6-313E4C9DD536}"/>
+              </a:ext>
+            </a:extLst>
+          </p:cNvPr>
           <p:cNvSpPr txBox="1"/>
           <p:nvPr/>
         </p:nvSpPr>
         <p:spPr>
           <a:xfrm>
-            <a:off x="8704400" y="2283734"/>
-            <a:ext cx="6797698" cy="5788704"/>
+            <a:off x="1206100" y="2296123"/>
+            <a:ext cx="6797699" cy="5533425"/>
           </a:xfrm>
           <a:prstGeom prst="rect">
             <a:avLst/>
@@ -10686,34 +10188,195 @@
           </a:bodyPr>
           <a:lstStyle/>
           <a:p>
-            <a:pPr marL="0" marR="0" lvl="0" indent="0" algn="l" rtl="0">
-              <a:lnSpc>
-                <a:spcPct val="100000"/>
-              </a:lnSpc>
-              <a:spcBef>
-                <a:spcPts val="0"/>
-              </a:spcBef>
-              <a:spcAft>
-                <a:spcPts val="0"/>
-              </a:spcAft>
-              <a:buClr>
+            <a:pPr lvl="0" algn="l" rtl="0">
+              <a:spcBef>
+                <a:spcPts val="0"/>
+              </a:spcBef>
+              <a:buNone/>
+            </a:pPr>
+            <a:r>
+              <a:rPr lang="pl" sz="1800" b="0" i="0" u="none" baseline="0" dirty="0">
+                <a:solidFill>
+                  <a:srgbClr val="FFFFFF"/>
+                </a:solidFill>
+              </a:rPr>
+              <a:t>Copyright slajdów 2010 - Charles R. Severance </a:t>
+            </a:r>
+            <a:br>
+              <a:rPr lang="pl" sz="1800" b="0" i="0" u="none" baseline="0" dirty="0">
+                <a:solidFill>
+                  <a:srgbClr val="FFFFFF"/>
+                </a:solidFill>
+              </a:rPr>
+            </a:br>
+            <a:r>
+              <a:rPr lang="pl" sz="1800" b="0" i="0" u="none" baseline="0" dirty="0">
+                <a:solidFill>
+                  <a:srgbClr val="FFFFFF"/>
+                </a:solidFill>
+              </a:rPr>
+              <a:t>(</a:t>
+            </a:r>
+            <a:r>
+              <a:rPr lang="pl" sz="1800" b="0" i="0" u="sng" baseline="0" dirty="0">
+                <a:solidFill>
+                  <a:srgbClr val="FFFF00"/>
+                </a:solidFill>
+                <a:hlinkClick r:id="rId5"/>
+              </a:rPr>
+              <a:t>www.dr-chuck.com</a:t>
+            </a:r>
+            <a:r>
+              <a:rPr lang="pl" sz="1800" b="0" i="0" u="none" baseline="0" dirty="0">
+                <a:solidFill>
+                  <a:srgbClr val="FFFFFF"/>
+                </a:solidFill>
+              </a:rPr>
+              <a:t>)</a:t>
+            </a:r>
+            <a:r>
+              <a:rPr lang="pl" sz="1800" b="0" i="0" u="none" baseline="0" dirty="0">
+                <a:solidFill>
+                  <a:schemeClr val="bg1"/>
+                </a:solidFill>
+              </a:rPr>
+              <a:t> University of Michigan School of Information i</a:t>
+            </a:r>
+            <a:r>
+              <a:rPr lang="pl" sz="1800" b="0" i="0" u="none" baseline="0" dirty="0">
+                <a:solidFill>
+                  <a:srgbClr val="FFFF00"/>
+                </a:solidFill>
+              </a:rPr>
+              <a:t> </a:t>
+            </a:r>
+            <a:r>
+              <a:rPr lang="pl" sz="1800" b="0" i="0" u="sng" baseline="0" dirty="0">
+                <a:solidFill>
+                  <a:srgbClr val="FFFF00"/>
+                </a:solidFill>
+                <a:hlinkClick r:id="rId6"/>
+              </a:rPr>
+              <a:t>open.umich.edu</a:t>
+            </a:r>
+            <a:r>
+              <a:rPr lang="pl" sz="1800" b="0" i="0" baseline="0" dirty="0">
+                <a:solidFill>
+                  <a:srgbClr val="FFFF00"/>
+                </a:solidFill>
+              </a:rPr>
+              <a:t> </a:t>
+            </a:r>
+            <a:r>
+              <a:rPr lang="pl" sz="1800" b="0" i="0" u="none" baseline="0" dirty="0">
+                <a:solidFill>
+                  <a:srgbClr val="FFFFFF"/>
+                </a:solidFill>
+              </a:rPr>
+              <a:t>dostępne na licencji Creative Commons Attribution 4.0.  Aby zachować zgodność z wymaganiami licencji należy pozostawić ten slajd na końcu każdej kopii tego dokumentu.  Po dokonaniu zmian, przy ponownej publikacji tych materiałów można dodać swoje nazwisko i nazwę organizacji do listy współpracowników</a:t>
+            </a:r>
+          </a:p>
+          <a:p>
+            <a:pPr lvl="0" algn="l" rtl="0">
+              <a:spcBef>
+                <a:spcPts val="0"/>
+              </a:spcBef>
+              <a:buNone/>
+            </a:pPr>
+            <a:endParaRPr sz="1800" dirty="0">
+              <a:solidFill>
                 <a:srgbClr val="FFFFFF"/>
-              </a:buClr>
-              <a:buSzPct val="25000"/>
-              <a:buFont typeface="Arial"/>
-              <a:buNone/>
-            </a:pPr>
-            <a:r>
-              <a:rPr lang="en-US" sz="1800" b="0" i="0" u="none" strike="noStrike" cap="none">
+              </a:solidFill>
+            </a:endParaRPr>
+          </a:p>
+          <a:p>
+            <a:pPr lvl="0" algn="l" rtl="0">
+              <a:spcBef>
+                <a:spcPts val="0"/>
+              </a:spcBef>
+              <a:buNone/>
+            </a:pPr>
+            <a:r>
+              <a:rPr lang="pl" sz="1800" b="0" i="0" u="none" baseline="0" dirty="0">
                 <a:solidFill>
                   <a:srgbClr val="FFFFFF"/>
                 </a:solidFill>
-                <a:latin typeface="Arial"/>
-                <a:ea typeface="Arial"/>
-                <a:cs typeface="Arial"/>
-                <a:sym typeface="Arial"/>
-              </a:rPr>
-              <a:t>...</a:t>
+              </a:rPr>
+              <a:t>Autorstwo pierwszej wersji: Charles Severance, University of Michigan School of Information</a:t>
+            </a:r>
+          </a:p>
+          <a:p>
+            <a:pPr lvl="0" algn="l" rtl="0">
+              <a:spcBef>
+                <a:spcPts val="0"/>
+              </a:spcBef>
+              <a:buNone/>
+            </a:pPr>
+            <a:endParaRPr sz="1800" dirty="0">
+              <a:solidFill>
+                <a:srgbClr val="FFFFFF"/>
+              </a:solidFill>
+            </a:endParaRPr>
+          </a:p>
+          <a:p>
+            <a:pPr lvl="0" algn="l" rtl="0">
+              <a:spcBef>
+                <a:spcPts val="0"/>
+              </a:spcBef>
+              <a:buNone/>
+            </a:pPr>
+            <a:r>
+              <a:rPr lang="pl" sz="1800" b="0" i="0" u="none" baseline="0" dirty="0">
+                <a:solidFill>
+                  <a:srgbClr val="FFFFFF"/>
+                </a:solidFill>
+              </a:rPr>
+              <a:t>Tłumaczenie</a:t>
+            </a:r>
+            <a:r>
+              <a:rPr lang="pl" sz="1800" b="0" i="0" u="none" baseline="0">
+                <a:solidFill>
+                  <a:srgbClr val="FFFFFF"/>
+                </a:solidFill>
+              </a:rPr>
+              <a:t>: Agata i Krzysztof Wierzbiccy</a:t>
+            </a:r>
+            <a:r>
+              <a:rPr lang="pl" sz="1800" b="0" i="0" u="none" baseline="0" dirty="0">
+                <a:solidFill>
+                  <a:srgbClr val="FFFFFF"/>
+                </a:solidFill>
+              </a:rPr>
+              <a:t>, EnglishT.eu </a:t>
+            </a:r>
+          </a:p>
+          <a:p>
+            <a:pPr lvl="0" algn="l" rtl="0">
+              <a:spcBef>
+                <a:spcPts val="0"/>
+              </a:spcBef>
+              <a:buNone/>
+            </a:pPr>
+            <a:endParaRPr lang="pl" sz="1800" dirty="0">
+              <a:solidFill>
+                <a:srgbClr val="FFFFFF"/>
+              </a:solidFill>
+            </a:endParaRPr>
+          </a:p>
+          <a:p>
+            <a:pPr lvl="0" algn="l" rtl="0">
+              <a:spcBef>
+                <a:spcPts val="0"/>
+              </a:spcBef>
+              <a:buNone/>
+            </a:pPr>
+            <a:r>
+              <a:rPr lang="pl" sz="1800" b="0" i="0" u="none" baseline="0" dirty="0">
+                <a:solidFill>
+                  <a:srgbClr val="FFFFFF"/>
+                </a:solidFill>
+              </a:rPr>
+              <a:t>... wstaw tu nowych współpracowników i tłumaczy</a:t>
             </a:r>
           </a:p>
         </p:txBody>
@@ -10723,13 +10386,6 @@
   <p:clrMapOvr>
     <a:masterClrMapping/>
   </p:clrMapOvr>
-  <p:timing>
-    <p:tnLst>
-      <p:par>
-        <p:cTn id="1" dur="indefinite" restart="never" nodeType="tmRoot"/>
-      </p:par>
-    </p:tnLst>
-  </p:timing>
 </p:sld>
 </file>
 
@@ -10793,7 +10449,7 @@
               <a:buNone/>
             </a:pPr>
             <a:r>
-              <a:rPr lang="en-US" sz="7800" u="none" strike="noStrike" cap="none" dirty="0">
+              <a:rPr lang="pl" sz="7800" b="0" i="0" u="none" strike="noStrike" cap="none" baseline="0">
                 <a:solidFill>
                   <a:srgbClr val="FFD966"/>
                 </a:solidFill>
@@ -10802,7 +10458,7 @@
                 <a:cs typeface="Arial" charset="0"/>
                 <a:sym typeface="Cabin"/>
               </a:rPr>
-              <a:t>Tuples Are Like Lists</a:t>
+              <a:t>Krotki są jak listy</a:t>
             </a:r>
           </a:p>
         </p:txBody>
@@ -10853,7 +10509,7 @@
               <a:buNone/>
             </a:pPr>
             <a:r>
-              <a:rPr lang="en-US" sz="3600" u="none" strike="noStrike" cap="none">
+              <a:rPr lang="pl" sz="3600" b="0" i="0" u="none" strike="noStrike" cap="none" baseline="0" dirty="0">
                 <a:solidFill>
                   <a:schemeClr val="lt1"/>
                 </a:solidFill>
@@ -10862,7 +10518,31 @@
                 <a:cs typeface="Arial" charset="0"/>
                 <a:sym typeface="Cabin"/>
               </a:rPr>
-              <a:t>Tuples are another kind of sequence that functions much like a list - they have elements which are indexed starting at 0</a:t>
+              <a:t>Krotki to kolejny typ sekwencji, które działają podobnie do list </a:t>
+            </a:r>
+            <a:r>
+              <a:rPr lang="pl" sz="3600" dirty="0">
+                <a:solidFill>
+                  <a:schemeClr val="lt1"/>
+                </a:solidFill>
+                <a:latin typeface="Arial" charset="0"/>
+                <a:ea typeface="Arial" charset="0"/>
+                <a:cs typeface="Arial" charset="0"/>
+                <a:sym typeface="Cabin"/>
+              </a:rPr>
+              <a:t>–</a:t>
+            </a:r>
+            <a:r>
+              <a:rPr lang="pl" sz="3600" b="0" i="0" u="none" strike="noStrike" cap="none" baseline="0" dirty="0">
+                <a:solidFill>
+                  <a:schemeClr val="lt1"/>
+                </a:solidFill>
+                <a:latin typeface="Arial" charset="0"/>
+                <a:ea typeface="Arial" charset="0"/>
+                <a:cs typeface="Arial" charset="0"/>
+                <a:sym typeface="Cabin"/>
+              </a:rPr>
+              <a:t> mają elementy indeksowane od 0</a:t>
             </a:r>
           </a:p>
         </p:txBody>
@@ -10910,7 +10590,7 @@
               <a:buNone/>
             </a:pPr>
             <a:r>
-              <a:rPr lang="en-US" sz="3000" i="0" u="none" strike="noStrike" cap="none" dirty="0">
+              <a:rPr lang="pl" sz="3000" b="0" i="0" u="none" strike="noStrike" cap="none" baseline="0">
                 <a:solidFill>
                   <a:schemeClr val="lt1"/>
                 </a:solidFill>
@@ -10922,7 +10602,7 @@
               <a:t>&gt;&gt;&gt; </a:t>
             </a:r>
             <a:r>
-              <a:rPr lang="en-US" sz="3000" i="0" u="none" strike="noStrike" cap="none" dirty="0">
+              <a:rPr lang="pl" sz="3000" b="0" i="0" u="none" strike="noStrike" cap="none" baseline="0">
                 <a:solidFill>
                   <a:srgbClr val="00FF00"/>
                 </a:solidFill>
@@ -10934,27 +10614,27 @@
               <a:t>x</a:t>
             </a:r>
             <a:r>
-              <a:rPr lang="en-US" sz="3000" i="0" u="none" strike="noStrike" cap="none" dirty="0">
-                <a:solidFill>
-                  <a:schemeClr val="lt1"/>
-                </a:solidFill>
-                <a:latin typeface="Courier"/>
-                <a:ea typeface="Courier New"/>
-                <a:cs typeface="Courier"/>
-                <a:sym typeface="Courier New"/>
-              </a:rPr>
-              <a:t> = ('Glenn', 'Sally', 'Joseph')</a:t>
-            </a:r>
-          </a:p>
-          <a:p>
-            <a:pPr lvl="0">
+              <a:rPr lang="pl" sz="3000" b="0" i="0" u="none" strike="noStrike" cap="none" baseline="0">
+                <a:solidFill>
+                  <a:schemeClr val="lt1"/>
+                </a:solidFill>
+                <a:latin typeface="Courier"/>
+                <a:ea typeface="Courier New"/>
+                <a:cs typeface="Courier"/>
+                <a:sym typeface="Courier New"/>
+              </a:rPr>
+              <a:t> = ('Gienek', 'Staszek', 'Józek')</a:t>
+            </a:r>
+          </a:p>
+          <a:p>
+            <a:pPr lvl="0" algn="l" rtl="0">
               <a:buClr>
                 <a:schemeClr val="lt1"/>
               </a:buClr>
               <a:buSzPct val="25000"/>
             </a:pPr>
             <a:r>
-              <a:rPr lang="en-US" sz="3000" i="0" u="none" strike="noStrike" cap="none" dirty="0">
+              <a:rPr lang="pl" sz="3000" b="0" i="0" u="none" strike="noStrike" cap="none" baseline="0">
                 <a:solidFill>
                   <a:schemeClr val="lt1"/>
                 </a:solidFill>
@@ -10966,7 +10646,7 @@
               <a:t>&gt;&gt;&gt; </a:t>
             </a:r>
             <a:r>
-              <a:rPr lang="en-US" sz="3000" i="0" u="none" strike="noStrike" cap="none" dirty="0" smtClean="0">
+              <a:rPr lang="pl" sz="3000" b="0" i="0" u="none" strike="noStrike" cap="none" baseline="0">
                 <a:solidFill>
                   <a:srgbClr val="FFFF00"/>
                 </a:solidFill>
@@ -10978,7 +10658,7 @@
               <a:t>print(</a:t>
             </a:r>
             <a:r>
-              <a:rPr lang="en-US" sz="3000" i="0" u="none" strike="noStrike" cap="none" dirty="0" smtClean="0">
+              <a:rPr lang="pl" sz="3000" b="0" i="0" u="none" strike="noStrike" cap="none" baseline="0">
                 <a:solidFill>
                   <a:srgbClr val="00FF00"/>
                 </a:solidFill>
@@ -10990,7 +10670,7 @@
               <a:t>x</a:t>
             </a:r>
             <a:r>
-              <a:rPr lang="en-US" sz="3000" i="0" u="none" strike="noStrike" cap="none" dirty="0" smtClean="0">
+              <a:rPr lang="pl" sz="3000" b="0" i="0" u="none" strike="noStrike" cap="none" baseline="0">
                 <a:solidFill>
                   <a:srgbClr val="00FFFF"/>
                 </a:solidFill>
@@ -11002,7 +10682,7 @@
               <a:t>[2]</a:t>
             </a:r>
             <a:r>
-              <a:rPr lang="en-US" sz="3000" dirty="0" smtClean="0">
+              <a:rPr lang="pl" sz="3000" b="0" i="0" u="none" baseline="0">
                 <a:solidFill>
                   <a:srgbClr val="FFFF00"/>
                 </a:solidFill>
@@ -11013,7 +10693,7 @@
               </a:rPr>
               <a:t>)</a:t>
             </a:r>
-            <a:endParaRPr lang="en-US" sz="3000" i="0" u="none" strike="noStrike" cap="none" dirty="0">
+            <a:endParaRPr lang="pl" sz="3000" i="0" u="none" strike="noStrike" cap="none" dirty="0">
               <a:solidFill>
                 <a:srgbClr val="00FFFF"/>
               </a:solidFill>
@@ -11042,16 +10722,16 @@
               <a:buNone/>
             </a:pPr>
             <a:r>
-              <a:rPr lang="en-US" sz="3000" i="0" u="none" strike="noStrike" cap="none" dirty="0">
-                <a:solidFill>
-                  <a:schemeClr val="lt1"/>
-                </a:solidFill>
-                <a:latin typeface="Courier"/>
-                <a:ea typeface="Courier New"/>
-                <a:cs typeface="Courier"/>
-                <a:sym typeface="Courier New"/>
-              </a:rPr>
-              <a:t>Joseph</a:t>
+              <a:rPr lang="pl" sz="3000" b="0" i="0" u="none" strike="noStrike" cap="none" baseline="0">
+                <a:solidFill>
+                  <a:schemeClr val="lt1"/>
+                </a:solidFill>
+                <a:latin typeface="Courier"/>
+                <a:ea typeface="Courier New"/>
+                <a:cs typeface="Courier"/>
+                <a:sym typeface="Courier New"/>
+              </a:rPr>
+              <a:t>Józek</a:t>
             </a:r>
           </a:p>
           <a:p>
@@ -11073,7 +10753,7 @@
               <a:buNone/>
             </a:pPr>
             <a:r>
-              <a:rPr lang="en-US" sz="3000" i="0" u="none" strike="noStrike" cap="none" dirty="0">
+              <a:rPr lang="pl" sz="3000" b="0" i="0" u="none" strike="noStrike" cap="none" baseline="0">
                 <a:solidFill>
                   <a:schemeClr val="lt1"/>
                 </a:solidFill>
@@ -11085,7 +10765,7 @@
               <a:t>&gt;&gt;&gt; </a:t>
             </a:r>
             <a:r>
-              <a:rPr lang="en-US" sz="3000" i="0" u="none" strike="noStrike" cap="none" dirty="0">
+              <a:rPr lang="pl" sz="3000" b="0" i="0" u="none" strike="noStrike" cap="none" baseline="0">
                 <a:solidFill>
                   <a:srgbClr val="00FF00"/>
                 </a:solidFill>
@@ -11097,7 +10777,7 @@
               <a:t>y</a:t>
             </a:r>
             <a:r>
-              <a:rPr lang="en-US" sz="3000" i="0" u="none" strike="noStrike" cap="none" dirty="0">
+              <a:rPr lang="pl" sz="3000" b="0" i="0" u="none" strike="noStrike" cap="none" baseline="0">
                 <a:solidFill>
                   <a:schemeClr val="lt1"/>
                 </a:solidFill>
@@ -11110,14 +10790,14 @@
             </a:r>
           </a:p>
           <a:p>
-            <a:pPr lvl="0">
+            <a:pPr lvl="0" algn="l" rtl="0">
               <a:buClr>
                 <a:schemeClr val="lt1"/>
               </a:buClr>
               <a:buSzPct val="25000"/>
             </a:pPr>
             <a:r>
-              <a:rPr lang="en-US" sz="3000" i="0" u="none" strike="noStrike" cap="none" dirty="0">
+              <a:rPr lang="pl" sz="3000" b="0" i="0" u="none" strike="noStrike" cap="none" baseline="0">
                 <a:solidFill>
                   <a:schemeClr val="lt1"/>
                 </a:solidFill>
@@ -11129,7 +10809,7 @@
               <a:t>&gt;&gt;&gt; </a:t>
             </a:r>
             <a:r>
-              <a:rPr lang="en-US" sz="3000" i="0" u="none" strike="noStrike" cap="none" dirty="0" smtClean="0">
+              <a:rPr lang="pl" sz="3000" b="0" i="0" u="none" strike="noStrike" cap="none" baseline="0">
                 <a:solidFill>
                   <a:srgbClr val="FFFF00"/>
                 </a:solidFill>
@@ -11141,7 +10821,7 @@
               <a:t>print(</a:t>
             </a:r>
             <a:r>
-              <a:rPr lang="en-US" sz="3000" i="0" u="none" strike="noStrike" cap="none" dirty="0" smtClean="0">
+              <a:rPr lang="pl" sz="3000" b="0" i="0" u="none" strike="noStrike" cap="none" baseline="0">
                 <a:solidFill>
                   <a:srgbClr val="00FF00"/>
                 </a:solidFill>
@@ -11153,7 +10833,7 @@
               <a:t>y</a:t>
             </a:r>
             <a:r>
-              <a:rPr lang="en-US" sz="3000" dirty="0" smtClean="0">
+              <a:rPr lang="pl" sz="3000" b="0" i="0" u="none" baseline="0">
                 <a:solidFill>
                   <a:srgbClr val="FFFF00"/>
                 </a:solidFill>
@@ -11164,7 +10844,7 @@
               </a:rPr>
               <a:t>)</a:t>
             </a:r>
-            <a:endParaRPr lang="en-US" sz="3000" i="0" u="none" strike="noStrike" cap="none" dirty="0">
+            <a:endParaRPr lang="pl" sz="3000" i="0" u="none" strike="noStrike" cap="none" dirty="0">
               <a:solidFill>
                 <a:srgbClr val="00FF00"/>
               </a:solidFill>
@@ -11193,7 +10873,7 @@
               <a:buNone/>
             </a:pPr>
             <a:r>
-              <a:rPr lang="en-US" sz="3000" i="0" u="none" strike="noStrike" cap="none" dirty="0">
+              <a:rPr lang="pl" sz="3000" b="0" i="0" u="none" strike="noStrike" cap="none" baseline="0">
                 <a:solidFill>
                   <a:schemeClr val="lt1"/>
                 </a:solidFill>
@@ -11206,14 +10886,14 @@
             </a:r>
           </a:p>
           <a:p>
-            <a:pPr lvl="0">
+            <a:pPr lvl="0" algn="l" rtl="0">
               <a:buClr>
                 <a:schemeClr val="lt1"/>
               </a:buClr>
               <a:buSzPct val="25000"/>
             </a:pPr>
             <a:r>
-              <a:rPr lang="en-US" sz="3000" i="0" u="none" strike="noStrike" cap="none" dirty="0">
+              <a:rPr lang="pl" sz="3000" b="0" i="0" u="none" strike="noStrike" cap="none" baseline="0">
                 <a:solidFill>
                   <a:schemeClr val="lt1"/>
                 </a:solidFill>
@@ -11225,7 +10905,7 @@
               <a:t>&gt;&gt;&gt; </a:t>
             </a:r>
             <a:r>
-              <a:rPr lang="en-US" sz="3000" i="0" u="none" strike="noStrike" cap="none" dirty="0" smtClean="0">
+              <a:rPr lang="pl" sz="3000" b="0" i="0" u="none" strike="noStrike" cap="none" baseline="0">
                 <a:solidFill>
                   <a:srgbClr val="FFFF00"/>
                 </a:solidFill>
@@ -11237,7 +10917,7 @@
               <a:t>print(</a:t>
             </a:r>
             <a:r>
-              <a:rPr lang="en-US" sz="3000" i="0" u="none" strike="noStrike" cap="none" dirty="0" smtClean="0">
+              <a:rPr lang="pl" sz="3000" b="0" i="0" u="none" strike="noStrike" cap="none" baseline="0">
                 <a:solidFill>
                   <a:srgbClr val="FF00FF"/>
                 </a:solidFill>
@@ -11249,7 +10929,7 @@
               <a:t>max</a:t>
             </a:r>
             <a:r>
-              <a:rPr lang="en-US" sz="3000" i="0" u="none" strike="noStrike" cap="none" dirty="0" smtClean="0">
+              <a:rPr lang="pl" sz="3000" b="0" i="0" u="none" strike="noStrike" cap="none" baseline="0">
                 <a:solidFill>
                   <a:schemeClr val="lt1"/>
                 </a:solidFill>
@@ -11261,7 +10941,7 @@
               <a:t>(</a:t>
             </a:r>
             <a:r>
-              <a:rPr lang="en-US" sz="3000" i="0" u="none" strike="noStrike" cap="none" dirty="0" smtClean="0">
+              <a:rPr lang="pl" sz="3000" b="0" i="0" u="none" strike="noStrike" cap="none" baseline="0">
                 <a:solidFill>
                   <a:srgbClr val="00FF00"/>
                 </a:solidFill>
@@ -11273,7 +10953,7 @@
               <a:t>y</a:t>
             </a:r>
             <a:r>
-              <a:rPr lang="en-US" sz="3000" i="0" u="none" strike="noStrike" cap="none" dirty="0" smtClean="0">
+              <a:rPr lang="pl" sz="3000" b="0" i="0" u="none" strike="noStrike" cap="none" baseline="0">
                 <a:solidFill>
                   <a:schemeClr val="lt1"/>
                 </a:solidFill>
@@ -11285,7 +10965,7 @@
               <a:t>)</a:t>
             </a:r>
             <a:r>
-              <a:rPr lang="en-US" sz="3000" dirty="0" smtClean="0">
+              <a:rPr lang="pl" sz="3000" b="0" i="0" u="none" baseline="0">
                 <a:solidFill>
                   <a:srgbClr val="FFFF00"/>
                 </a:solidFill>
@@ -11296,7 +10976,7 @@
               </a:rPr>
               <a:t>)</a:t>
             </a:r>
-            <a:endParaRPr lang="en-US" sz="3000" i="0" u="none" strike="noStrike" cap="none" dirty="0">
+            <a:endParaRPr lang="pl" sz="3000" i="0" u="none" strike="noStrike" cap="none" dirty="0">
               <a:solidFill>
                 <a:schemeClr val="lt1"/>
               </a:solidFill>
@@ -11325,7 +11005,7 @@
               <a:buNone/>
             </a:pPr>
             <a:r>
-              <a:rPr lang="en-US" sz="3000" i="0" u="none" strike="noStrike" cap="none" dirty="0">
+              <a:rPr lang="pl" sz="3000" b="0" i="0" u="none" strike="noStrike" cap="none" baseline="0">
                 <a:solidFill>
                   <a:schemeClr val="lt1"/>
                 </a:solidFill>
@@ -11382,7 +11062,7 @@
               <a:buNone/>
             </a:pPr>
             <a:r>
-              <a:rPr lang="en-US" sz="3000" i="0" u="none" strike="noStrike" cap="none" dirty="0">
+              <a:rPr lang="pl" sz="3000" b="0" i="0" u="none" strike="noStrike" cap="none" baseline="0">
                 <a:solidFill>
                   <a:schemeClr val="lt1"/>
                 </a:solidFill>
@@ -11394,7 +11074,7 @@
               <a:t>&gt;&gt;&gt; </a:t>
             </a:r>
             <a:r>
-              <a:rPr lang="en-US" sz="3000" i="0" u="none" strike="noStrike" cap="none" dirty="0">
+              <a:rPr lang="pl" sz="3000" b="0" i="0" u="none" strike="noStrike" cap="none" baseline="0">
                 <a:solidFill>
                   <a:srgbClr val="FFFF00"/>
                 </a:solidFill>
@@ -11406,7 +11086,7 @@
               <a:t>for</a:t>
             </a:r>
             <a:r>
-              <a:rPr lang="en-US" sz="3000" i="0" u="none" strike="noStrike" cap="none" dirty="0">
+              <a:rPr lang="pl" sz="3000" b="0" i="0" u="none" strike="noStrike" cap="none" baseline="0">
                 <a:solidFill>
                   <a:schemeClr val="lt1"/>
                 </a:solidFill>
@@ -11418,7 +11098,7 @@
               <a:t> </a:t>
             </a:r>
             <a:r>
-              <a:rPr lang="en-US" sz="3000" i="0" u="none" strike="noStrike" cap="none" dirty="0" err="1">
+              <a:rPr lang="pl" sz="3000" b="0" i="0" u="none" strike="noStrike" cap="none" baseline="0">
                 <a:solidFill>
                   <a:srgbClr val="00FFFF"/>
                 </a:solidFill>
@@ -11430,7 +11110,7 @@
               <a:t>iter</a:t>
             </a:r>
             <a:r>
-              <a:rPr lang="en-US" sz="3000" i="0" u="none" strike="noStrike" cap="none" dirty="0">
+              <a:rPr lang="pl" sz="3000" b="0" i="0" u="none" strike="noStrike" cap="none" baseline="0">
                 <a:solidFill>
                   <a:schemeClr val="lt1"/>
                 </a:solidFill>
@@ -11442,7 +11122,7 @@
               <a:t> </a:t>
             </a:r>
             <a:r>
-              <a:rPr lang="en-US" sz="3000" i="0" u="none" strike="noStrike" cap="none" dirty="0">
+              <a:rPr lang="pl" sz="3000" b="0" i="0" u="none" strike="noStrike" cap="none" baseline="0">
                 <a:solidFill>
                   <a:srgbClr val="FFFF00"/>
                 </a:solidFill>
@@ -11454,7 +11134,7 @@
               <a:t>in</a:t>
             </a:r>
             <a:r>
-              <a:rPr lang="en-US" sz="3000" i="0" u="none" strike="noStrike" cap="none" dirty="0">
+              <a:rPr lang="pl" sz="3000" b="0" i="0" u="none" strike="noStrike" cap="none" baseline="0">
                 <a:solidFill>
                   <a:schemeClr val="lt1"/>
                 </a:solidFill>
@@ -11466,7 +11146,7 @@
               <a:t> </a:t>
             </a:r>
             <a:r>
-              <a:rPr lang="en-US" sz="3000" i="0" u="none" strike="noStrike" cap="none" dirty="0">
+              <a:rPr lang="pl" sz="3000" b="0" i="0" u="none" strike="noStrike" cap="none" baseline="0">
                 <a:solidFill>
                   <a:srgbClr val="FF00FF"/>
                 </a:solidFill>
@@ -11478,7 +11158,7 @@
               <a:t>y</a:t>
             </a:r>
             <a:r>
-              <a:rPr lang="en-US" sz="3000" i="0" u="none" strike="noStrike" cap="none" dirty="0">
+              <a:rPr lang="pl" sz="3000" b="0" i="0" u="none" strike="noStrike" cap="none" baseline="0">
                 <a:solidFill>
                   <a:schemeClr val="lt1"/>
                 </a:solidFill>
@@ -11509,31 +11189,19 @@
               <a:buNone/>
             </a:pPr>
             <a:r>
-              <a:rPr lang="en-US" sz="3000" i="0" u="none" strike="noStrike" cap="none" dirty="0">
-                <a:solidFill>
-                  <a:schemeClr val="lt1"/>
-                </a:solidFill>
-                <a:latin typeface="Courier"/>
-                <a:ea typeface="Courier New"/>
-                <a:cs typeface="Courier"/>
-                <a:sym typeface="Courier New"/>
-              </a:rPr>
-              <a:t>... </a:t>
-            </a:r>
-            <a:r>
-              <a:rPr lang="en-US" sz="3000" i="0" u="none" strike="noStrike" cap="none" dirty="0" smtClean="0">
-                <a:solidFill>
-                  <a:schemeClr val="lt1"/>
-                </a:solidFill>
-                <a:latin typeface="Courier"/>
-                <a:ea typeface="Courier New"/>
-                <a:cs typeface="Courier"/>
-                <a:sym typeface="Courier New"/>
-              </a:rPr>
-              <a:t>    </a:t>
-            </a:r>
-            <a:r>
-              <a:rPr lang="en-US" sz="3000" i="0" u="none" strike="noStrike" cap="none" dirty="0" smtClean="0">
+              <a:rPr lang="pl" sz="3000" b="0" i="0" u="none" strike="noStrike" cap="none" baseline="0">
+                <a:solidFill>
+                  <a:schemeClr val="lt1"/>
+                </a:solidFill>
+                <a:latin typeface="Courier"/>
+                <a:ea typeface="Courier New"/>
+                <a:cs typeface="Courier"/>
+                <a:sym typeface="Courier New"/>
+              </a:rPr>
+              <a:t>...     </a:t>
+            </a:r>
+            <a:r>
+              <a:rPr lang="pl" sz="3000" b="0" i="0" u="none" strike="noStrike" cap="none" baseline="0">
                 <a:solidFill>
                   <a:srgbClr val="FFFF00"/>
                 </a:solidFill>
@@ -11545,7 +11213,7 @@
               <a:t>print(</a:t>
             </a:r>
             <a:r>
-              <a:rPr lang="en-US" sz="3000" i="0" u="none" strike="noStrike" cap="none" dirty="0" err="1" smtClean="0">
+              <a:rPr lang="pl" sz="3000" b="0" i="0" u="none" strike="noStrike" cap="none" baseline="0">
                 <a:solidFill>
                   <a:srgbClr val="00FFFF"/>
                 </a:solidFill>
@@ -11557,7 +11225,7 @@
               <a:t>iter</a:t>
             </a:r>
             <a:r>
-              <a:rPr lang="en-US" sz="3000" i="0" u="none" strike="noStrike" cap="none" dirty="0" smtClean="0">
+              <a:rPr lang="pl" sz="3000" b="0" i="0" u="none" strike="noStrike" cap="none" baseline="0">
                 <a:solidFill>
                   <a:srgbClr val="FFFF00"/>
                 </a:solidFill>
@@ -11568,7 +11236,7 @@
               </a:rPr>
               <a:t>)</a:t>
             </a:r>
-            <a:endParaRPr lang="en-US" sz="3000" i="0" u="none" strike="noStrike" cap="none" dirty="0">
+            <a:endParaRPr lang="pl" sz="3000" i="0" u="none" strike="noStrike" cap="none" dirty="0">
               <a:solidFill>
                 <a:srgbClr val="FFFF00"/>
               </a:solidFill>
@@ -11597,7 +11265,7 @@
               <a:buNone/>
             </a:pPr>
             <a:r>
-              <a:rPr lang="en-US" sz="3000" i="0" u="none" strike="noStrike" cap="none" dirty="0">
+              <a:rPr lang="pl" sz="3000" b="0" i="0" u="none" strike="noStrike" cap="none" baseline="0">
                 <a:solidFill>
                   <a:schemeClr val="lt1"/>
                 </a:solidFill>
@@ -11628,7 +11296,7 @@
               <a:buNone/>
             </a:pPr>
             <a:r>
-              <a:rPr lang="en-US" sz="3000" i="0" u="none" strike="noStrike" cap="none" dirty="0">
+              <a:rPr lang="pl" sz="3000" b="0" i="0" u="none" strike="noStrike" cap="none" baseline="0">
                 <a:solidFill>
                   <a:schemeClr val="lt1"/>
                 </a:solidFill>
@@ -11659,7 +11327,7 @@
               <a:buNone/>
             </a:pPr>
             <a:r>
-              <a:rPr lang="en-US" sz="3000" i="0" u="none" strike="noStrike" cap="none" dirty="0">
+              <a:rPr lang="pl" sz="3000" b="0" i="0" u="none" strike="noStrike" cap="none" baseline="0">
                 <a:solidFill>
                   <a:schemeClr val="lt1"/>
                 </a:solidFill>
@@ -11690,7 +11358,7 @@
               <a:buNone/>
             </a:pPr>
             <a:r>
-              <a:rPr lang="en-US" sz="3000" i="0" u="none" strike="noStrike" cap="none" dirty="0">
+              <a:rPr lang="pl" sz="3000" b="0" i="0" u="none" strike="noStrike" cap="none" baseline="0">
                 <a:solidFill>
                   <a:schemeClr val="lt1"/>
                 </a:solidFill>
@@ -11721,7 +11389,7 @@
               <a:buNone/>
             </a:pPr>
             <a:r>
-              <a:rPr lang="en-US" sz="3000" i="0" u="none" strike="noStrike" cap="none" dirty="0">
+              <a:rPr lang="pl" sz="3000" b="0" i="0" u="none" strike="noStrike" cap="none" baseline="0">
                 <a:solidFill>
                   <a:schemeClr val="lt1"/>
                 </a:solidFill>
@@ -11740,13 +11408,6 @@
   <p:clrMapOvr>
     <a:masterClrMapping/>
   </p:clrMapOvr>
-  <p:timing>
-    <p:tnLst>
-      <p:par>
-        <p:cTn id="1" dur="indefinite" restart="never" nodeType="tmRoot"/>
-      </p:par>
-    </p:tnLst>
-  </p:timing>
 </p:sld>
 </file>
 
@@ -11810,7 +11471,7 @@
               <a:buNone/>
             </a:pPr>
             <a:r>
-              <a:rPr lang="en-US" sz="7800" u="none" strike="noStrike" cap="none">
+              <a:rPr lang="pl" sz="7800" b="0" i="0" u="none" strike="noStrike" cap="none" baseline="0" dirty="0">
                 <a:solidFill>
                   <a:srgbClr val="FFD966"/>
                 </a:solidFill>
@@ -11819,7 +11480,7 @@
                 <a:cs typeface="Arial" charset="0"/>
                 <a:sym typeface="Cabin"/>
               </a:rPr>
-              <a:t>but... Tuples are “immutable”</a:t>
+              <a:t>ale... krotki są "niezmienne"</a:t>
             </a:r>
           </a:p>
         </p:txBody>
@@ -11870,7 +11531,7 @@
               <a:buNone/>
             </a:pPr>
             <a:r>
-              <a:rPr lang="en-US" sz="3800" u="none" strike="noStrike" cap="none">
+              <a:rPr lang="pl" sz="3800" b="0" i="0" u="none" strike="noStrike" cap="none" baseline="0" dirty="0">
                 <a:solidFill>
                   <a:schemeClr val="lt1"/>
                 </a:solidFill>
@@ -11879,10 +11540,10 @@
                 <a:cs typeface="Arial" charset="0"/>
                 <a:sym typeface="Cabin"/>
               </a:rPr>
-              <a:t>Unlike a list, once you create a </a:t>
-            </a:r>
-            <a:r>
-              <a:rPr lang="en-US" sz="3800" u="none" strike="noStrike" cap="none">
+              <a:t>Inaczej niż listy, raz stworzona </a:t>
+            </a:r>
+            <a:r>
+              <a:rPr lang="pl" sz="3800" b="0" i="0" u="none" strike="noStrike" cap="none" baseline="0" dirty="0">
                 <a:solidFill>
                   <a:srgbClr val="FF00FF"/>
                 </a:solidFill>
@@ -11891,34 +11552,34 @@
                 <a:cs typeface="Arial" charset="0"/>
                 <a:sym typeface="Cabin"/>
               </a:rPr>
-              <a:t>tuple</a:t>
-            </a:r>
-            <a:r>
-              <a:rPr lang="en-US" sz="3800" u="none" strike="noStrike" cap="none">
-                <a:solidFill>
-                  <a:schemeClr val="lt1"/>
+              <a:t>krotka </a:t>
+            </a:r>
+            <a:r>
+              <a:rPr lang="pl" sz="3800" b="0" i="0" u="none" strike="noStrike" cap="none" baseline="0" dirty="0">
+                <a:solidFill>
+                  <a:srgbClr val="FF7F00"/>
                 </a:solidFill>
                 <a:latin typeface="Arial" charset="0"/>
                 <a:ea typeface="Arial" charset="0"/>
                 <a:cs typeface="Arial" charset="0"/>
                 <a:sym typeface="Cabin"/>
               </a:rPr>
-              <a:t>, you </a:t>
-            </a:r>
-            <a:r>
-              <a:rPr lang="en-US" sz="3800" u="none" strike="noStrike" cap="none">
-                <a:solidFill>
-                  <a:srgbClr val="FF7F00"/>
+              <a:t>nie może zmienić</a:t>
+            </a:r>
+            <a:r>
+              <a:rPr lang="pl" sz="3800" b="0" i="0" u="none" strike="noStrike" cap="none" baseline="0" dirty="0">
+                <a:solidFill>
+                  <a:schemeClr val="lt1"/>
                 </a:solidFill>
                 <a:latin typeface="Arial" charset="0"/>
                 <a:ea typeface="Arial" charset="0"/>
                 <a:cs typeface="Arial" charset="0"/>
                 <a:sym typeface="Cabin"/>
               </a:rPr>
-              <a:t>cannot alter</a:t>
-            </a:r>
-            <a:r>
-              <a:rPr lang="en-US" sz="3800" u="none" strike="noStrike" cap="none">
+              <a:t> swojej zawartości </a:t>
+            </a:r>
+            <a:r>
+              <a:rPr lang="pl" sz="4000" dirty="0">
                 <a:solidFill>
                   <a:schemeClr val="lt1"/>
                 </a:solidFill>
@@ -11927,7 +11588,19 @@
                 <a:cs typeface="Arial" charset="0"/>
                 <a:sym typeface="Cabin"/>
               </a:rPr>
-              <a:t> its contents - similar to a string</a:t>
+              <a:t>–</a:t>
+            </a:r>
+            <a:r>
+              <a:rPr lang="pl" sz="3800" b="0" i="0" u="none" strike="noStrike" cap="none" baseline="0" dirty="0">
+                <a:solidFill>
+                  <a:schemeClr val="lt1"/>
+                </a:solidFill>
+                <a:latin typeface="Arial" charset="0"/>
+                <a:ea typeface="Arial" charset="0"/>
+                <a:cs typeface="Arial" charset="0"/>
+                <a:sym typeface="Cabin"/>
+              </a:rPr>
+              <a:t> podobnie jak ciąg znaków</a:t>
             </a:r>
           </a:p>
         </p:txBody>
@@ -11975,7 +11648,7 @@
               <a:buNone/>
             </a:pPr>
             <a:r>
-              <a:rPr lang="en-US" sz="3000" i="0" u="none" strike="noStrike" cap="none" dirty="0">
+              <a:rPr lang="pl" sz="3000" b="0" i="0" u="none" strike="noStrike" cap="none" baseline="0">
                 <a:solidFill>
                   <a:schemeClr val="lt1"/>
                 </a:solidFill>
@@ -11987,7 +11660,7 @@
               <a:t>&gt;&gt;&gt; </a:t>
             </a:r>
             <a:r>
-              <a:rPr lang="en-US" sz="3000" i="0" u="none" strike="noStrike" cap="none" dirty="0">
+              <a:rPr lang="pl" sz="3000" b="0" i="0" u="none" strike="noStrike" cap="none" baseline="0">
                 <a:solidFill>
                   <a:srgbClr val="00FF00"/>
                 </a:solidFill>
@@ -11999,7 +11672,7 @@
               <a:t>x</a:t>
             </a:r>
             <a:r>
-              <a:rPr lang="en-US" sz="3000" i="0" u="none" strike="noStrike" cap="none" dirty="0">
+              <a:rPr lang="pl" sz="3000" b="0" i="0" u="none" strike="noStrike" cap="none" baseline="0">
                 <a:solidFill>
                   <a:schemeClr val="lt1"/>
                 </a:solidFill>
@@ -12030,7 +11703,7 @@
               <a:buNone/>
             </a:pPr>
             <a:r>
-              <a:rPr lang="en-US" sz="3000" i="0" u="none" strike="noStrike" cap="none" dirty="0">
+              <a:rPr lang="pl" sz="3000" b="0" i="0" u="none" strike="noStrike" cap="none" baseline="0">
                 <a:solidFill>
                   <a:schemeClr val="lt1"/>
                 </a:solidFill>
@@ -12042,7 +11715,7 @@
               <a:t>&gt;&gt;&gt; </a:t>
             </a:r>
             <a:r>
-              <a:rPr lang="en-US" sz="3000" i="0" u="none" strike="noStrike" cap="none" dirty="0">
+              <a:rPr lang="pl" sz="3000" b="0" i="0" u="none" strike="noStrike" cap="none" baseline="0">
                 <a:solidFill>
                   <a:srgbClr val="00FF00"/>
                 </a:solidFill>
@@ -12054,7 +11727,7 @@
               <a:t>x</a:t>
             </a:r>
             <a:r>
-              <a:rPr lang="en-US" sz="3000" i="0" u="none" strike="noStrike" cap="none" dirty="0">
+              <a:rPr lang="pl" sz="3000" b="0" i="0" u="none" strike="noStrike" cap="none" baseline="0">
                 <a:solidFill>
                   <a:srgbClr val="00FFFF"/>
                 </a:solidFill>
@@ -12066,7 +11739,7 @@
               <a:t>[2]</a:t>
             </a:r>
             <a:r>
-              <a:rPr lang="en-US" sz="3000" i="0" u="none" strike="noStrike" cap="none" dirty="0">
+              <a:rPr lang="pl" sz="3000" b="0" i="0" u="none" strike="noStrike" cap="none" baseline="0">
                 <a:solidFill>
                   <a:schemeClr val="lt1"/>
                 </a:solidFill>
@@ -12079,14 +11752,14 @@
             </a:r>
           </a:p>
           <a:p>
-            <a:pPr lvl="0">
+            <a:pPr lvl="0" algn="l" rtl="0">
               <a:buClr>
                 <a:schemeClr val="lt1"/>
               </a:buClr>
               <a:buSzPct val="25000"/>
             </a:pPr>
             <a:r>
-              <a:rPr lang="en-US" sz="3000" i="0" u="none" strike="noStrike" cap="none" dirty="0">
+              <a:rPr lang="pl" sz="3000" b="0" i="0" u="none" strike="noStrike" cap="none" baseline="0">
                 <a:solidFill>
                   <a:schemeClr val="lt1"/>
                 </a:solidFill>
@@ -12098,7 +11771,7 @@
               <a:t>&gt;&gt;&gt; </a:t>
             </a:r>
             <a:r>
-              <a:rPr lang="en-US" sz="3000" i="0" u="none" strike="noStrike" cap="none" dirty="0" smtClean="0">
+              <a:rPr lang="pl" sz="3000" b="0" i="0" u="none" strike="noStrike" cap="none" baseline="0">
                 <a:solidFill>
                   <a:srgbClr val="FFFF00"/>
                 </a:solidFill>
@@ -12110,7 +11783,7 @@
               <a:t>print(</a:t>
             </a:r>
             <a:r>
-              <a:rPr lang="en-US" sz="3000" i="0" u="none" strike="noStrike" cap="none" dirty="0" smtClean="0">
+              <a:rPr lang="pl" sz="3000" b="0" i="0" u="none" strike="noStrike" cap="none" baseline="0">
                 <a:solidFill>
                   <a:srgbClr val="00FF00"/>
                 </a:solidFill>
@@ -12122,7 +11795,7 @@
               <a:t>x</a:t>
             </a:r>
             <a:r>
-              <a:rPr lang="en-US" sz="3000" dirty="0" smtClean="0">
+              <a:rPr lang="pl" sz="3000" b="0" i="0" u="none" baseline="0">
                 <a:solidFill>
                   <a:srgbClr val="FFFF00"/>
                 </a:solidFill>
@@ -12133,7 +11806,7 @@
               </a:rPr>
               <a:t>)</a:t>
             </a:r>
-            <a:endParaRPr lang="en-US" sz="3000" i="0" u="none" strike="noStrike" cap="none" dirty="0">
+            <a:endParaRPr lang="pl" sz="3000" i="0" u="none" strike="noStrike" cap="none" dirty="0">
               <a:solidFill>
                 <a:srgbClr val="00FF00"/>
               </a:solidFill>
@@ -12162,7 +11835,7 @@
               <a:buNone/>
             </a:pPr>
             <a:r>
-              <a:rPr lang="en-US" sz="3000" i="0" u="none" strike="noStrike" cap="none" dirty="0">
+              <a:rPr lang="pl" sz="3000" b="0" i="0" u="none" strike="noStrike" cap="none" baseline="0">
                 <a:solidFill>
                   <a:schemeClr val="lt1"/>
                 </a:solidFill>
@@ -12193,7 +11866,7 @@
               <a:buNone/>
             </a:pPr>
             <a:r>
-              <a:rPr lang="en-US" sz="3000" i="0" u="none" strike="noStrike" cap="none" dirty="0">
+              <a:rPr lang="pl" sz="3000" b="0" i="0" u="none" strike="noStrike" cap="none" baseline="0">
                 <a:solidFill>
                   <a:schemeClr val="lt1"/>
                 </a:solidFill>
@@ -12250,7 +11923,7 @@
               <a:buNone/>
             </a:pPr>
             <a:r>
-              <a:rPr lang="en-US" sz="3000" i="0" u="none" strike="noStrike" cap="none" dirty="0">
+              <a:rPr lang="pl" sz="3000" b="0" i="0" u="none" strike="noStrike" cap="none" baseline="0">
                 <a:solidFill>
                   <a:schemeClr val="lt1"/>
                 </a:solidFill>
@@ -12262,7 +11935,7 @@
               <a:t>&gt;&gt;&gt; </a:t>
             </a:r>
             <a:r>
-              <a:rPr lang="en-US" sz="3000" i="0" u="none" strike="noStrike" cap="none" dirty="0">
+              <a:rPr lang="pl" sz="3000" b="0" i="0" u="none" strike="noStrike" cap="none" baseline="0">
                 <a:solidFill>
                   <a:srgbClr val="00FF00"/>
                 </a:solidFill>
@@ -12274,7 +11947,7 @@
               <a:t>y</a:t>
             </a:r>
             <a:r>
-              <a:rPr lang="en-US" sz="3000" i="0" u="none" strike="noStrike" cap="none" dirty="0">
+              <a:rPr lang="pl" sz="3000" b="0" i="0" u="none" strike="noStrike" cap="none" baseline="0">
                 <a:solidFill>
                   <a:schemeClr val="lt1"/>
                 </a:solidFill>
@@ -12305,7 +11978,7 @@
               <a:buNone/>
             </a:pPr>
             <a:r>
-              <a:rPr lang="en-US" sz="3000" i="0" u="none" strike="noStrike" cap="none" dirty="0">
+              <a:rPr lang="pl" sz="3000" b="0" i="0" u="none" strike="noStrike" cap="none" baseline="0">
                 <a:solidFill>
                   <a:schemeClr val="lt1"/>
                 </a:solidFill>
@@ -12317,7 +11990,7 @@
               <a:t>&gt;&gt;&gt; </a:t>
             </a:r>
             <a:r>
-              <a:rPr lang="en-US" sz="3000" i="0" u="none" strike="noStrike" cap="none" dirty="0">
+              <a:rPr lang="pl" sz="3000" b="0" i="0" u="none" strike="noStrike" cap="none" baseline="0">
                 <a:solidFill>
                   <a:srgbClr val="00FF00"/>
                 </a:solidFill>
@@ -12329,7 +12002,7 @@
               <a:t>y</a:t>
             </a:r>
             <a:r>
-              <a:rPr lang="en-US" sz="3000" i="0" u="none" strike="noStrike" cap="none" dirty="0">
+              <a:rPr lang="pl" sz="3000" b="0" i="0" u="none" strike="noStrike" cap="none" baseline="0">
                 <a:solidFill>
                   <a:srgbClr val="00FFFF"/>
                 </a:solidFill>
@@ -12341,7 +12014,7 @@
               <a:t>[2]</a:t>
             </a:r>
             <a:r>
-              <a:rPr lang="en-US" sz="3000" i="0" u="none" strike="noStrike" cap="none" dirty="0">
+              <a:rPr lang="pl" sz="3000" b="0" i="0" u="none" strike="noStrike" cap="none" baseline="0">
                 <a:solidFill>
                   <a:schemeClr val="lt1"/>
                 </a:solidFill>
@@ -12372,7 +12045,7 @@
               <a:buNone/>
             </a:pPr>
             <a:r>
-              <a:rPr lang="en-US" sz="3000" i="0" u="none" strike="noStrike" cap="none" dirty="0" err="1">
+              <a:rPr lang="pl" sz="3000" b="0" i="0" u="none" strike="noStrike" cap="none" baseline="0">
                 <a:solidFill>
                   <a:srgbClr val="FF66FF"/>
                 </a:solidFill>
@@ -12381,43 +12054,7 @@
                 <a:cs typeface="Courier"/>
                 <a:sym typeface="Courier New"/>
               </a:rPr>
-              <a:t>Traceback</a:t>
-            </a:r>
-            <a:r>
-              <a:rPr lang="en-US" sz="3000" i="0" u="none" strike="noStrike" cap="none" dirty="0">
-                <a:solidFill>
-                  <a:srgbClr val="FF66FF"/>
-                </a:solidFill>
-                <a:latin typeface="Courier"/>
-                <a:ea typeface="Courier New"/>
-                <a:cs typeface="Courier"/>
-                <a:sym typeface="Courier New"/>
-              </a:rPr>
-              <a:t>:'</a:t>
-            </a:r>
-            <a:r>
-              <a:rPr lang="en-US" sz="3000" i="0" u="none" strike="noStrike" cap="none" dirty="0" err="1">
-                <a:solidFill>
-                  <a:srgbClr val="FF66FF"/>
-                </a:solidFill>
-                <a:latin typeface="Courier"/>
-                <a:ea typeface="Courier New"/>
-                <a:cs typeface="Courier"/>
-                <a:sym typeface="Courier New"/>
-              </a:rPr>
-              <a:t>str</a:t>
-            </a:r>
-            <a:r>
-              <a:rPr lang="en-US" sz="3000" i="0" u="none" strike="noStrike" cap="none" dirty="0">
-                <a:solidFill>
-                  <a:srgbClr val="FF66FF"/>
-                </a:solidFill>
-                <a:latin typeface="Courier"/>
-                <a:ea typeface="Courier New"/>
-                <a:cs typeface="Courier"/>
-                <a:sym typeface="Courier New"/>
-              </a:rPr>
-              <a:t>' object does </a:t>
+              <a:t>Traceback:'str' object does </a:t>
             </a:r>
           </a:p>
           <a:p>
@@ -12439,7 +12076,7 @@
               <a:buNone/>
             </a:pPr>
             <a:r>
-              <a:rPr lang="en-US" sz="3000" i="0" u="none" strike="noStrike" cap="none" dirty="0">
+              <a:rPr lang="pl" sz="3000" b="0" i="0" u="none" strike="noStrike" cap="none" baseline="0">
                 <a:solidFill>
                   <a:srgbClr val="FF66FF"/>
                 </a:solidFill>
@@ -12451,7 +12088,7 @@
               <a:t>not support </a:t>
             </a:r>
             <a:r>
-              <a:rPr lang="en-US" sz="3000" i="0" u="none" strike="noStrike" cap="none" dirty="0">
+              <a:rPr lang="pl" sz="3000" b="0" i="0" u="none" strike="noStrike" cap="none" baseline="0">
                 <a:solidFill>
                   <a:srgbClr val="00FFFF"/>
                 </a:solidFill>
@@ -12463,7 +12100,7 @@
               <a:t>item</a:t>
             </a:r>
             <a:r>
-              <a:rPr lang="en-US" sz="3000" i="0" u="none" strike="noStrike" cap="none" dirty="0">
+              <a:rPr lang="pl" sz="3000" b="0" i="0" u="none" strike="noStrike" cap="none" baseline="0">
                 <a:solidFill>
                   <a:srgbClr val="FF66FF"/>
                 </a:solidFill>
@@ -12494,7 +12131,7 @@
               <a:buNone/>
             </a:pPr>
             <a:r>
-              <a:rPr lang="en-US" sz="3000" i="0" u="none" strike="noStrike" cap="none" dirty="0">
+              <a:rPr lang="pl" sz="3000" b="0" i="0" u="none" strike="noStrike" cap="none" baseline="0">
                 <a:solidFill>
                   <a:srgbClr val="FF66FF"/>
                 </a:solidFill>
@@ -12525,7 +12162,7 @@
               <a:buNone/>
             </a:pPr>
             <a:r>
-              <a:rPr lang="en-US" sz="3000" i="0" u="none" strike="noStrike" cap="none" dirty="0">
+              <a:rPr lang="pl" sz="3000" b="0" i="0" u="none" strike="noStrike" cap="none" baseline="0">
                 <a:solidFill>
                   <a:schemeClr val="lt1"/>
                 </a:solidFill>
@@ -12582,7 +12219,7 @@
               <a:buNone/>
             </a:pPr>
             <a:r>
-              <a:rPr lang="en-US" sz="3000" i="0" u="none" strike="noStrike" cap="none" dirty="0">
+              <a:rPr lang="pl" sz="3000" b="0" i="0" u="none" strike="noStrike" cap="none" baseline="0">
                 <a:solidFill>
                   <a:schemeClr val="lt1"/>
                 </a:solidFill>
@@ -12594,7 +12231,7 @@
               <a:t>&gt;&gt;&gt; </a:t>
             </a:r>
             <a:r>
-              <a:rPr lang="en-US" sz="3000" i="0" u="none" strike="noStrike" cap="none" dirty="0">
+              <a:rPr lang="pl" sz="3000" b="0" i="0" u="none" strike="noStrike" cap="none" baseline="0">
                 <a:solidFill>
                   <a:srgbClr val="00FF00"/>
                 </a:solidFill>
@@ -12606,7 +12243,7 @@
               <a:t>z</a:t>
             </a:r>
             <a:r>
-              <a:rPr lang="en-US" sz="3000" i="0" u="none" strike="noStrike" cap="none" dirty="0">
+              <a:rPr lang="pl" sz="3000" b="0" i="0" u="none" strike="noStrike" cap="none" baseline="0">
                 <a:solidFill>
                   <a:schemeClr val="lt1"/>
                 </a:solidFill>
@@ -12637,7 +12274,7 @@
               <a:buNone/>
             </a:pPr>
             <a:r>
-              <a:rPr lang="en-US" sz="3000" i="0" u="none" strike="noStrike" cap="none" dirty="0">
+              <a:rPr lang="pl" sz="3000" b="0" i="0" u="none" strike="noStrike" cap="none" baseline="0">
                 <a:solidFill>
                   <a:schemeClr val="lt1"/>
                 </a:solidFill>
@@ -12649,7 +12286,7 @@
               <a:t>&gt;&gt;&gt; </a:t>
             </a:r>
             <a:r>
-              <a:rPr lang="en-US" sz="3000" i="0" u="none" strike="noStrike" cap="none" dirty="0">
+              <a:rPr lang="pl" sz="3000" b="0" i="0" u="none" strike="noStrike" cap="none" baseline="0">
                 <a:solidFill>
                   <a:srgbClr val="00FF00"/>
                 </a:solidFill>
@@ -12661,7 +12298,7 @@
               <a:t>z</a:t>
             </a:r>
             <a:r>
-              <a:rPr lang="en-US" sz="3000" i="0" u="none" strike="noStrike" cap="none" dirty="0">
+              <a:rPr lang="pl" sz="3000" b="0" i="0" u="none" strike="noStrike" cap="none" baseline="0">
                 <a:solidFill>
                   <a:srgbClr val="00FFFF"/>
                 </a:solidFill>
@@ -12673,7 +12310,7 @@
               <a:t>[2]</a:t>
             </a:r>
             <a:r>
-              <a:rPr lang="en-US" sz="3000" i="0" u="none" strike="noStrike" cap="none" dirty="0">
+              <a:rPr lang="pl" sz="3000" b="0" i="0" u="none" strike="noStrike" cap="none" baseline="0">
                 <a:solidFill>
                   <a:schemeClr val="lt1"/>
                 </a:solidFill>
@@ -12704,7 +12341,7 @@
               <a:buNone/>
             </a:pPr>
             <a:r>
-              <a:rPr lang="en-US" sz="3000" i="0" u="none" strike="noStrike" cap="none" dirty="0" err="1">
+              <a:rPr lang="pl" sz="3000" b="0" i="0" u="none" strike="noStrike" cap="none" baseline="0">
                 <a:solidFill>
                   <a:srgbClr val="FF66FF"/>
                 </a:solidFill>
@@ -12713,19 +12350,7 @@
                 <a:cs typeface="Courier"/>
                 <a:sym typeface="Courier New"/>
               </a:rPr>
-              <a:t>Traceback</a:t>
-            </a:r>
-            <a:r>
-              <a:rPr lang="en-US" sz="3000" i="0" u="none" strike="noStrike" cap="none" dirty="0">
-                <a:solidFill>
-                  <a:srgbClr val="FF66FF"/>
-                </a:solidFill>
-                <a:latin typeface="Courier"/>
-                <a:ea typeface="Courier New"/>
-                <a:cs typeface="Courier"/>
-                <a:sym typeface="Courier New"/>
-              </a:rPr>
-              <a:t>:'tuple' object does </a:t>
+              <a:t>Traceback:'tuple' object does </a:t>
             </a:r>
           </a:p>
           <a:p>
@@ -12747,7 +12372,7 @@
               <a:buNone/>
             </a:pPr>
             <a:r>
-              <a:rPr lang="en-US" sz="3000" i="0" u="none" strike="noStrike" cap="none" dirty="0">
+              <a:rPr lang="pl" sz="3000" b="0" i="0" u="none" strike="noStrike" cap="none" baseline="0">
                 <a:solidFill>
                   <a:srgbClr val="FF66FF"/>
                 </a:solidFill>
@@ -12759,7 +12384,7 @@
               <a:t>not support </a:t>
             </a:r>
             <a:r>
-              <a:rPr lang="en-US" sz="3000" i="0" u="none" strike="noStrike" cap="none" dirty="0">
+              <a:rPr lang="pl" sz="3000" b="0" i="0" u="none" strike="noStrike" cap="none" baseline="0">
                 <a:solidFill>
                   <a:srgbClr val="00FFFF"/>
                 </a:solidFill>
@@ -12771,7 +12396,7 @@
               <a:t>item</a:t>
             </a:r>
             <a:r>
-              <a:rPr lang="en-US" sz="3000" i="0" u="none" strike="noStrike" cap="none" dirty="0">
+              <a:rPr lang="pl" sz="3000" b="0" i="0" u="none" strike="noStrike" cap="none" baseline="0">
                 <a:solidFill>
                   <a:srgbClr val="FF66FF"/>
                 </a:solidFill>
@@ -12802,7 +12427,7 @@
               <a:buNone/>
             </a:pPr>
             <a:r>
-              <a:rPr lang="en-US" sz="3000" i="0" u="none" strike="noStrike" cap="none" dirty="0">
+              <a:rPr lang="pl" sz="3000" b="0" i="0" u="none" strike="noStrike" cap="none" baseline="0">
                 <a:solidFill>
                   <a:srgbClr val="FF66FF"/>
                 </a:solidFill>
@@ -12833,7 +12458,7 @@
               <a:buNone/>
             </a:pPr>
             <a:r>
-              <a:rPr lang="en-US" sz="3000" i="0" u="none" strike="noStrike" cap="none" dirty="0">
+              <a:rPr lang="pl" sz="3000" b="0" i="0" u="none" strike="noStrike" cap="none" baseline="0">
                 <a:solidFill>
                   <a:schemeClr val="lt1"/>
                 </a:solidFill>
@@ -12852,13 +12477,6 @@
   <p:clrMapOvr>
     <a:masterClrMapping/>
   </p:clrMapOvr>
-  <p:timing>
-    <p:tnLst>
-      <p:par>
-        <p:cTn id="1" dur="indefinite" restart="never" nodeType="tmRoot"/>
-      </p:par>
-    </p:tnLst>
-  </p:timing>
 </p:sld>
 </file>
 
@@ -12922,7 +12540,7 @@
               <a:buNone/>
             </a:pPr>
             <a:r>
-              <a:rPr lang="en-US" sz="7800" u="none" strike="noStrike" cap="none">
+              <a:rPr lang="pl" sz="7800" b="0" i="0" u="none" strike="noStrike" cap="none" baseline="0" dirty="0">
                 <a:solidFill>
                   <a:srgbClr val="FFD966"/>
                 </a:solidFill>
@@ -12931,10 +12549,10 @@
                 <a:cs typeface="Arial" charset="0"/>
                 <a:sym typeface="Cabin"/>
               </a:rPr>
-              <a:t>Things</a:t>
-            </a:r>
-            <a:r>
-              <a:rPr lang="en-US" sz="7800" u="none" strike="noStrike" cap="none">
+              <a:t>Czego</a:t>
+            </a:r>
+            <a:r>
+              <a:rPr lang="pl" sz="7800" b="0" i="0" u="none" strike="noStrike" cap="none" baseline="0" dirty="0">
                 <a:solidFill>
                   <a:srgbClr val="FFFF00"/>
                 </a:solidFill>
@@ -12946,7 +12564,7 @@
               <a:t> </a:t>
             </a:r>
             <a:r>
-              <a:rPr lang="en-US" sz="7800" u="none" strike="noStrike" cap="none">
+              <a:rPr lang="pl" sz="7800" b="0" i="0" u="none" strike="noStrike" cap="none" baseline="0" dirty="0">
                 <a:solidFill>
                   <a:srgbClr val="FF66FF"/>
                 </a:solidFill>
@@ -12955,10 +12573,10 @@
                 <a:cs typeface="Arial" charset="0"/>
                 <a:sym typeface="Cabin"/>
               </a:rPr>
-              <a:t>not</a:t>
-            </a:r>
-            <a:r>
-              <a:rPr lang="en-US" sz="7800" u="none" strike="noStrike" cap="none">
+              <a:t>nie</a:t>
+            </a:r>
+            <a:r>
+              <a:rPr lang="pl" sz="7800" b="0" i="0" u="none" strike="noStrike" cap="none" baseline="0" dirty="0">
                 <a:solidFill>
                   <a:srgbClr val="FFFF00"/>
                 </a:solidFill>
@@ -12970,7 +12588,7 @@
               <a:t> </a:t>
             </a:r>
             <a:r>
-              <a:rPr lang="en-US" sz="7800" u="none" strike="noStrike" cap="none">
+              <a:rPr lang="pl" sz="7800" b="0" i="0" u="none" strike="noStrike" cap="none" baseline="0" dirty="0">
                 <a:solidFill>
                   <a:srgbClr val="FFD966"/>
                 </a:solidFill>
@@ -12979,7 +12597,7 @@
                 <a:cs typeface="Arial" charset="0"/>
                 <a:sym typeface="Cabin"/>
               </a:rPr>
-              <a:t>to do With Tuples</a:t>
+              <a:t>robić z krotkami</a:t>
             </a:r>
           </a:p>
         </p:txBody>
@@ -13027,7 +12645,7 @@
               <a:buNone/>
             </a:pPr>
             <a:r>
-              <a:rPr lang="en-US" sz="3000" i="0" u="none" strike="noStrike" cap="none" dirty="0">
+              <a:rPr lang="pl" sz="3000" b="0" i="0" u="none" strike="noStrike" cap="none" baseline="0">
                 <a:solidFill>
                   <a:schemeClr val="lt1"/>
                 </a:solidFill>
@@ -13039,7 +12657,7 @@
               <a:t>&gt;&gt;&gt; </a:t>
             </a:r>
             <a:r>
-              <a:rPr lang="en-US" sz="3000" i="0" u="none" strike="noStrike" cap="none" dirty="0">
+              <a:rPr lang="pl" sz="3000" b="0" i="0" u="none" strike="noStrike" cap="none" baseline="0">
                 <a:solidFill>
                   <a:srgbClr val="00FF00"/>
                 </a:solidFill>
@@ -13051,7 +12669,7 @@
               <a:t>x</a:t>
             </a:r>
             <a:r>
-              <a:rPr lang="en-US" sz="3000" i="0" u="none" strike="noStrike" cap="none" dirty="0">
+              <a:rPr lang="pl" sz="3000" b="0" i="0" u="none" strike="noStrike" cap="none" baseline="0">
                 <a:solidFill>
                   <a:schemeClr val="lt1"/>
                 </a:solidFill>
@@ -13063,7 +12681,7 @@
               <a:t> = </a:t>
             </a:r>
             <a:r>
-              <a:rPr lang="en-US" sz="3000" i="0" u="none" strike="noStrike" cap="none" dirty="0">
+              <a:rPr lang="pl" sz="3000" b="0" i="0" u="none" strike="noStrike" cap="none" baseline="0">
                 <a:solidFill>
                   <a:srgbClr val="FF7F00"/>
                 </a:solidFill>
@@ -13094,7 +12712,7 @@
               <a:buNone/>
             </a:pPr>
             <a:r>
-              <a:rPr lang="en-US" sz="3000" i="0" u="none" strike="noStrike" cap="none" dirty="0">
+              <a:rPr lang="pl" sz="3000" b="0" i="0" u="none" strike="noStrike" cap="none" baseline="0">
                 <a:solidFill>
                   <a:schemeClr val="lt1"/>
                 </a:solidFill>
@@ -13106,7 +12724,7 @@
               <a:t>&gt;&gt;&gt; </a:t>
             </a:r>
             <a:r>
-              <a:rPr lang="en-US" sz="3000" i="0" u="none" strike="noStrike" cap="none" dirty="0" err="1">
+              <a:rPr lang="pl" sz="3000" b="0" i="0" u="none" strike="noStrike" cap="none" baseline="0">
                 <a:solidFill>
                   <a:srgbClr val="00FF00"/>
                 </a:solidFill>
@@ -13118,7 +12736,7 @@
               <a:t>x</a:t>
             </a:r>
             <a:r>
-              <a:rPr lang="en-US" sz="3000" i="0" u="none" strike="noStrike" cap="none" dirty="0" err="1">
+              <a:rPr lang="pl" sz="3000" b="0" i="0" u="none" strike="noStrike" cap="none" baseline="0">
                 <a:solidFill>
                   <a:srgbClr val="FF00FF"/>
                 </a:solidFill>
@@ -13130,7 +12748,7 @@
               <a:t>.sort</a:t>
             </a:r>
             <a:r>
-              <a:rPr lang="en-US" sz="3000" i="0" u="none" strike="noStrike" cap="none" dirty="0">
+              <a:rPr lang="pl" sz="3000" b="0" i="0" u="none" strike="noStrike" cap="none" baseline="0">
                 <a:solidFill>
                   <a:schemeClr val="lt1"/>
                 </a:solidFill>
@@ -13161,7 +12779,7 @@
               <a:buNone/>
             </a:pPr>
             <a:r>
-              <a:rPr lang="en-US" sz="3000" i="0" u="none" strike="noStrike" cap="none" dirty="0" err="1">
+              <a:rPr lang="pl" sz="3000" b="0" i="0" u="none" strike="noStrike" cap="none" baseline="0">
                 <a:solidFill>
                   <a:srgbClr val="FF66FF"/>
                 </a:solidFill>
@@ -13170,19 +12788,7 @@
                 <a:cs typeface="Courier"/>
                 <a:sym typeface="Courier New"/>
               </a:rPr>
-              <a:t>Traceback</a:t>
-            </a:r>
-            <a:r>
-              <a:rPr lang="en-US" sz="3000" i="0" u="none" strike="noStrike" cap="none" dirty="0">
-                <a:solidFill>
-                  <a:srgbClr val="FF66FF"/>
-                </a:solidFill>
-                <a:latin typeface="Courier"/>
-                <a:ea typeface="Courier New"/>
-                <a:cs typeface="Courier"/>
-                <a:sym typeface="Courier New"/>
-              </a:rPr>
-              <a:t>:</a:t>
+              <a:t>Traceback:</a:t>
             </a:r>
           </a:p>
           <a:p>
@@ -13204,7 +12810,7 @@
               <a:buNone/>
             </a:pPr>
             <a:r>
-              <a:rPr lang="en-US" sz="3000" i="0" u="none" strike="noStrike" cap="none" dirty="0" err="1">
+              <a:rPr lang="pl" sz="3000" b="0" i="0" u="none" strike="noStrike" cap="none" baseline="0">
                 <a:solidFill>
                   <a:srgbClr val="FF66FF"/>
                 </a:solidFill>
@@ -13213,19 +12819,7 @@
                 <a:cs typeface="Courier"/>
                 <a:sym typeface="Courier New"/>
               </a:rPr>
-              <a:t>AttributeError</a:t>
-            </a:r>
-            <a:r>
-              <a:rPr lang="en-US" sz="3000" i="0" u="none" strike="noStrike" cap="none" dirty="0">
-                <a:solidFill>
-                  <a:srgbClr val="FF66FF"/>
-                </a:solidFill>
-                <a:latin typeface="Courier"/>
-                <a:ea typeface="Courier New"/>
-                <a:cs typeface="Courier"/>
-                <a:sym typeface="Courier New"/>
-              </a:rPr>
-              <a:t>: 'tuple' object has no attribute 'sort'</a:t>
+              <a:t>AttributeError: 'tuple' object has no attribute 'sort'</a:t>
             </a:r>
           </a:p>
           <a:p>
@@ -13247,7 +12841,7 @@
               <a:buNone/>
             </a:pPr>
             <a:r>
-              <a:rPr lang="en-US" sz="3000" i="0" u="none" strike="noStrike" cap="none" dirty="0">
+              <a:rPr lang="pl" sz="3000" b="0" i="0" u="none" strike="noStrike" cap="none" baseline="0">
                 <a:solidFill>
                   <a:schemeClr val="lt1"/>
                 </a:solidFill>
@@ -13259,7 +12853,7 @@
               <a:t>&gt;&gt;&gt; </a:t>
             </a:r>
             <a:r>
-              <a:rPr lang="en-US" sz="3000" i="0" u="none" strike="noStrike" cap="none" dirty="0" err="1">
+              <a:rPr lang="pl" sz="3000" b="0" i="0" u="none" strike="noStrike" cap="none" baseline="0">
                 <a:solidFill>
                   <a:srgbClr val="00FF00"/>
                 </a:solidFill>
@@ -13271,7 +12865,7 @@
               <a:t>x</a:t>
             </a:r>
             <a:r>
-              <a:rPr lang="en-US" sz="3000" i="0" u="none" strike="noStrike" cap="none" dirty="0" err="1">
+              <a:rPr lang="pl" sz="3000" b="0" i="0" u="none" strike="noStrike" cap="none" baseline="0">
                 <a:solidFill>
                   <a:srgbClr val="FF00FF"/>
                 </a:solidFill>
@@ -13283,7 +12877,7 @@
               <a:t>.append</a:t>
             </a:r>
             <a:r>
-              <a:rPr lang="en-US" sz="3000" i="0" u="none" strike="noStrike" cap="none" dirty="0">
+              <a:rPr lang="pl" sz="3000" b="0" i="0" u="none" strike="noStrike" cap="none" baseline="0">
                 <a:solidFill>
                   <a:schemeClr val="lt1"/>
                 </a:solidFill>
@@ -13314,7 +12908,7 @@
               <a:buNone/>
             </a:pPr>
             <a:r>
-              <a:rPr lang="en-US" sz="3000" i="0" u="none" strike="noStrike" cap="none" dirty="0" err="1">
+              <a:rPr lang="pl" sz="3000" b="0" i="0" u="none" strike="noStrike" cap="none" baseline="0">
                 <a:solidFill>
                   <a:srgbClr val="FF66FF"/>
                 </a:solidFill>
@@ -13323,19 +12917,7 @@
                 <a:cs typeface="Courier"/>
                 <a:sym typeface="Courier New"/>
               </a:rPr>
-              <a:t>Traceback</a:t>
-            </a:r>
-            <a:r>
-              <a:rPr lang="en-US" sz="3000" i="0" u="none" strike="noStrike" cap="none" dirty="0">
-                <a:solidFill>
-                  <a:srgbClr val="FF66FF"/>
-                </a:solidFill>
-                <a:latin typeface="Courier"/>
-                <a:ea typeface="Courier New"/>
-                <a:cs typeface="Courier"/>
-                <a:sym typeface="Courier New"/>
-              </a:rPr>
-              <a:t>:</a:t>
+              <a:t>Traceback:</a:t>
             </a:r>
           </a:p>
           <a:p>
@@ -13357,7 +12939,7 @@
               <a:buNone/>
             </a:pPr>
             <a:r>
-              <a:rPr lang="en-US" sz="3000" i="0" u="none" strike="noStrike" cap="none" dirty="0" err="1">
+              <a:rPr lang="pl" sz="3000" b="0" i="0" u="none" strike="noStrike" cap="none" baseline="0">
                 <a:solidFill>
                   <a:srgbClr val="FF66FF"/>
                 </a:solidFill>
@@ -13366,19 +12948,7 @@
                 <a:cs typeface="Courier"/>
                 <a:sym typeface="Courier New"/>
               </a:rPr>
-              <a:t>AttributeError</a:t>
-            </a:r>
-            <a:r>
-              <a:rPr lang="en-US" sz="3000" i="0" u="none" strike="noStrike" cap="none" dirty="0">
-                <a:solidFill>
-                  <a:srgbClr val="FF66FF"/>
-                </a:solidFill>
-                <a:latin typeface="Courier"/>
-                <a:ea typeface="Courier New"/>
-                <a:cs typeface="Courier"/>
-                <a:sym typeface="Courier New"/>
-              </a:rPr>
-              <a:t>: 'tuple' object has no attribute 'append'</a:t>
+              <a:t>AttributeError: 'tuple' object has no attribute 'append'</a:t>
             </a:r>
           </a:p>
           <a:p>
@@ -13400,7 +12970,7 @@
               <a:buNone/>
             </a:pPr>
             <a:r>
-              <a:rPr lang="en-US" sz="3000" i="0" u="none" strike="noStrike" cap="none" dirty="0">
+              <a:rPr lang="pl" sz="3000" b="0" i="0" u="none" strike="noStrike" cap="none" baseline="0">
                 <a:solidFill>
                   <a:schemeClr val="lt1"/>
                 </a:solidFill>
@@ -13412,7 +12982,7 @@
               <a:t>&gt;&gt;&gt; </a:t>
             </a:r>
             <a:r>
-              <a:rPr lang="en-US" sz="3000" i="0" u="none" strike="noStrike" cap="none" dirty="0" err="1">
+              <a:rPr lang="pl" sz="3000" b="0" i="0" u="none" strike="noStrike" cap="none" baseline="0">
                 <a:solidFill>
                   <a:srgbClr val="00FF00"/>
                 </a:solidFill>
@@ -13424,7 +12994,7 @@
               <a:t>x</a:t>
             </a:r>
             <a:r>
-              <a:rPr lang="en-US" sz="3000" i="0" u="none" strike="noStrike" cap="none" dirty="0" err="1">
+              <a:rPr lang="pl" sz="3000" b="0" i="0" u="none" strike="noStrike" cap="none" baseline="0">
                 <a:solidFill>
                   <a:srgbClr val="FF00FF"/>
                 </a:solidFill>
@@ -13436,7 +13006,7 @@
               <a:t>.reverse</a:t>
             </a:r>
             <a:r>
-              <a:rPr lang="en-US" sz="3000" i="0" u="none" strike="noStrike" cap="none" dirty="0">
+              <a:rPr lang="pl" sz="3000" b="0" i="0" u="none" strike="noStrike" cap="none" baseline="0">
                 <a:solidFill>
                   <a:schemeClr val="lt1"/>
                 </a:solidFill>
@@ -13467,7 +13037,7 @@
               <a:buNone/>
             </a:pPr>
             <a:r>
-              <a:rPr lang="en-US" sz="3000" i="0" u="none" strike="noStrike" cap="none" dirty="0" err="1">
+              <a:rPr lang="pl" sz="3000" b="0" i="0" u="none" strike="noStrike" cap="none" baseline="0">
                 <a:solidFill>
                   <a:srgbClr val="FF66FF"/>
                 </a:solidFill>
@@ -13476,19 +13046,7 @@
                 <a:cs typeface="Courier"/>
                 <a:sym typeface="Courier New"/>
               </a:rPr>
-              <a:t>Traceback</a:t>
-            </a:r>
-            <a:r>
-              <a:rPr lang="en-US" sz="3000" i="0" u="none" strike="noStrike" cap="none" dirty="0">
-                <a:solidFill>
-                  <a:srgbClr val="FF66FF"/>
-                </a:solidFill>
-                <a:latin typeface="Courier"/>
-                <a:ea typeface="Courier New"/>
-                <a:cs typeface="Courier"/>
-                <a:sym typeface="Courier New"/>
-              </a:rPr>
-              <a:t>:</a:t>
+              <a:t>Traceback:</a:t>
             </a:r>
           </a:p>
           <a:p>
@@ -13510,7 +13068,7 @@
               <a:buNone/>
             </a:pPr>
             <a:r>
-              <a:rPr lang="en-US" sz="3000" i="0" u="none" strike="noStrike" cap="none" dirty="0" err="1">
+              <a:rPr lang="pl" sz="3000" b="0" i="0" u="none" strike="noStrike" cap="none" baseline="0">
                 <a:solidFill>
                   <a:srgbClr val="FF66FF"/>
                 </a:solidFill>
@@ -13519,19 +13077,7 @@
                 <a:cs typeface="Courier"/>
                 <a:sym typeface="Courier New"/>
               </a:rPr>
-              <a:t>AttributeError</a:t>
-            </a:r>
-            <a:r>
-              <a:rPr lang="en-US" sz="3000" i="0" u="none" strike="noStrike" cap="none" dirty="0">
-                <a:solidFill>
-                  <a:srgbClr val="FF66FF"/>
-                </a:solidFill>
-                <a:latin typeface="Courier"/>
-                <a:ea typeface="Courier New"/>
-                <a:cs typeface="Courier"/>
-                <a:sym typeface="Courier New"/>
-              </a:rPr>
-              <a:t>: 'tuple' object has no attribute 'reverse'</a:t>
+              <a:t>AttributeError: 'tuple' object has no attribute 'reverse'</a:t>
             </a:r>
           </a:p>
           <a:p>
@@ -13553,7 +13099,7 @@
               <a:buNone/>
             </a:pPr>
             <a:r>
-              <a:rPr lang="en-US" sz="3000" i="0" u="none" strike="noStrike" cap="none" dirty="0">
+              <a:rPr lang="pl" sz="3000" b="0" i="0" u="none" strike="noStrike" cap="none" baseline="0">
                 <a:solidFill>
                   <a:schemeClr val="lt1"/>
                 </a:solidFill>
@@ -13572,13 +13118,6 @@
   <p:clrMapOvr>
     <a:masterClrMapping/>
   </p:clrMapOvr>
-  <p:timing>
-    <p:tnLst>
-      <p:par>
-        <p:cTn id="1" dur="indefinite" restart="never" nodeType="tmRoot"/>
-      </p:par>
-    </p:tnLst>
-  </p:timing>
 </p:sld>
 </file>
 
@@ -13642,7 +13181,7 @@
               <a:buNone/>
             </a:pPr>
             <a:r>
-              <a:rPr lang="en-US" sz="7800" u="none" strike="noStrike" cap="none">
+              <a:rPr lang="pl" sz="7800" b="0" i="0" u="none" strike="noStrike" cap="none" baseline="0">
                 <a:solidFill>
                   <a:srgbClr val="FFD966"/>
                 </a:solidFill>
@@ -13651,7 +13190,7 @@
                 <a:cs typeface="Arial" charset="0"/>
                 <a:sym typeface="Cabin"/>
               </a:rPr>
-              <a:t>A Tale of Two Sequences</a:t>
+              <a:t>O dwóch takich... sekwencjach</a:t>
             </a:r>
           </a:p>
         </p:txBody>
@@ -13699,7 +13238,7 @@
               <a:buNone/>
             </a:pPr>
             <a:r>
-              <a:rPr lang="en-US" sz="3000" i="0" u="none" strike="noStrike" cap="none" dirty="0">
+              <a:rPr lang="pl" sz="3000" b="0" i="0" u="none" strike="noStrike" cap="none" baseline="0">
                 <a:solidFill>
                   <a:schemeClr val="lt1"/>
                 </a:solidFill>
@@ -13711,7 +13250,7 @@
               <a:t>&gt;&gt;&gt; </a:t>
             </a:r>
             <a:r>
-              <a:rPr lang="en-US" sz="3000" i="0" u="none" strike="noStrike" cap="none" dirty="0">
+              <a:rPr lang="pl" sz="3000" b="0" i="0" u="none" strike="noStrike" cap="none" baseline="0">
                 <a:solidFill>
                   <a:srgbClr val="00FF00"/>
                 </a:solidFill>
@@ -13723,7 +13262,7 @@
               <a:t>l</a:t>
             </a:r>
             <a:r>
-              <a:rPr lang="en-US" sz="3000" i="0" u="none" strike="noStrike" cap="none" dirty="0">
+              <a:rPr lang="pl" sz="3000" b="0" i="0" u="none" strike="noStrike" cap="none" baseline="0">
                 <a:solidFill>
                   <a:schemeClr val="lt1"/>
                 </a:solidFill>
@@ -13735,7 +13274,7 @@
               <a:t> = </a:t>
             </a:r>
             <a:r>
-              <a:rPr lang="en-US" sz="3000" i="0" u="none" strike="noStrike" cap="none" dirty="0">
+              <a:rPr lang="pl" sz="3000" b="0" i="0" u="none" strike="noStrike" cap="none" baseline="0">
                 <a:solidFill>
                   <a:srgbClr val="FF00FF"/>
                 </a:solidFill>
@@ -13747,7 +13286,7 @@
               <a:t>list</a:t>
             </a:r>
             <a:r>
-              <a:rPr lang="en-US" sz="3000" i="0" u="none" strike="noStrike" cap="none" dirty="0">
+              <a:rPr lang="pl" sz="3000" b="0" i="0" u="none" strike="noStrike" cap="none" baseline="0">
                 <a:solidFill>
                   <a:schemeClr val="lt1"/>
                 </a:solidFill>
@@ -13778,7 +13317,7 @@
               <a:buNone/>
             </a:pPr>
             <a:r>
-              <a:rPr lang="en-US" sz="3000" i="0" u="none" strike="noStrike" cap="none" dirty="0">
+              <a:rPr lang="pl" sz="3000" b="0" i="0" u="none" strike="noStrike" cap="none" baseline="0">
                 <a:solidFill>
                   <a:schemeClr val="lt1"/>
                 </a:solidFill>
@@ -13790,7 +13329,7 @@
               <a:t>&gt;&gt;&gt; </a:t>
             </a:r>
             <a:r>
-              <a:rPr lang="en-US" sz="3000" i="0" u="none" strike="noStrike" cap="none" dirty="0" err="1">
+              <a:rPr lang="pl" sz="3000" b="0" i="0" u="none" strike="noStrike" cap="none" baseline="0">
                 <a:solidFill>
                   <a:srgbClr val="FF00FF"/>
                 </a:solidFill>
@@ -13802,7 +13341,7 @@
               <a:t>dir</a:t>
             </a:r>
             <a:r>
-              <a:rPr lang="en-US" sz="3000" i="0" u="none" strike="noStrike" cap="none" dirty="0">
+              <a:rPr lang="pl" sz="3000" b="0" i="0" u="none" strike="noStrike" cap="none" baseline="0">
                 <a:solidFill>
                   <a:schemeClr val="lt1"/>
                 </a:solidFill>
@@ -13814,7 +13353,7 @@
               <a:t>(</a:t>
             </a:r>
             <a:r>
-              <a:rPr lang="en-US" sz="3000" i="0" u="none" strike="noStrike" cap="none" dirty="0">
+              <a:rPr lang="pl" sz="3000" b="0" i="0" u="none" strike="noStrike" cap="none" baseline="0">
                 <a:solidFill>
                   <a:srgbClr val="00FF00"/>
                 </a:solidFill>
@@ -13826,7 +13365,7 @@
               <a:t>l</a:t>
             </a:r>
             <a:r>
-              <a:rPr lang="en-US" sz="3000" i="0" u="none" strike="noStrike" cap="none" dirty="0">
+              <a:rPr lang="pl" sz="3000" b="0" i="0" u="none" strike="noStrike" cap="none" baseline="0">
                 <a:solidFill>
                   <a:schemeClr val="lt1"/>
                 </a:solidFill>
@@ -13857,7 +13396,7 @@
               <a:buNone/>
             </a:pPr>
             <a:r>
-              <a:rPr lang="en-US" sz="3000" i="0" u="none" strike="noStrike" cap="none" dirty="0">
+              <a:rPr lang="pl" sz="3000" b="0" i="0" u="none" strike="noStrike" cap="none" baseline="0">
                 <a:solidFill>
                   <a:schemeClr val="lt1"/>
                 </a:solidFill>
@@ -13915,7 +13454,7 @@
               <a:buNone/>
             </a:pPr>
             <a:r>
-              <a:rPr lang="en-US" sz="3000" i="0" u="none" strike="noStrike" cap="none" dirty="0">
+              <a:rPr lang="pl" sz="3000" b="0" i="0" u="none" strike="noStrike" cap="none" baseline="0">
                 <a:solidFill>
                   <a:schemeClr val="lt1"/>
                 </a:solidFill>
@@ -13927,7 +13466,7 @@
               <a:t>&gt;&gt;&gt; </a:t>
             </a:r>
             <a:r>
-              <a:rPr lang="en-US" sz="3000" i="0" u="none" strike="noStrike" cap="none" dirty="0">
+              <a:rPr lang="pl" sz="3000" b="0" i="0" u="none" strike="noStrike" cap="none" baseline="0">
                 <a:solidFill>
                   <a:srgbClr val="00FF00"/>
                 </a:solidFill>
@@ -13939,7 +13478,7 @@
               <a:t>t</a:t>
             </a:r>
             <a:r>
-              <a:rPr lang="en-US" sz="3000" i="0" u="none" strike="noStrike" cap="none" dirty="0">
+              <a:rPr lang="pl" sz="3000" b="0" i="0" u="none" strike="noStrike" cap="none" baseline="0">
                 <a:solidFill>
                   <a:schemeClr val="lt1"/>
                 </a:solidFill>
@@ -13951,7 +13490,7 @@
               <a:t> = </a:t>
             </a:r>
             <a:r>
-              <a:rPr lang="en-US" sz="3000" i="0" u="none" strike="noStrike" cap="none" dirty="0">
+              <a:rPr lang="pl" sz="3000" b="0" i="0" u="none" strike="noStrike" cap="none" baseline="0">
                 <a:solidFill>
                   <a:srgbClr val="FF00FF"/>
                 </a:solidFill>
@@ -13963,7 +13502,7 @@
               <a:t>tuple</a:t>
             </a:r>
             <a:r>
-              <a:rPr lang="en-US" sz="3000" i="0" u="none" strike="noStrike" cap="none" dirty="0">
+              <a:rPr lang="pl" sz="3000" b="0" i="0" u="none" strike="noStrike" cap="none" baseline="0">
                 <a:solidFill>
                   <a:schemeClr val="lt1"/>
                 </a:solidFill>
@@ -13994,7 +13533,7 @@
               <a:buNone/>
             </a:pPr>
             <a:r>
-              <a:rPr lang="en-US" sz="3000" i="0" u="none" strike="noStrike" cap="none" dirty="0">
+              <a:rPr lang="pl" sz="3000" b="0" i="0" u="none" strike="noStrike" cap="none" baseline="0">
                 <a:solidFill>
                   <a:schemeClr val="lt1"/>
                 </a:solidFill>
@@ -14006,7 +13545,7 @@
               <a:t>&gt;&gt;&gt; </a:t>
             </a:r>
             <a:r>
-              <a:rPr lang="en-US" sz="3000" i="0" u="none" strike="noStrike" cap="none" dirty="0" err="1">
+              <a:rPr lang="pl" sz="3000" b="0" i="0" u="none" strike="noStrike" cap="none" baseline="0">
                 <a:solidFill>
                   <a:srgbClr val="FF00FF"/>
                 </a:solidFill>
@@ -14018,7 +13557,7 @@
               <a:t>dir</a:t>
             </a:r>
             <a:r>
-              <a:rPr lang="en-US" sz="3000" i="0" u="none" strike="noStrike" cap="none" dirty="0">
+              <a:rPr lang="pl" sz="3000" b="0" i="0" u="none" strike="noStrike" cap="none" baseline="0">
                 <a:solidFill>
                   <a:schemeClr val="lt1"/>
                 </a:solidFill>
@@ -14030,7 +13569,7 @@
               <a:t>(</a:t>
             </a:r>
             <a:r>
-              <a:rPr lang="en-US" sz="3000" i="0" u="none" strike="noStrike" cap="none" dirty="0">
+              <a:rPr lang="pl" sz="3000" b="0" i="0" u="none" strike="noStrike" cap="none" baseline="0">
                 <a:solidFill>
                   <a:srgbClr val="00FF00"/>
                 </a:solidFill>
@@ -14042,7 +13581,7 @@
               <a:t>t</a:t>
             </a:r>
             <a:r>
-              <a:rPr lang="en-US" sz="3000" i="0" u="none" strike="noStrike" cap="none" dirty="0">
+              <a:rPr lang="pl" sz="3000" b="0" i="0" u="none" strike="noStrike" cap="none" baseline="0">
                 <a:solidFill>
                   <a:schemeClr val="lt1"/>
                 </a:solidFill>
@@ -14073,7 +13612,7 @@
               <a:buNone/>
             </a:pPr>
             <a:r>
-              <a:rPr lang="en-US" sz="3000" i="0" u="none" strike="noStrike" cap="none" dirty="0">
+              <a:rPr lang="pl" sz="3000" b="0" i="0" u="none" strike="noStrike" cap="none" baseline="0">
                 <a:solidFill>
                   <a:schemeClr val="lt1"/>
                 </a:solidFill>
@@ -14092,13 +13631,6 @@
   <p:clrMapOvr>
     <a:masterClrMapping/>
   </p:clrMapOvr>
-  <p:timing>
-    <p:tnLst>
-      <p:par>
-        <p:cTn id="1" dur="indefinite" restart="never" nodeType="tmRoot"/>
-      </p:par>
-    </p:tnLst>
-  </p:timing>
 </p:sld>
 </file>
 
@@ -14166,7 +13698,7 @@
               <a:buNone/>
             </a:pPr>
             <a:r>
-              <a:rPr lang="en-US" sz="7800" u="none" strike="noStrike" cap="none">
+              <a:rPr lang="pl" sz="7800" b="0" i="0" u="none" strike="noStrike" cap="none" baseline="0">
                 <a:solidFill>
                   <a:srgbClr val="FFD966"/>
                 </a:solidFill>
@@ -14175,7 +13707,7 @@
                 <a:cs typeface="Arial" charset="0"/>
                 <a:sym typeface="Cabin"/>
               </a:rPr>
-              <a:t>Tuples are More Efficient</a:t>
+              <a:t>Krotki są bardziej wydajne</a:t>
             </a:r>
           </a:p>
         </p:txBody>
@@ -14227,7 +13759,7 @@
               <a:buChar char="•"/>
             </a:pPr>
             <a:r>
-              <a:rPr lang="en-US" sz="3600" u="none" strike="noStrike" cap="none">
+              <a:rPr lang="pl" sz="3600" b="0" i="0" u="none" strike="noStrike" cap="none" baseline="0" dirty="0">
                 <a:solidFill>
                   <a:schemeClr val="lt1"/>
                 </a:solidFill>
@@ -14236,7 +13768,7 @@
                 <a:cs typeface="Arial" charset="0"/>
                 <a:sym typeface="Cabin"/>
               </a:rPr>
-              <a:t>Since Python does not have to build tuple structures to be modifiable, they are simpler and more efficient in terms of memory use and performance than lists</a:t>
+              <a:t>Ponieważ Python nie musi tworzyć struktury krotek tak, aby były zmienne, są one prostsze i działają oraz wykorzystują pamięć wydajniej niż listy.</a:t>
             </a:r>
           </a:p>
           <a:p>
@@ -14258,7 +13790,7 @@
               <a:buChar char="•"/>
             </a:pPr>
             <a:r>
-              <a:rPr lang="en-US" sz="3600" u="none" strike="noStrike" cap="none">
+              <a:rPr lang="pl" sz="3600" b="0" i="0" u="none" strike="noStrike" cap="none" baseline="0" dirty="0">
                 <a:solidFill>
                   <a:schemeClr val="lt1"/>
                 </a:solidFill>
@@ -14267,7 +13799,7 @@
                 <a:cs typeface="Arial" charset="0"/>
                 <a:sym typeface="Cabin"/>
               </a:rPr>
-              <a:t>So in our program when we are making “temporary variables” we prefer tuples over lists</a:t>
+              <a:t>Dlatego w programach, w których tworzymy "tymczasowe zmienne", od list wolimy krotki.</a:t>
             </a:r>
           </a:p>
         </p:txBody>
@@ -14277,13 +13809,6 @@
   <p:clrMapOvr>
     <a:masterClrMapping/>
   </p:clrMapOvr>
-  <p:timing>
-    <p:tnLst>
-      <p:par>
-        <p:cTn id="1" dur="indefinite" restart="never" nodeType="tmRoot"/>
-      </p:par>
-    </p:tnLst>
-  </p:timing>
 </p:sld>
 </file>
 
@@ -14347,7 +13872,7 @@
               <a:buNone/>
             </a:pPr>
             <a:r>
-              <a:rPr lang="en-US" sz="7800" u="none" strike="noStrike" cap="none">
+              <a:rPr lang="pl" sz="7800" b="0" i="0" u="none" strike="noStrike" cap="none" baseline="0" dirty="0">
                 <a:solidFill>
                   <a:srgbClr val="FFD966"/>
                 </a:solidFill>
@@ -14356,7 +13881,7 @@
                 <a:cs typeface="Arial" charset="0"/>
                 <a:sym typeface="Cabin"/>
               </a:rPr>
-              <a:t>Tuples and Assignment</a:t>
+              <a:t>Krotki i operacja przypisania</a:t>
             </a:r>
           </a:p>
         </p:txBody>
@@ -14408,7 +13933,7 @@
               <a:buChar char="•"/>
             </a:pPr>
             <a:r>
-              <a:rPr lang="en-US" sz="3600" u="none" strike="noStrike" cap="none">
+              <a:rPr lang="pl" sz="3600" b="0" i="0" u="none" strike="noStrike" cap="none" baseline="0">
                 <a:solidFill>
                   <a:schemeClr val="lt1"/>
                 </a:solidFill>
@@ -14417,10 +13942,10 @@
                 <a:cs typeface="Arial" charset="0"/>
                 <a:sym typeface="Cabin"/>
               </a:rPr>
-              <a:t>We can also put a </a:t>
-            </a:r>
-            <a:r>
-              <a:rPr lang="en-US" sz="3600" u="none" strike="noStrike" cap="none">
+              <a:t>Możemy także umieścić </a:t>
+            </a:r>
+            <a:r>
+              <a:rPr lang="pl" sz="3600" b="0" i="0" u="none" strike="noStrike" cap="none" baseline="0">
                 <a:solidFill>
                   <a:srgbClr val="FF7F00"/>
                 </a:solidFill>
@@ -14429,10 +13954,10 @@
                 <a:cs typeface="Arial" charset="0"/>
                 <a:sym typeface="Cabin"/>
               </a:rPr>
-              <a:t>tuple</a:t>
-            </a:r>
-            <a:r>
-              <a:rPr lang="en-US" sz="3600" u="none" strike="noStrike" cap="none">
+              <a:t>krotkę</a:t>
+            </a:r>
+            <a:r>
+              <a:rPr lang="pl" sz="3600" b="0" i="0" u="none" strike="noStrike" cap="none" baseline="0">
                 <a:solidFill>
                   <a:schemeClr val="lt1"/>
                 </a:solidFill>
@@ -14441,10 +13966,10 @@
                 <a:cs typeface="Arial" charset="0"/>
                 <a:sym typeface="Cabin"/>
               </a:rPr>
-              <a:t> on the </a:t>
-            </a:r>
-            <a:r>
-              <a:rPr lang="en-US" sz="3600" u="none" strike="noStrike" cap="none">
+              <a:t> po </a:t>
+            </a:r>
+            <a:r>
+              <a:rPr lang="pl" sz="3600" b="0" i="0" u="none" strike="noStrike" cap="none" baseline="0">
                 <a:solidFill>
                   <a:srgbClr val="00FFFF"/>
                 </a:solidFill>
@@ -14453,10 +13978,10 @@
                 <a:cs typeface="Arial" charset="0"/>
                 <a:sym typeface="Cabin"/>
               </a:rPr>
-              <a:t>left-hand side</a:t>
-            </a:r>
-            <a:r>
-              <a:rPr lang="en-US" sz="3600" u="none" strike="noStrike" cap="none">
+              <a:t>lewej stronie</a:t>
+            </a:r>
+            <a:r>
+              <a:rPr lang="pl" sz="3600" b="0" i="0" u="none" strike="noStrike" cap="none" baseline="0">
                 <a:solidFill>
                   <a:schemeClr val="lt1"/>
                 </a:solidFill>
@@ -14465,7 +13990,7 @@
                 <a:cs typeface="Arial" charset="0"/>
                 <a:sym typeface="Cabin"/>
               </a:rPr>
-              <a:t> of an assignment statement</a:t>
+              <a:t> operacji przypisania</a:t>
             </a:r>
           </a:p>
           <a:p>
@@ -14487,7 +14012,7 @@
               <a:buChar char="•"/>
             </a:pPr>
             <a:r>
-              <a:rPr lang="en-US" sz="3600" u="none" strike="noStrike" cap="none" dirty="0">
+              <a:rPr lang="pl" sz="3600" b="0" i="0" u="none" strike="noStrike" cap="none" baseline="0">
                 <a:solidFill>
                   <a:schemeClr val="lt1"/>
                 </a:solidFill>
@@ -14496,7 +14021,7 @@
                 <a:cs typeface="Arial" charset="0"/>
                 <a:sym typeface="Cabin"/>
               </a:rPr>
-              <a:t>We can even omit the parentheses</a:t>
+              <a:t>Możemy nawet opuścić nawiasy</a:t>
             </a:r>
           </a:p>
         </p:txBody>
@@ -14544,7 +14069,7 @@
               <a:buNone/>
             </a:pPr>
             <a:r>
-              <a:rPr lang="en-US" sz="3300" i="0" u="none" strike="noStrike" cap="none" dirty="0">
+              <a:rPr lang="pl" sz="3300" b="0" i="0" u="none" strike="noStrike" cap="none" baseline="0">
                 <a:solidFill>
                   <a:schemeClr val="lt1"/>
                 </a:solidFill>
@@ -14556,7 +14081,7 @@
               <a:t>&gt;&gt;&gt; </a:t>
             </a:r>
             <a:r>
-              <a:rPr lang="en-US" sz="3300" i="0" u="none" strike="noStrike" cap="none" dirty="0">
+              <a:rPr lang="pl" sz="3300" b="0" i="0" u="none" strike="noStrike" cap="none" baseline="0">
                 <a:solidFill>
                   <a:srgbClr val="FF7F00"/>
                 </a:solidFill>
@@ -14568,7 +14093,7 @@
               <a:t>(x, y)</a:t>
             </a:r>
             <a:r>
-              <a:rPr lang="en-US" sz="3300" i="0" u="none" strike="noStrike" cap="none" dirty="0">
+              <a:rPr lang="pl" sz="3300" b="0" i="0" u="none" strike="noStrike" cap="none" baseline="0">
                 <a:solidFill>
                   <a:schemeClr val="lt1"/>
                 </a:solidFill>
@@ -14580,7 +14105,7 @@
               <a:t> = </a:t>
             </a:r>
             <a:r>
-              <a:rPr lang="en-US" sz="3300" i="0" u="none" strike="noStrike" cap="none" dirty="0">
+              <a:rPr lang="pl" sz="3300" b="0" i="0" u="none" strike="noStrike" cap="none" baseline="0">
                 <a:solidFill>
                   <a:srgbClr val="FF7F00"/>
                 </a:solidFill>
@@ -14589,42 +14114,18 @@
                 <a:cs typeface="Courier"/>
                 <a:sym typeface="Courier New"/>
               </a:rPr>
-              <a:t>(4, '</a:t>
-            </a:r>
-            <a:r>
-              <a:rPr lang="en-US" sz="3300" i="0" u="none" strike="noStrike" cap="none" dirty="0" err="1">
-                <a:solidFill>
-                  <a:srgbClr val="FF7F00"/>
-                </a:solidFill>
-                <a:latin typeface="Courier"/>
-                <a:ea typeface="Courier New"/>
-                <a:cs typeface="Courier"/>
-                <a:sym typeface="Courier New"/>
-              </a:rPr>
-              <a:t>fred</a:t>
-            </a:r>
-            <a:r>
-              <a:rPr lang="en-US" sz="3300" i="0" u="none" strike="noStrike" cap="none" dirty="0">
-                <a:solidFill>
-                  <a:srgbClr val="FF7F00"/>
-                </a:solidFill>
-                <a:latin typeface="Courier"/>
-                <a:ea typeface="Courier New"/>
-                <a:cs typeface="Courier"/>
-                <a:sym typeface="Courier New"/>
-              </a:rPr>
-              <a:t>')</a:t>
-            </a:r>
-          </a:p>
-          <a:p>
-            <a:pPr lvl="0">
+              <a:t>(4, 'fred')</a:t>
+            </a:r>
+          </a:p>
+          <a:p>
+            <a:pPr lvl="0" algn="l" rtl="0">
               <a:buClr>
                 <a:schemeClr val="lt1"/>
               </a:buClr>
               <a:buSzPct val="25000"/>
             </a:pPr>
             <a:r>
-              <a:rPr lang="en-US" sz="3300" i="0" u="none" strike="noStrike" cap="none" dirty="0">
+              <a:rPr lang="pl" sz="3300" b="0" i="0" u="none" strike="noStrike" cap="none" baseline="0">
                 <a:solidFill>
                   <a:schemeClr val="lt1"/>
                 </a:solidFill>
@@ -14636,7 +14137,7 @@
               <a:t>&gt;&gt;&gt; </a:t>
             </a:r>
             <a:r>
-              <a:rPr lang="en-US" sz="3300" i="0" u="none" strike="noStrike" cap="none" dirty="0" smtClean="0">
+              <a:rPr lang="pl" sz="3300" b="0" i="0" u="none" strike="noStrike" cap="none" baseline="0">
                 <a:solidFill>
                   <a:srgbClr val="FFFF00"/>
                 </a:solidFill>
@@ -14648,7 +14149,7 @@
               <a:t>print(</a:t>
             </a:r>
             <a:r>
-              <a:rPr lang="en-US" sz="3300" i="0" u="none" strike="noStrike" cap="none" dirty="0" smtClean="0">
+              <a:rPr lang="pl" sz="3300" b="0" i="0" u="none" strike="noStrike" cap="none" baseline="0">
                 <a:solidFill>
                   <a:srgbClr val="00FF00"/>
                 </a:solidFill>
@@ -14660,7 +14161,7 @@
               <a:t>y</a:t>
             </a:r>
             <a:r>
-              <a:rPr lang="en-US" sz="3600" dirty="0" smtClean="0">
+              <a:rPr lang="pl" sz="3600" b="0" i="0" u="none" baseline="0">
                 <a:solidFill>
                   <a:srgbClr val="FFFF00"/>
                 </a:solidFill>
@@ -14671,7 +14172,7 @@
               </a:rPr>
               <a:t>)</a:t>
             </a:r>
-            <a:endParaRPr lang="en-US" sz="3300" i="0" u="none" strike="noStrike" cap="none" dirty="0">
+            <a:endParaRPr lang="pl" sz="3300" i="0" u="none" strike="noStrike" cap="none" dirty="0">
               <a:solidFill>
                 <a:srgbClr val="00FF00"/>
               </a:solidFill>
@@ -14700,7 +14201,7 @@
               <a:buNone/>
             </a:pPr>
             <a:r>
-              <a:rPr lang="en-US" sz="3300" i="0" u="none" strike="noStrike" cap="none" dirty="0" err="1">
+              <a:rPr lang="pl" sz="3300" b="0" i="0" u="none" strike="noStrike" cap="none" baseline="0">
                 <a:solidFill>
                   <a:schemeClr val="lt1"/>
                 </a:solidFill>
@@ -14711,7 +14212,7 @@
               </a:rPr>
               <a:t>fred</a:t>
             </a:r>
-            <a:endParaRPr lang="en-US" sz="3300" i="0" u="none" strike="noStrike" cap="none" dirty="0">
+            <a:endParaRPr lang="pl" sz="3300" i="0" u="none" strike="noStrike" cap="none" dirty="0">
               <a:solidFill>
                 <a:schemeClr val="lt1"/>
               </a:solidFill>
@@ -14740,7 +14241,7 @@
               <a:buNone/>
             </a:pPr>
             <a:r>
-              <a:rPr lang="en-US" sz="3300" i="0" u="none" strike="noStrike" cap="none" dirty="0">
+              <a:rPr lang="pl" sz="3300" b="0" i="0" u="none" strike="noStrike" cap="none" baseline="0">
                 <a:solidFill>
                   <a:schemeClr val="lt1"/>
                 </a:solidFill>
@@ -14752,7 +14253,7 @@
               <a:t>&gt;&gt;&gt; </a:t>
             </a:r>
             <a:r>
-              <a:rPr lang="en-US" sz="3300" i="0" u="none" strike="noStrike" cap="none" dirty="0">
+              <a:rPr lang="pl" sz="3300" b="0" i="0" u="none" strike="noStrike" cap="none" baseline="0">
                 <a:solidFill>
                   <a:srgbClr val="FF7F00"/>
                 </a:solidFill>
@@ -14764,7 +14265,7 @@
               <a:t>(a, b)</a:t>
             </a:r>
             <a:r>
-              <a:rPr lang="en-US" sz="3300" i="0" u="none" strike="noStrike" cap="none" dirty="0">
+              <a:rPr lang="pl" sz="3300" b="0" i="0" u="none" strike="noStrike" cap="none" baseline="0">
                 <a:solidFill>
                   <a:schemeClr val="lt1"/>
                 </a:solidFill>
@@ -14776,7 +14277,7 @@
               <a:t> = </a:t>
             </a:r>
             <a:r>
-              <a:rPr lang="en-US" sz="3300" i="0" u="none" strike="noStrike" cap="none" dirty="0">
+              <a:rPr lang="pl" sz="3300" b="0" i="0" u="none" strike="noStrike" cap="none" baseline="0">
                 <a:solidFill>
                   <a:srgbClr val="FF7F00"/>
                 </a:solidFill>
@@ -14789,14 +14290,14 @@
             </a:r>
           </a:p>
           <a:p>
-            <a:pPr lvl="0">
+            <a:pPr lvl="0" algn="l" rtl="0">
               <a:buClr>
                 <a:schemeClr val="lt1"/>
               </a:buClr>
               <a:buSzPct val="25000"/>
             </a:pPr>
             <a:r>
-              <a:rPr lang="en-US" sz="3300" i="0" u="none" strike="noStrike" cap="none" dirty="0">
+              <a:rPr lang="pl" sz="3300" b="0" i="0" u="none" strike="noStrike" cap="none" baseline="0">
                 <a:solidFill>
                   <a:schemeClr val="lt1"/>
                 </a:solidFill>
@@ -14808,7 +14309,7 @@
               <a:t>&gt;&gt;&gt; </a:t>
             </a:r>
             <a:r>
-              <a:rPr lang="en-US" sz="3300" i="0" u="none" strike="noStrike" cap="none" dirty="0" smtClean="0">
+              <a:rPr lang="pl" sz="3300" b="0" i="0" u="none" strike="noStrike" cap="none" baseline="0">
                 <a:solidFill>
                   <a:srgbClr val="FFFF00"/>
                 </a:solidFill>
@@ -14820,7 +14321,7 @@
               <a:t>print(</a:t>
             </a:r>
             <a:r>
-              <a:rPr lang="en-US" sz="3300" i="0" u="none" strike="noStrike" cap="none" dirty="0" smtClean="0">
+              <a:rPr lang="pl" sz="3300" b="0" i="0" u="none" strike="noStrike" cap="none" baseline="0">
                 <a:solidFill>
                   <a:srgbClr val="00FF00"/>
                 </a:solidFill>
@@ -14832,7 +14333,7 @@
               <a:t>a</a:t>
             </a:r>
             <a:r>
-              <a:rPr lang="en-US" sz="3600" dirty="0" smtClean="0">
+              <a:rPr lang="pl" sz="3600" b="0" i="0" u="none" baseline="0">
                 <a:solidFill>
                   <a:srgbClr val="FFFF00"/>
                 </a:solidFill>
@@ -14843,7 +14344,7 @@
               </a:rPr>
               <a:t>)</a:t>
             </a:r>
-            <a:endParaRPr lang="en-US" sz="3300" i="0" u="none" strike="noStrike" cap="none" dirty="0">
+            <a:endParaRPr lang="pl" sz="3300" i="0" u="none" strike="noStrike" cap="none" dirty="0">
               <a:solidFill>
                 <a:srgbClr val="00FF00"/>
               </a:solidFill>
@@ -14872,7 +14373,7 @@
               <a:buNone/>
             </a:pPr>
             <a:r>
-              <a:rPr lang="en-US" sz="3300" i="0" u="none" strike="noStrike" cap="none" dirty="0">
+              <a:rPr lang="pl" sz="3300" b="0" i="0" u="none" strike="noStrike" cap="none" baseline="0">
                 <a:solidFill>
                   <a:schemeClr val="lt1"/>
                 </a:solidFill>
@@ -14891,13 +14392,6 @@
   <p:clrMapOvr>
     <a:masterClrMapping/>
   </p:clrMapOvr>
-  <p:timing>
-    <p:tnLst>
-      <p:par>
-        <p:cTn id="1" dur="indefinite" restart="never" nodeType="tmRoot"/>
-      </p:par>
-    </p:tnLst>
-  </p:timing>
 </p:sld>
 </file>
 
@@ -14961,7 +14455,7 @@
               <a:buNone/>
             </a:pPr>
             <a:r>
-              <a:rPr lang="en-US" sz="7800" u="none" strike="noStrike" cap="none">
+              <a:rPr lang="pl" sz="7800" b="0" i="0" u="none" strike="noStrike" cap="none" baseline="0">
                 <a:solidFill>
                   <a:srgbClr val="FFD966"/>
                 </a:solidFill>
@@ -14970,7 +14464,7 @@
                 <a:cs typeface="Arial" charset="0"/>
                 <a:sym typeface="Cabin"/>
               </a:rPr>
-              <a:t>Tuples and Dictionaries</a:t>
+              <a:t>Krotki i słowniki</a:t>
             </a:r>
           </a:p>
         </p:txBody>
@@ -15021,7 +14515,7 @@
               <a:buNone/>
             </a:pPr>
             <a:r>
-              <a:rPr lang="en-US" sz="3600" u="none" strike="noStrike" cap="none" dirty="0">
+              <a:rPr lang="pl" sz="3600" b="0" i="0" u="none" strike="noStrike" cap="none" baseline="0">
                 <a:solidFill>
                   <a:schemeClr val="lt1"/>
                 </a:solidFill>
@@ -15030,10 +14524,10 @@
                 <a:cs typeface="Arial" charset="0"/>
                 <a:sym typeface="Cabin"/>
               </a:rPr>
-              <a:t>The </a:t>
-            </a:r>
-            <a:r>
-              <a:rPr lang="en-US" sz="3600" u="none" strike="noStrike" cap="none" dirty="0">
+              <a:t>Metoda </a:t>
+            </a:r>
+            <a:r>
+              <a:rPr lang="pl" sz="3600" b="0" i="0" u="none" strike="noStrike" cap="none" baseline="0">
                 <a:solidFill>
                   <a:srgbClr val="FF00FF"/>
                 </a:solidFill>
@@ -15045,7 +14539,7 @@
               <a:t>items</a:t>
             </a:r>
             <a:r>
-              <a:rPr lang="en-US" sz="3600" u="none" strike="noStrike" cap="none" dirty="0">
+              <a:rPr lang="pl" sz="3600" b="0" i="0" u="none" strike="noStrike" cap="none" baseline="0">
                 <a:solidFill>
                   <a:schemeClr val="lt1"/>
                 </a:solidFill>
@@ -15054,10 +14548,10 @@
                 <a:cs typeface="Arial" charset="0"/>
                 <a:sym typeface="Cabin"/>
               </a:rPr>
-              <a:t>() method in dictionaries returns a list of (key, value) </a:t>
-            </a:r>
-            <a:r>
-              <a:rPr lang="en-US" sz="3600" u="none" strike="noStrike" cap="none" dirty="0">
+              <a:t>() w przypadku słownika zwraca listę par (klucz, wartość), czyli </a:t>
+            </a:r>
+            <a:r>
+              <a:rPr lang="pl" sz="3600" b="0" i="0" u="none" strike="noStrike" cap="none" baseline="0">
                 <a:solidFill>
                   <a:srgbClr val="FF7F00"/>
                 </a:solidFill>
@@ -15066,7 +14560,7 @@
                 <a:cs typeface="Arial" charset="0"/>
                 <a:sym typeface="Cabin"/>
               </a:rPr>
-              <a:t>tuples</a:t>
+              <a:t>krotek</a:t>
             </a:r>
           </a:p>
         </p:txBody>
@@ -15114,40 +14608,16 @@
               <a:buNone/>
             </a:pPr>
             <a:r>
-              <a:rPr lang="en-US" sz="3200" i="0" u="none" strike="noStrike" cap="none" dirty="0">
-                <a:solidFill>
-                  <a:schemeClr val="lt1"/>
-                </a:solidFill>
-                <a:latin typeface="Courier"/>
-                <a:ea typeface="Courier New"/>
-                <a:cs typeface="Courier"/>
-                <a:sym typeface="Courier New"/>
-              </a:rPr>
-              <a:t>&gt;&gt;&gt; d = </a:t>
-            </a:r>
-            <a:r>
-              <a:rPr lang="en-US" sz="3200" i="0" u="none" strike="noStrike" cap="none" dirty="0" err="1">
-                <a:solidFill>
-                  <a:schemeClr val="lt1"/>
-                </a:solidFill>
-                <a:latin typeface="Courier"/>
-                <a:ea typeface="Courier New"/>
-                <a:cs typeface="Courier"/>
-                <a:sym typeface="Courier New"/>
-              </a:rPr>
-              <a:t>dict</a:t>
-            </a:r>
-            <a:r>
-              <a:rPr lang="en-US" sz="3200" i="0" u="none" strike="noStrike" cap="none" dirty="0">
-                <a:solidFill>
-                  <a:schemeClr val="lt1"/>
-                </a:solidFill>
-                <a:latin typeface="Courier"/>
-                <a:ea typeface="Courier New"/>
-                <a:cs typeface="Courier"/>
-                <a:sym typeface="Courier New"/>
-              </a:rPr>
-              <a:t>()</a:t>
+              <a:rPr lang="pl" sz="3200" b="0" i="0" u="none" strike="noStrike" cap="none" baseline="0">
+                <a:solidFill>
+                  <a:schemeClr val="lt1"/>
+                </a:solidFill>
+                <a:latin typeface="Courier"/>
+                <a:ea typeface="Courier New"/>
+                <a:cs typeface="Courier"/>
+                <a:sym typeface="Courier New"/>
+              </a:rPr>
+              <a:t>&gt;&gt;&gt; d = dict()</a:t>
             </a:r>
           </a:p>
           <a:p>
@@ -15169,7 +14639,7 @@
               <a:buNone/>
             </a:pPr>
             <a:r>
-              <a:rPr lang="en-US" sz="3200" i="0" u="none" strike="noStrike" cap="none" dirty="0">
+              <a:rPr lang="pl" sz="3200" b="0" i="0" u="none" strike="noStrike" cap="none" baseline="0">
                 <a:solidFill>
                   <a:schemeClr val="lt1"/>
                 </a:solidFill>
@@ -15181,7 +14651,7 @@
               <a:t>&gt;&gt;&gt; </a:t>
             </a:r>
             <a:r>
-              <a:rPr lang="en-US" sz="3200" i="0" u="none" strike="noStrike" cap="none" dirty="0">
+              <a:rPr lang="pl" sz="3200" b="0" i="0" u="none" strike="noStrike" cap="none" baseline="0">
                 <a:solidFill>
                   <a:srgbClr val="00FF00"/>
                 </a:solidFill>
@@ -15193,7 +14663,7 @@
               <a:t>d</a:t>
             </a:r>
             <a:r>
-              <a:rPr lang="en-US" sz="3200" i="0" u="none" strike="noStrike" cap="none" dirty="0">
+              <a:rPr lang="pl" sz="3200" b="0" i="0" u="none" strike="noStrike" cap="none" baseline="0">
                 <a:solidFill>
                   <a:srgbClr val="00FFFF"/>
                 </a:solidFill>
@@ -15202,34 +14672,10 @@
                 <a:cs typeface="Courier"/>
                 <a:sym typeface="Courier New"/>
               </a:rPr>
-              <a:t>['</a:t>
-            </a:r>
-            <a:r>
-              <a:rPr lang="en-US" sz="3200" i="0" u="none" strike="noStrike" cap="none" dirty="0" err="1">
-                <a:solidFill>
-                  <a:srgbClr val="00FFFF"/>
-                </a:solidFill>
-                <a:latin typeface="Courier"/>
-                <a:ea typeface="Courier New"/>
-                <a:cs typeface="Courier"/>
-                <a:sym typeface="Courier New"/>
-              </a:rPr>
-              <a:t>csev</a:t>
-            </a:r>
-            <a:r>
-              <a:rPr lang="en-US" sz="3200" i="0" u="none" strike="noStrike" cap="none" dirty="0">
-                <a:solidFill>
-                  <a:srgbClr val="00FFFF"/>
-                </a:solidFill>
-                <a:latin typeface="Courier"/>
-                <a:ea typeface="Courier New"/>
-                <a:cs typeface="Courier"/>
-                <a:sym typeface="Courier New"/>
-              </a:rPr>
-              <a:t>']</a:t>
-            </a:r>
-            <a:r>
-              <a:rPr lang="en-US" sz="3200" i="0" u="none" strike="noStrike" cap="none" dirty="0">
+              <a:t>['csev']</a:t>
+            </a:r>
+            <a:r>
+              <a:rPr lang="pl" sz="3200" b="0" i="0" u="none" strike="noStrike" cap="none" baseline="0">
                 <a:solidFill>
                   <a:schemeClr val="lt1"/>
                 </a:solidFill>
@@ -15260,7 +14706,7 @@
               <a:buNone/>
             </a:pPr>
             <a:r>
-              <a:rPr lang="en-US" sz="3200" i="0" u="none" strike="noStrike" cap="none" dirty="0">
+              <a:rPr lang="pl" sz="3200" b="0" i="0" u="none" strike="noStrike" cap="none" baseline="0">
                 <a:solidFill>
                   <a:schemeClr val="lt1"/>
                 </a:solidFill>
@@ -15272,7 +14718,7 @@
               <a:t>&gt;&gt;&gt; </a:t>
             </a:r>
             <a:r>
-              <a:rPr lang="en-US" sz="3200" i="0" u="none" strike="noStrike" cap="none" dirty="0">
+              <a:rPr lang="pl" sz="3200" b="0" i="0" u="none" strike="noStrike" cap="none" baseline="0">
                 <a:solidFill>
                   <a:srgbClr val="00FF00"/>
                 </a:solidFill>
@@ -15284,7 +14730,7 @@
               <a:t>d</a:t>
             </a:r>
             <a:r>
-              <a:rPr lang="en-US" sz="3200" i="0" u="none" strike="noStrike" cap="none" dirty="0">
+              <a:rPr lang="pl" sz="3200" b="0" i="0" u="none" strike="noStrike" cap="none" baseline="0">
                 <a:solidFill>
                   <a:srgbClr val="00FFFF"/>
                 </a:solidFill>
@@ -15293,34 +14739,10 @@
                 <a:cs typeface="Courier"/>
                 <a:sym typeface="Courier New"/>
               </a:rPr>
-              <a:t>['</a:t>
-            </a:r>
-            <a:r>
-              <a:rPr lang="en-US" sz="3200" i="0" u="none" strike="noStrike" cap="none" dirty="0" err="1">
-                <a:solidFill>
-                  <a:srgbClr val="00FFFF"/>
-                </a:solidFill>
-                <a:latin typeface="Courier"/>
-                <a:ea typeface="Courier New"/>
-                <a:cs typeface="Courier"/>
-                <a:sym typeface="Courier New"/>
-              </a:rPr>
-              <a:t>cwen</a:t>
-            </a:r>
-            <a:r>
-              <a:rPr lang="en-US" sz="3200" i="0" u="none" strike="noStrike" cap="none" dirty="0">
-                <a:solidFill>
-                  <a:srgbClr val="00FFFF"/>
-                </a:solidFill>
-                <a:latin typeface="Courier"/>
-                <a:ea typeface="Courier New"/>
-                <a:cs typeface="Courier"/>
-                <a:sym typeface="Courier New"/>
-              </a:rPr>
-              <a:t>']</a:t>
-            </a:r>
-            <a:r>
-              <a:rPr lang="en-US" sz="3200" i="0" u="none" strike="noStrike" cap="none" dirty="0">
+              <a:t>['cwen']</a:t>
+            </a:r>
+            <a:r>
+              <a:rPr lang="pl" sz="3200" b="0" i="0" u="none" strike="noStrike" cap="none" baseline="0">
                 <a:solidFill>
                   <a:schemeClr val="lt1"/>
                 </a:solidFill>
@@ -15351,7 +14773,7 @@
               <a:buNone/>
             </a:pPr>
             <a:r>
-              <a:rPr lang="en-US" sz="3200" i="0" u="none" strike="noStrike" cap="none" dirty="0">
+              <a:rPr lang="pl" sz="3200" b="0" i="0" u="none" strike="noStrike" cap="none" baseline="0">
                 <a:solidFill>
                   <a:schemeClr val="lt1"/>
                 </a:solidFill>
@@ -15363,7 +14785,7 @@
               <a:t>&gt;&gt;&gt; </a:t>
             </a:r>
             <a:r>
-              <a:rPr lang="en-US" sz="3200" i="0" u="none" strike="noStrike" cap="none" dirty="0">
+              <a:rPr lang="pl" sz="3200" b="0" i="0" u="none" strike="noStrike" cap="none" baseline="0">
                 <a:solidFill>
                   <a:srgbClr val="FFFF00"/>
                 </a:solidFill>
@@ -15375,7 +14797,7 @@
               <a:t>for</a:t>
             </a:r>
             <a:r>
-              <a:rPr lang="en-US" sz="3200" i="0" u="none" strike="noStrike" cap="none" dirty="0">
+              <a:rPr lang="pl" sz="3200" b="0" i="0" u="none" strike="noStrike" cap="none" baseline="0">
                 <a:solidFill>
                   <a:schemeClr val="lt1"/>
                 </a:solidFill>
@@ -15387,7 +14809,7 @@
               <a:t> </a:t>
             </a:r>
             <a:r>
-              <a:rPr lang="en-US" sz="3200" i="0" u="none" strike="noStrike" cap="none" dirty="0">
+              <a:rPr lang="pl" sz="3200" b="0" i="0" u="none" strike="noStrike" cap="none" baseline="0">
                 <a:solidFill>
                   <a:srgbClr val="FF7F00"/>
                 </a:solidFill>
@@ -15396,24 +14818,128 @@
                 <a:cs typeface="Courier"/>
                 <a:sym typeface="Courier New"/>
               </a:rPr>
-              <a:t>(</a:t>
-            </a:r>
-            <a:r>
-              <a:rPr lang="en-US" sz="3200" i="0" u="none" strike="noStrike" cap="none" dirty="0" err="1">
-                <a:solidFill>
-                  <a:srgbClr val="FF7F00"/>
-                </a:solidFill>
-                <a:latin typeface="Courier"/>
-                <a:ea typeface="Courier New"/>
-                <a:cs typeface="Courier"/>
-                <a:sym typeface="Courier New"/>
-              </a:rPr>
-              <a:t>k,v</a:t>
-            </a:r>
-            <a:r>
-              <a:rPr lang="en-US" sz="3200" i="0" u="none" strike="noStrike" cap="none" dirty="0">
-                <a:solidFill>
-                  <a:srgbClr val="FF7F00"/>
+              <a:t>(k,v)</a:t>
+            </a:r>
+            <a:r>
+              <a:rPr lang="pl" sz="3200" b="0" i="0" u="none" strike="noStrike" cap="none" baseline="0">
+                <a:solidFill>
+                  <a:schemeClr val="lt1"/>
+                </a:solidFill>
+                <a:latin typeface="Courier"/>
+                <a:ea typeface="Courier New"/>
+                <a:cs typeface="Courier"/>
+                <a:sym typeface="Courier New"/>
+              </a:rPr>
+              <a:t> in </a:t>
+            </a:r>
+            <a:r>
+              <a:rPr lang="pl" sz="3200" b="0" i="0" u="none" strike="noStrike" cap="none" baseline="0">
+                <a:solidFill>
+                  <a:srgbClr val="00FF00"/>
+                </a:solidFill>
+                <a:latin typeface="Courier"/>
+                <a:ea typeface="Courier New"/>
+                <a:cs typeface="Courier"/>
+                <a:sym typeface="Courier New"/>
+              </a:rPr>
+              <a:t>d</a:t>
+            </a:r>
+            <a:r>
+              <a:rPr lang="pl" sz="3200" b="0" i="0" u="none" strike="noStrike" cap="none" baseline="0">
+                <a:solidFill>
+                  <a:srgbClr val="FF00FF"/>
+                </a:solidFill>
+                <a:latin typeface="Courier"/>
+                <a:ea typeface="Courier New"/>
+                <a:cs typeface="Courier"/>
+                <a:sym typeface="Courier New"/>
+              </a:rPr>
+              <a:t>.items</a:t>
+            </a:r>
+            <a:r>
+              <a:rPr lang="pl" sz="3200" b="0" i="0" u="none" strike="noStrike" cap="none" baseline="0">
+                <a:solidFill>
+                  <a:schemeClr val="lt1"/>
+                </a:solidFill>
+                <a:latin typeface="Courier"/>
+                <a:ea typeface="Courier New"/>
+                <a:cs typeface="Courier"/>
+                <a:sym typeface="Courier New"/>
+              </a:rPr>
+              <a:t>(): </a:t>
+            </a:r>
+          </a:p>
+          <a:p>
+            <a:pPr lvl="0" algn="l" rtl="0">
+              <a:buClr>
+                <a:schemeClr val="lt1"/>
+              </a:buClr>
+              <a:buSzPct val="25000"/>
+            </a:pPr>
+            <a:r>
+              <a:rPr lang="pl" sz="3200" b="0" i="0" u="none" strike="noStrike" cap="none" baseline="0">
+                <a:solidFill>
+                  <a:schemeClr val="lt1"/>
+                </a:solidFill>
+                <a:latin typeface="Courier"/>
+                <a:ea typeface="Courier New"/>
+                <a:cs typeface="Courier"/>
+                <a:sym typeface="Courier New"/>
+              </a:rPr>
+              <a:t>...     </a:t>
+            </a:r>
+            <a:r>
+              <a:rPr lang="pl" sz="3200" b="0" i="0" u="none" strike="noStrike" cap="none" baseline="0">
+                <a:solidFill>
+                  <a:srgbClr val="FFFF00"/>
+                </a:solidFill>
+                <a:latin typeface="Courier"/>
+                <a:ea typeface="Courier New"/>
+                <a:cs typeface="Courier"/>
+                <a:sym typeface="Courier New"/>
+              </a:rPr>
+              <a:t>print(</a:t>
+            </a:r>
+            <a:r>
+              <a:rPr lang="pl" sz="3200" b="0" i="0" u="none" strike="noStrike" cap="none" baseline="0">
+                <a:solidFill>
+                  <a:srgbClr val="00FF00"/>
+                </a:solidFill>
+                <a:latin typeface="Courier"/>
+                <a:ea typeface="Courier New"/>
+                <a:cs typeface="Courier"/>
+                <a:sym typeface="Courier New"/>
+              </a:rPr>
+              <a:t>k</a:t>
+            </a:r>
+            <a:r>
+              <a:rPr lang="pl" sz="3200" b="0" i="0" u="none" strike="noStrike" cap="none" baseline="0">
+                <a:solidFill>
+                  <a:schemeClr val="lt1"/>
+                </a:solidFill>
+                <a:latin typeface="Courier"/>
+                <a:ea typeface="Courier New"/>
+                <a:cs typeface="Courier"/>
+                <a:sym typeface="Courier New"/>
+              </a:rPr>
+              <a:t>, </a:t>
+            </a:r>
+            <a:r>
+              <a:rPr lang="pl" sz="3200" b="0" i="0" u="none" strike="noStrike" cap="none" baseline="0">
+                <a:solidFill>
+                  <a:srgbClr val="00FF00"/>
+                </a:solidFill>
+                <a:latin typeface="Courier"/>
+                <a:ea typeface="Courier New"/>
+                <a:cs typeface="Courier"/>
+                <a:sym typeface="Courier New"/>
+              </a:rPr>
+              <a:t>v</a:t>
+            </a:r>
+            <a:r>
+              <a:rPr lang="pl" sz="3200" b="0" i="0" u="none" baseline="0">
+                <a:solidFill>
+                  <a:srgbClr val="FFFF00"/>
                 </a:solidFill>
                 <a:latin typeface="Courier"/>
                 <a:ea typeface="Courier New"/>
@@ -15422,135 +14948,7 @@
               </a:rPr>
               <a:t>)</a:t>
             </a:r>
-            <a:r>
-              <a:rPr lang="en-US" sz="3200" i="0" u="none" strike="noStrike" cap="none" dirty="0">
-                <a:solidFill>
-                  <a:schemeClr val="lt1"/>
-                </a:solidFill>
-                <a:latin typeface="Courier"/>
-                <a:ea typeface="Courier New"/>
-                <a:cs typeface="Courier"/>
-                <a:sym typeface="Courier New"/>
-              </a:rPr>
-              <a:t> in </a:t>
-            </a:r>
-            <a:r>
-              <a:rPr lang="en-US" sz="3200" i="0" u="none" strike="noStrike" cap="none" dirty="0" err="1">
-                <a:solidFill>
-                  <a:srgbClr val="00FF00"/>
-                </a:solidFill>
-                <a:latin typeface="Courier"/>
-                <a:ea typeface="Courier New"/>
-                <a:cs typeface="Courier"/>
-                <a:sym typeface="Courier New"/>
-              </a:rPr>
-              <a:t>d</a:t>
-            </a:r>
-            <a:r>
-              <a:rPr lang="en-US" sz="3200" i="0" u="none" strike="noStrike" cap="none" dirty="0" err="1">
-                <a:solidFill>
-                  <a:srgbClr val="FF00FF"/>
-                </a:solidFill>
-                <a:latin typeface="Courier"/>
-                <a:ea typeface="Courier New"/>
-                <a:cs typeface="Courier"/>
-                <a:sym typeface="Courier New"/>
-              </a:rPr>
-              <a:t>.items</a:t>
-            </a:r>
-            <a:r>
-              <a:rPr lang="en-US" sz="3200" i="0" u="none" strike="noStrike" cap="none" dirty="0">
-                <a:solidFill>
-                  <a:schemeClr val="lt1"/>
-                </a:solidFill>
-                <a:latin typeface="Courier"/>
-                <a:ea typeface="Courier New"/>
-                <a:cs typeface="Courier"/>
-                <a:sym typeface="Courier New"/>
-              </a:rPr>
-              <a:t>(): </a:t>
-            </a:r>
-          </a:p>
-          <a:p>
-            <a:pPr lvl="0">
-              <a:buClr>
-                <a:schemeClr val="lt1"/>
-              </a:buClr>
-              <a:buSzPct val="25000"/>
-            </a:pPr>
-            <a:r>
-              <a:rPr lang="en-US" sz="3200" i="0" u="none" strike="noStrike" cap="none" dirty="0">
-                <a:solidFill>
-                  <a:schemeClr val="lt1"/>
-                </a:solidFill>
-                <a:latin typeface="Courier"/>
-                <a:ea typeface="Courier New"/>
-                <a:cs typeface="Courier"/>
-                <a:sym typeface="Courier New"/>
-              </a:rPr>
-              <a:t>...     </a:t>
-            </a:r>
-            <a:r>
-              <a:rPr lang="en-US" sz="3200" i="0" u="none" strike="noStrike" cap="none" dirty="0" smtClean="0">
-                <a:solidFill>
-                  <a:srgbClr val="FFFF00"/>
-                </a:solidFill>
-                <a:latin typeface="Courier"/>
-                <a:ea typeface="Courier New"/>
-                <a:cs typeface="Courier"/>
-                <a:sym typeface="Courier New"/>
-              </a:rPr>
-              <a:t>print(</a:t>
-            </a:r>
-            <a:r>
-              <a:rPr lang="en-US" sz="3200" i="0" u="none" strike="noStrike" cap="none" dirty="0" smtClean="0">
-                <a:solidFill>
-                  <a:srgbClr val="00FF00"/>
-                </a:solidFill>
-                <a:latin typeface="Courier"/>
-                <a:ea typeface="Courier New"/>
-                <a:cs typeface="Courier"/>
-                <a:sym typeface="Courier New"/>
-              </a:rPr>
-              <a:t>k</a:t>
-            </a:r>
-            <a:r>
-              <a:rPr lang="en-US" sz="3200" i="0" u="none" strike="noStrike" cap="none" dirty="0">
-                <a:solidFill>
-                  <a:schemeClr val="lt1"/>
-                </a:solidFill>
-                <a:latin typeface="Courier"/>
-                <a:ea typeface="Courier New"/>
-                <a:cs typeface="Courier"/>
-                <a:sym typeface="Courier New"/>
-              </a:rPr>
-              <a:t>, </a:t>
-            </a:r>
-            <a:r>
-              <a:rPr lang="en-US" sz="3200" i="0" u="none" strike="noStrike" cap="none" dirty="0" smtClean="0">
-                <a:solidFill>
-                  <a:srgbClr val="00FF00"/>
-                </a:solidFill>
-                <a:latin typeface="Courier"/>
-                <a:ea typeface="Courier New"/>
-                <a:cs typeface="Courier"/>
-                <a:sym typeface="Courier New"/>
-              </a:rPr>
-              <a:t>v</a:t>
-            </a:r>
-            <a:r>
-              <a:rPr lang="en-US" sz="3200" dirty="0" smtClean="0">
-                <a:solidFill>
-                  <a:srgbClr val="FFFF00"/>
-                </a:solidFill>
-                <a:latin typeface="Courier"/>
-                <a:ea typeface="Courier New"/>
-                <a:cs typeface="Courier"/>
-                <a:sym typeface="Courier New"/>
-              </a:rPr>
-              <a:t>)</a:t>
-            </a:r>
-            <a:endParaRPr lang="en-US" sz="3200" i="0" u="none" strike="noStrike" cap="none" dirty="0">
+            <a:endParaRPr lang="pl" sz="3200" i="0" u="none" strike="noStrike" cap="none" dirty="0">
               <a:solidFill>
                 <a:srgbClr val="00FF00"/>
               </a:solidFill>
@@ -15579,7 +14977,7 @@
               <a:buNone/>
             </a:pPr>
             <a:r>
-              <a:rPr lang="en-US" sz="3200" i="0" u="none" strike="noStrike" cap="none" dirty="0">
+              <a:rPr lang="pl" sz="3200" b="0" i="0" u="none" strike="noStrike" cap="none" baseline="0">
                 <a:solidFill>
                   <a:schemeClr val="lt1"/>
                 </a:solidFill>
@@ -15610,28 +15008,16 @@
               <a:buNone/>
             </a:pPr>
             <a:r>
-              <a:rPr lang="en-US" sz="3200" i="0" u="none" strike="noStrike" cap="none" dirty="0" err="1">
-                <a:solidFill>
-                  <a:schemeClr val="lt1"/>
-                </a:solidFill>
-                <a:latin typeface="Courier"/>
-                <a:ea typeface="Courier New"/>
-                <a:cs typeface="Courier"/>
-                <a:sym typeface="Courier New"/>
-              </a:rPr>
-              <a:t>csev</a:t>
-            </a:r>
-            <a:r>
-              <a:rPr lang="en-US" sz="3200" i="0" u="none" strike="noStrike" cap="none" dirty="0">
-                <a:solidFill>
-                  <a:schemeClr val="lt1"/>
-                </a:solidFill>
-                <a:latin typeface="Courier"/>
-                <a:ea typeface="Courier New"/>
-                <a:cs typeface="Courier"/>
-                <a:sym typeface="Courier New"/>
-              </a:rPr>
-              <a:t> 2</a:t>
+              <a:rPr lang="pl" sz="3200" b="0" i="0" u="none" strike="noStrike" cap="none" baseline="0">
+                <a:solidFill>
+                  <a:schemeClr val="lt1"/>
+                </a:solidFill>
+                <a:latin typeface="Courier"/>
+                <a:ea typeface="Courier New"/>
+                <a:cs typeface="Courier"/>
+                <a:sym typeface="Courier New"/>
+              </a:rPr>
+              <a:t>csev 2</a:t>
             </a:r>
           </a:p>
           <a:p>
@@ -15653,28 +15039,16 @@
               <a:buNone/>
             </a:pPr>
             <a:r>
-              <a:rPr lang="en-US" sz="3200" i="0" u="none" strike="noStrike" cap="none" dirty="0" err="1">
-                <a:solidFill>
-                  <a:schemeClr val="lt1"/>
-                </a:solidFill>
-                <a:latin typeface="Courier"/>
-                <a:ea typeface="Courier New"/>
-                <a:cs typeface="Courier"/>
-                <a:sym typeface="Courier New"/>
-              </a:rPr>
-              <a:t>cwen</a:t>
-            </a:r>
-            <a:r>
-              <a:rPr lang="en-US" sz="3200" i="0" u="none" strike="noStrike" cap="none" dirty="0">
-                <a:solidFill>
-                  <a:schemeClr val="lt1"/>
-                </a:solidFill>
-                <a:latin typeface="Courier"/>
-                <a:ea typeface="Courier New"/>
-                <a:cs typeface="Courier"/>
-                <a:sym typeface="Courier New"/>
-              </a:rPr>
-              <a:t> 4</a:t>
+              <a:rPr lang="pl" sz="3200" b="0" i="0" u="none" strike="noStrike" cap="none" baseline="0">
+                <a:solidFill>
+                  <a:schemeClr val="lt1"/>
+                </a:solidFill>
+                <a:latin typeface="Courier"/>
+                <a:ea typeface="Courier New"/>
+                <a:cs typeface="Courier"/>
+                <a:sym typeface="Courier New"/>
+              </a:rPr>
+              <a:t>cwen 4</a:t>
             </a:r>
           </a:p>
           <a:p>
@@ -15696,7 +15070,7 @@
               <a:buNone/>
             </a:pPr>
             <a:r>
-              <a:rPr lang="en-US" sz="3200" i="0" u="none" strike="noStrike" cap="none" dirty="0">
+              <a:rPr lang="pl" sz="3200" b="0" i="0" u="none" strike="noStrike" cap="none" baseline="0">
                 <a:solidFill>
                   <a:schemeClr val="lt1"/>
                 </a:solidFill>
@@ -15708,7 +15082,7 @@
               <a:t>&gt;&gt;&gt; </a:t>
             </a:r>
             <a:r>
-              <a:rPr lang="en-US" sz="3200" i="0" u="none" strike="noStrike" cap="none" dirty="0" err="1">
+              <a:rPr lang="pl" sz="3200" b="0" i="0" u="none" strike="noStrike" cap="none" baseline="0">
                 <a:solidFill>
                   <a:srgbClr val="00FF00"/>
                 </a:solidFill>
@@ -15720,7 +15094,7 @@
               <a:t>tups</a:t>
             </a:r>
             <a:r>
-              <a:rPr lang="en-US" sz="3200" i="0" u="none" strike="noStrike" cap="none" dirty="0">
+              <a:rPr lang="pl" sz="3200" b="0" i="0" u="none" strike="noStrike" cap="none" baseline="0">
                 <a:solidFill>
                   <a:schemeClr val="lt1"/>
                 </a:solidFill>
@@ -15732,7 +15106,7 @@
               <a:t> = </a:t>
             </a:r>
             <a:r>
-              <a:rPr lang="en-US" sz="3200" i="0" u="none" strike="noStrike" cap="none" dirty="0" err="1">
+              <a:rPr lang="pl" sz="3200" b="0" i="0" u="none" strike="noStrike" cap="none" baseline="0">
                 <a:solidFill>
                   <a:srgbClr val="00FF00"/>
                 </a:solidFill>
@@ -15744,7 +15118,7 @@
               <a:t>d</a:t>
             </a:r>
             <a:r>
-              <a:rPr lang="en-US" sz="3200" i="0" u="none" strike="noStrike" cap="none" dirty="0" err="1">
+              <a:rPr lang="pl" sz="3200" b="0" i="0" u="none" strike="noStrike" cap="none" baseline="0">
                 <a:solidFill>
                   <a:srgbClr val="FF00FF"/>
                 </a:solidFill>
@@ -15756,7 +15130,7 @@
               <a:t>.items</a:t>
             </a:r>
             <a:r>
-              <a:rPr lang="en-US" sz="3200" i="0" u="none" strike="noStrike" cap="none" dirty="0">
+              <a:rPr lang="pl" sz="3200" b="0" i="0" u="none" strike="noStrike" cap="none" baseline="0">
                 <a:solidFill>
                   <a:schemeClr val="lt1"/>
                 </a:solidFill>
@@ -15769,14 +15143,14 @@
             </a:r>
           </a:p>
           <a:p>
-            <a:pPr lvl="0">
+            <a:pPr lvl="0" algn="l" rtl="0">
               <a:buClr>
                 <a:schemeClr val="lt1"/>
               </a:buClr>
               <a:buSzPct val="25000"/>
             </a:pPr>
             <a:r>
-              <a:rPr lang="en-US" sz="3200" i="0" u="none" strike="noStrike" cap="none" dirty="0">
+              <a:rPr lang="pl" sz="3200" b="0" i="0" u="none" strike="noStrike" cap="none" baseline="0">
                 <a:solidFill>
                   <a:schemeClr val="lt1"/>
                 </a:solidFill>
@@ -15788,7 +15162,7 @@
               <a:t>&gt;&gt;&gt; </a:t>
             </a:r>
             <a:r>
-              <a:rPr lang="en-US" sz="3200" i="0" u="none" strike="noStrike" cap="none" dirty="0" smtClean="0">
+              <a:rPr lang="pl" sz="3200" b="0" i="0" u="none" strike="noStrike" cap="none" baseline="0">
                 <a:solidFill>
                   <a:srgbClr val="FFFF00"/>
                 </a:solidFill>
@@ -15800,7 +15174,7 @@
               <a:t>print(</a:t>
             </a:r>
             <a:r>
-              <a:rPr lang="en-US" sz="3200" i="0" u="none" strike="noStrike" cap="none" dirty="0" err="1" smtClean="0">
+              <a:rPr lang="pl" sz="3200" b="0" i="0" u="none" strike="noStrike" cap="none" baseline="0">
                 <a:solidFill>
                   <a:srgbClr val="00FF00"/>
                 </a:solidFill>
@@ -15812,7 +15186,7 @@
               <a:t>tups</a:t>
             </a:r>
             <a:r>
-              <a:rPr lang="en-US" sz="3200" dirty="0" smtClean="0">
+              <a:rPr lang="pl" sz="3200" b="0" i="0" u="none" baseline="0">
                 <a:solidFill>
                   <a:srgbClr val="FFFF00"/>
                 </a:solidFill>
@@ -15823,7 +15197,7 @@
               </a:rPr>
               <a:t>)</a:t>
             </a:r>
-            <a:endParaRPr lang="en-US" sz="3200" i="0" u="none" strike="noStrike" cap="none" dirty="0">
+            <a:endParaRPr lang="pl" sz="3200" i="0" u="none" strike="noStrike" cap="none" dirty="0">
               <a:solidFill>
                 <a:srgbClr val="00FF00"/>
               </a:solidFill>
@@ -15852,31 +15226,19 @@
               <a:buNone/>
             </a:pPr>
             <a:r>
-              <a:rPr lang="en-US" sz="3200" i="0" u="none" strike="noStrike" cap="none" dirty="0" err="1" smtClean="0">
-                <a:solidFill>
-                  <a:schemeClr val="lt1"/>
-                </a:solidFill>
-                <a:latin typeface="Courier"/>
-                <a:ea typeface="Courier New"/>
-                <a:cs typeface="Courier"/>
-                <a:sym typeface="Courier New"/>
-              </a:rPr>
-              <a:t>dict_items</a:t>
-            </a:r>
-            <a:r>
-              <a:rPr lang="en-US" sz="3200" i="0" u="none" strike="noStrike" cap="none" dirty="0" smtClean="0">
-                <a:solidFill>
-                  <a:schemeClr val="lt1"/>
-                </a:solidFill>
-                <a:latin typeface="Courier"/>
-                <a:ea typeface="Courier New"/>
-                <a:cs typeface="Courier"/>
-                <a:sym typeface="Courier New"/>
-              </a:rPr>
-              <a:t>([</a:t>
-            </a:r>
-            <a:r>
-              <a:rPr lang="en-US" sz="3200" i="0" u="none" strike="noStrike" cap="none" dirty="0" smtClean="0">
+              <a:rPr lang="pl" sz="3200" b="0" i="0" u="none" strike="noStrike" cap="none" baseline="0">
+                <a:solidFill>
+                  <a:schemeClr val="lt1"/>
+                </a:solidFill>
+                <a:latin typeface="Courier"/>
+                <a:ea typeface="Courier New"/>
+                <a:cs typeface="Courier"/>
+                <a:sym typeface="Courier New"/>
+              </a:rPr>
+              <a:t>dict_items([</a:t>
+            </a:r>
+            <a:r>
+              <a:rPr lang="pl" sz="3200" b="0" i="0" u="none" strike="noStrike" cap="none" baseline="0">
                 <a:solidFill>
                   <a:srgbClr val="FF7F00"/>
                 </a:solidFill>
@@ -15885,10 +15247,22 @@
                 <a:cs typeface="Courier"/>
                 <a:sym typeface="Courier New"/>
               </a:rPr>
-              <a:t>(</a:t>
-            </a:r>
-            <a:r>
-              <a:rPr lang="en-US" sz="3200" i="0" u="none" strike="noStrike" cap="none" dirty="0">
+              <a:t>('csev', 2)</a:t>
+            </a:r>
+            <a:r>
+              <a:rPr lang="pl" sz="3200" b="0" i="0" u="none" strike="noStrike" cap="none" baseline="0">
+                <a:solidFill>
+                  <a:schemeClr val="lt1"/>
+                </a:solidFill>
+                <a:latin typeface="Courier"/>
+                <a:ea typeface="Courier New"/>
+                <a:cs typeface="Courier"/>
+                <a:sym typeface="Courier New"/>
+              </a:rPr>
+              <a:t>, </a:t>
+            </a:r>
+            <a:r>
+              <a:rPr lang="pl" sz="3200" b="0" i="0" u="none" strike="noStrike" cap="none" baseline="0">
                 <a:solidFill>
                   <a:srgbClr val="FF7F00"/>
                 </a:solidFill>
@@ -15897,94 +15271,10 @@
                 <a:cs typeface="Courier"/>
                 <a:sym typeface="Courier New"/>
               </a:rPr>
-              <a:t>'</a:t>
-            </a:r>
-            <a:r>
-              <a:rPr lang="en-US" sz="3200" i="0" u="none" strike="noStrike" cap="none" dirty="0" err="1">
-                <a:solidFill>
-                  <a:srgbClr val="FF7F00"/>
-                </a:solidFill>
-                <a:latin typeface="Courier"/>
-                <a:ea typeface="Courier New"/>
-                <a:cs typeface="Courier"/>
-                <a:sym typeface="Courier New"/>
-              </a:rPr>
-              <a:t>csev</a:t>
-            </a:r>
-            <a:r>
-              <a:rPr lang="en-US" sz="3200" i="0" u="none" strike="noStrike" cap="none" dirty="0">
-                <a:solidFill>
-                  <a:srgbClr val="FF7F00"/>
-                </a:solidFill>
-                <a:latin typeface="Courier"/>
-                <a:ea typeface="Courier New"/>
-                <a:cs typeface="Courier"/>
-                <a:sym typeface="Courier New"/>
-              </a:rPr>
-              <a:t>', 2)</a:t>
-            </a:r>
-            <a:r>
-              <a:rPr lang="en-US" sz="3200" i="0" u="none" strike="noStrike" cap="none" dirty="0">
-                <a:solidFill>
-                  <a:schemeClr val="lt1"/>
-                </a:solidFill>
-                <a:latin typeface="Courier"/>
-                <a:ea typeface="Courier New"/>
-                <a:cs typeface="Courier"/>
-                <a:sym typeface="Courier New"/>
-              </a:rPr>
-              <a:t>, </a:t>
-            </a:r>
-            <a:r>
-              <a:rPr lang="en-US" sz="3200" i="0" u="none" strike="noStrike" cap="none" dirty="0">
-                <a:solidFill>
-                  <a:srgbClr val="FF7F00"/>
-                </a:solidFill>
-                <a:latin typeface="Courier"/>
-                <a:ea typeface="Courier New"/>
-                <a:cs typeface="Courier"/>
-                <a:sym typeface="Courier New"/>
-              </a:rPr>
-              <a:t>('</a:t>
-            </a:r>
-            <a:r>
-              <a:rPr lang="en-US" sz="3200" i="0" u="none" strike="noStrike" cap="none" dirty="0" err="1">
-                <a:solidFill>
-                  <a:srgbClr val="FF7F00"/>
-                </a:solidFill>
-                <a:latin typeface="Courier"/>
-                <a:ea typeface="Courier New"/>
-                <a:cs typeface="Courier"/>
-                <a:sym typeface="Courier New"/>
-              </a:rPr>
-              <a:t>cwen</a:t>
-            </a:r>
-            <a:r>
-              <a:rPr lang="en-US" sz="3200" i="0" u="none" strike="noStrike" cap="none" dirty="0">
-                <a:solidFill>
-                  <a:srgbClr val="FF7F00"/>
-                </a:solidFill>
-                <a:latin typeface="Courier"/>
-                <a:ea typeface="Courier New"/>
-                <a:cs typeface="Courier"/>
-                <a:sym typeface="Courier New"/>
-              </a:rPr>
-              <a:t>', 4</a:t>
-            </a:r>
-            <a:r>
-              <a:rPr lang="en-US" sz="3200" i="0" u="none" strike="noStrike" cap="none" dirty="0" smtClean="0">
-                <a:solidFill>
-                  <a:srgbClr val="FF7F00"/>
-                </a:solidFill>
-                <a:latin typeface="Courier"/>
-                <a:ea typeface="Courier New"/>
-                <a:cs typeface="Courier"/>
-                <a:sym typeface="Courier New"/>
-              </a:rPr>
-              <a:t>)</a:t>
-            </a:r>
-            <a:r>
-              <a:rPr lang="en-US" sz="3200" i="0" u="none" strike="noStrike" cap="none" dirty="0" smtClean="0">
+              <a:t>('cwen', 4)</a:t>
+            </a:r>
+            <a:r>
+              <a:rPr lang="pl" sz="3200" b="0" i="0" u="none" strike="noStrike" cap="none" baseline="0">
                 <a:solidFill>
                   <a:schemeClr val="lt1"/>
                 </a:solidFill>
@@ -15995,7 +15285,7 @@
               </a:rPr>
               <a:t>])</a:t>
             </a:r>
-            <a:endParaRPr lang="en-US" sz="3200" i="0" u="none" strike="noStrike" cap="none" dirty="0">
+            <a:endParaRPr lang="pl" sz="3200" i="0" u="none" strike="noStrike" cap="none" dirty="0">
               <a:solidFill>
                 <a:schemeClr val="lt1"/>
               </a:solidFill>
@@ -16012,13 +15302,6 @@
   <p:clrMapOvr>
     <a:masterClrMapping/>
   </p:clrMapOvr>
-  <p:timing>
-    <p:tnLst>
-      <p:par>
-        <p:cTn id="1" dur="indefinite" restart="never" nodeType="tmRoot"/>
-      </p:par>
-    </p:tnLst>
-  </p:timing>
 </p:sld>
 </file>
 
@@ -16082,7 +15365,7 @@
               <a:buNone/>
             </a:pPr>
             <a:r>
-              <a:rPr lang="en-US" sz="7800" u="none" strike="noStrike" cap="none" dirty="0">
+              <a:rPr lang="pl" sz="7800" b="0" i="0" u="none" strike="noStrike" cap="none" baseline="0">
                 <a:solidFill>
                   <a:srgbClr val="FFD966"/>
                 </a:solidFill>
@@ -16091,7 +15374,7 @@
                 <a:cs typeface="Arial" charset="0"/>
                 <a:sym typeface="Cabin"/>
               </a:rPr>
-              <a:t>Tuples are Comparable</a:t>
+              <a:t>Krotki są porównywalne</a:t>
             </a:r>
           </a:p>
         </p:txBody>
@@ -16142,76 +15425,52 @@
               <a:buNone/>
             </a:pPr>
             <a:r>
-              <a:rPr lang="en-US" sz="3800" u="none" strike="noStrike" cap="none">
-                <a:solidFill>
-                  <a:schemeClr val="lt1"/>
+              <a:rPr lang="pl" sz="3800" b="0" i="0" u="none" strike="noStrike" cap="none" baseline="0">
+                <a:solidFill>
+                  <a:srgbClr val="00FFFF"/>
                 </a:solidFill>
                 <a:latin typeface="Arial" charset="0"/>
                 <a:ea typeface="Arial" charset="0"/>
                 <a:cs typeface="Arial" charset="0"/>
                 <a:sym typeface="Cabin"/>
               </a:rPr>
-              <a:t>The comparison </a:t>
-            </a:r>
-            <a:r>
-              <a:rPr lang="en-US" sz="3800" u="none" strike="noStrike" cap="none">
-                <a:solidFill>
-                  <a:srgbClr val="00FFFF"/>
+              <a:t>Operatory</a:t>
+            </a:r>
+            <a:r>
+              <a:rPr lang="pl" sz="3800" b="0" i="0" u="none" strike="noStrike" cap="none" baseline="0">
+                <a:solidFill>
+                  <a:schemeClr val="lt1"/>
                 </a:solidFill>
                 <a:latin typeface="Arial" charset="0"/>
                 <a:ea typeface="Arial" charset="0"/>
                 <a:cs typeface="Arial" charset="0"/>
                 <a:sym typeface="Cabin"/>
               </a:rPr>
-              <a:t>operators</a:t>
-            </a:r>
-            <a:r>
-              <a:rPr lang="en-US" sz="3800" u="none" strike="noStrike" cap="none">
-                <a:solidFill>
-                  <a:schemeClr val="lt1"/>
+              <a:t> porównania działają z </a:t>
+            </a:r>
+            <a:r>
+              <a:rPr lang="pl" sz="3800" b="0" i="0" u="none" strike="noStrike" cap="none" baseline="0">
+                <a:solidFill>
+                  <a:srgbClr val="FF7F00"/>
                 </a:solidFill>
                 <a:latin typeface="Arial" charset="0"/>
                 <a:ea typeface="Arial" charset="0"/>
                 <a:cs typeface="Arial" charset="0"/>
                 <a:sym typeface="Cabin"/>
               </a:rPr>
-              <a:t> work with </a:t>
-            </a:r>
-            <a:r>
-              <a:rPr lang="en-US" sz="3800" u="none" strike="noStrike" cap="none">
-                <a:solidFill>
-                  <a:srgbClr val="FF7F00"/>
+              <a:t>krotkami</a:t>
+            </a:r>
+            <a:r>
+              <a:rPr lang="pl" sz="3800" b="0" i="0" u="none" strike="noStrike" cap="none" baseline="0">
+                <a:solidFill>
+                  <a:schemeClr val="lt1"/>
                 </a:solidFill>
                 <a:latin typeface="Arial" charset="0"/>
                 <a:ea typeface="Arial" charset="0"/>
                 <a:cs typeface="Arial" charset="0"/>
                 <a:sym typeface="Cabin"/>
               </a:rPr>
-              <a:t>tuples</a:t>
-            </a:r>
-            <a:r>
-              <a:rPr lang="en-US" sz="3800" u="none" strike="noStrike" cap="none">
-                <a:solidFill>
-                  <a:schemeClr val="lt1"/>
-                </a:solidFill>
-                <a:latin typeface="Arial" charset="0"/>
-                <a:ea typeface="Arial" charset="0"/>
-                <a:cs typeface="Arial" charset="0"/>
-                <a:sym typeface="Cabin"/>
-              </a:rPr>
-              <a:t> and other sequences. </a:t>
-            </a:r>
-            <a:r>
-              <a:rPr lang="en-US" sz="3800" u="none" strike="noStrike" cap="none" dirty="0">
-                <a:solidFill>
-                  <a:schemeClr val="lt1"/>
-                </a:solidFill>
-                <a:latin typeface="Arial" charset="0"/>
-                <a:ea typeface="Arial" charset="0"/>
-                <a:cs typeface="Arial" charset="0"/>
-                <a:sym typeface="Cabin"/>
-              </a:rPr>
-              <a:t>If the first item is equal, Python goes on to the next element,  and so on, until it finds elements that differ.</a:t>
+              <a:t> i innymi sekwencjami. Jeśli pierwsze elementy są równe, Python przechodzi dalej, aż znajdzie takie elementy, które się różnią.</a:t>
             </a:r>
           </a:p>
         </p:txBody>
@@ -16259,7 +15518,7 @@
               <a:buNone/>
             </a:pPr>
             <a:r>
-              <a:rPr lang="en-US" sz="2800" i="0" u="none" strike="noStrike" cap="none" dirty="0">
+              <a:rPr lang="pl" sz="2800" b="0" i="0" u="none" strike="noStrike" cap="none" baseline="0">
                 <a:solidFill>
                   <a:schemeClr val="lt1"/>
                 </a:solidFill>
@@ -16271,7 +15530,7 @@
               <a:t>&gt;&gt;&gt; </a:t>
             </a:r>
             <a:r>
-              <a:rPr lang="en-US" sz="2800" i="0" u="none" strike="noStrike" cap="none" dirty="0">
+              <a:rPr lang="pl" sz="2800" b="0" i="0" u="none" strike="noStrike" cap="none" baseline="0">
                 <a:solidFill>
                   <a:srgbClr val="FF7F00"/>
                 </a:solidFill>
@@ -16283,7 +15542,7 @@
               <a:t>(0, 1, 2) </a:t>
             </a:r>
             <a:r>
-              <a:rPr lang="en-US" sz="2800" i="0" u="none" strike="noStrike" cap="none" dirty="0">
+              <a:rPr lang="pl" sz="2800" b="0" i="0" u="none" strike="noStrike" cap="none" baseline="0">
                 <a:solidFill>
                   <a:srgbClr val="00FFFF"/>
                 </a:solidFill>
@@ -16295,7 +15554,7 @@
               <a:t>&lt;</a:t>
             </a:r>
             <a:r>
-              <a:rPr lang="en-US" sz="2800" i="0" u="none" strike="noStrike" cap="none" dirty="0">
+              <a:rPr lang="pl" sz="2800" b="0" i="0" u="none" strike="noStrike" cap="none" baseline="0">
                 <a:solidFill>
                   <a:srgbClr val="FF7F00"/>
                 </a:solidFill>
@@ -16326,7 +15585,7 @@
               <a:buNone/>
             </a:pPr>
             <a:r>
-              <a:rPr lang="en-US" sz="2800" i="0" u="none" strike="noStrike" cap="none" dirty="0">
+              <a:rPr lang="pl" sz="2800" b="0" i="0" u="none" strike="noStrike" cap="none" baseline="0">
                 <a:solidFill>
                   <a:schemeClr val="lt1"/>
                 </a:solidFill>
@@ -16357,7 +15616,7 @@
               <a:buNone/>
             </a:pPr>
             <a:r>
-              <a:rPr lang="en-US" sz="2800" i="0" u="none" strike="noStrike" cap="none" dirty="0">
+              <a:rPr lang="pl" sz="2800" b="0" i="0" u="none" strike="noStrike" cap="none" baseline="0">
                 <a:solidFill>
                   <a:schemeClr val="lt1"/>
                 </a:solidFill>
@@ -16369,7 +15628,7 @@
               <a:t>&gt;&gt;&gt; </a:t>
             </a:r>
             <a:r>
-              <a:rPr lang="en-US" sz="2800" i="0" u="none" strike="noStrike" cap="none" dirty="0">
+              <a:rPr lang="pl" sz="2800" b="0" i="0" u="none" strike="noStrike" cap="none" baseline="0">
                 <a:solidFill>
                   <a:srgbClr val="FF7F00"/>
                 </a:solidFill>
@@ -16381,7 +15640,7 @@
               <a:t>(0, 1, 2000000) </a:t>
             </a:r>
             <a:r>
-              <a:rPr lang="en-US" sz="2800" i="0" u="none" strike="noStrike" cap="none" dirty="0">
+              <a:rPr lang="pl" sz="2800" b="0" i="0" u="none" strike="noStrike" cap="none" baseline="0">
                 <a:solidFill>
                   <a:srgbClr val="00FFFF"/>
                 </a:solidFill>
@@ -16393,7 +15652,7 @@
               <a:t>&lt;</a:t>
             </a:r>
             <a:r>
-              <a:rPr lang="en-US" sz="2800" i="0" u="none" strike="noStrike" cap="none" dirty="0">
+              <a:rPr lang="pl" sz="2800" b="0" i="0" u="none" strike="noStrike" cap="none" baseline="0">
                 <a:solidFill>
                   <a:srgbClr val="FF7F00"/>
                 </a:solidFill>
@@ -16424,7 +15683,7 @@
               <a:buNone/>
             </a:pPr>
             <a:r>
-              <a:rPr lang="en-US" sz="2800" i="0" u="none" strike="noStrike" cap="none" dirty="0">
+              <a:rPr lang="pl" sz="2800" b="0" i="0" u="none" strike="noStrike" cap="none" baseline="0">
                 <a:solidFill>
                   <a:schemeClr val="lt1"/>
                 </a:solidFill>
@@ -16455,7 +15714,7 @@
               <a:buNone/>
             </a:pPr>
             <a:r>
-              <a:rPr lang="en-US" sz="2800" i="0" u="none" strike="noStrike" cap="none" dirty="0">
+              <a:rPr lang="pl" sz="2800" b="0" i="0" u="none" strike="noStrike" cap="none" baseline="0">
                 <a:solidFill>
                   <a:schemeClr val="lt1"/>
                 </a:solidFill>
@@ -16467,7 +15726,7 @@
               <a:t>&gt;&gt;&gt; </a:t>
             </a:r>
             <a:r>
-              <a:rPr lang="en-US" sz="2800" i="0" u="none" strike="noStrike" cap="none" dirty="0">
+              <a:rPr lang="pl" sz="2800" b="0" i="0" u="none" strike="noStrike" cap="none" baseline="0">
                 <a:solidFill>
                   <a:srgbClr val="FF7F00"/>
                 </a:solidFill>
@@ -16479,7 +15738,7 @@
               <a:t>( 'Jones', 'Sally' ) </a:t>
             </a:r>
             <a:r>
-              <a:rPr lang="en-US" sz="2800" i="0" u="none" strike="noStrike" cap="none" dirty="0">
+              <a:rPr lang="pl" sz="2800" b="0" i="0" u="none" strike="noStrike" cap="none" baseline="0">
                 <a:solidFill>
                   <a:srgbClr val="00FFFF"/>
                 </a:solidFill>
@@ -16491,7 +15750,7 @@
               <a:t>&lt;</a:t>
             </a:r>
             <a:r>
-              <a:rPr lang="en-US" sz="2800" i="0" u="none" strike="noStrike" cap="none" dirty="0">
+              <a:rPr lang="pl" sz="2800" b="0" i="0" u="none" strike="noStrike" cap="none" baseline="0">
                 <a:solidFill>
                   <a:srgbClr val="FF7F00"/>
                 </a:solidFill>
@@ -16522,7 +15781,7 @@
               <a:buNone/>
             </a:pPr>
             <a:r>
-              <a:rPr lang="en-US" sz="2800" i="0" u="none" strike="noStrike" cap="none" dirty="0">
+              <a:rPr lang="pl" sz="2800" b="0" i="0" u="none" strike="noStrike" cap="none" baseline="0">
                 <a:solidFill>
                   <a:schemeClr val="lt1"/>
                 </a:solidFill>
@@ -16553,7 +15812,7 @@
               <a:buNone/>
             </a:pPr>
             <a:r>
-              <a:rPr lang="en-US" sz="2800" i="0" u="none" strike="noStrike" cap="none" dirty="0">
+              <a:rPr lang="pl" sz="2800" b="0" i="0" u="none" strike="noStrike" cap="none" baseline="0">
                 <a:solidFill>
                   <a:schemeClr val="lt1"/>
                 </a:solidFill>
@@ -16565,7 +15824,7 @@
               <a:t>&gt;&gt;&gt; </a:t>
             </a:r>
             <a:r>
-              <a:rPr lang="en-US" sz="2800" i="0" u="none" strike="noStrike" cap="none" dirty="0">
+              <a:rPr lang="pl" sz="2800" b="0" i="0" u="none" strike="noStrike" cap="none" baseline="0">
                 <a:solidFill>
                   <a:srgbClr val="FF7F00"/>
                 </a:solidFill>
@@ -16577,7 +15836,7 @@
               <a:t>( 'Jones', 'Sally') </a:t>
             </a:r>
             <a:r>
-              <a:rPr lang="en-US" sz="2800" i="0" u="none" strike="noStrike" cap="none" dirty="0">
+              <a:rPr lang="pl" sz="2800" b="0" i="0" u="none" strike="noStrike" cap="none" baseline="0">
                 <a:solidFill>
                   <a:srgbClr val="00FFFF"/>
                 </a:solidFill>
@@ -16589,7 +15848,7 @@
               <a:t>&gt;</a:t>
             </a:r>
             <a:r>
-              <a:rPr lang="en-US" sz="2800" i="0" u="none" strike="noStrike" cap="none" dirty="0">
+              <a:rPr lang="pl" sz="2800" b="0" i="0" u="none" strike="noStrike" cap="none" baseline="0">
                 <a:solidFill>
                   <a:srgbClr val="FF7F00"/>
                 </a:solidFill>
@@ -16620,7 +15879,7 @@
               <a:buNone/>
             </a:pPr>
             <a:r>
-              <a:rPr lang="en-US" sz="2800" i="0" u="none" strike="noStrike" cap="none" dirty="0">
+              <a:rPr lang="pl" sz="2800" b="0" i="0" u="none" strike="noStrike" cap="none" baseline="0">
                 <a:solidFill>
                   <a:schemeClr val="lt1"/>
                 </a:solidFill>
@@ -16639,13 +15898,6 @@
   <p:clrMapOvr>
     <a:masterClrMapping/>
   </p:clrMapOvr>
-  <p:timing>
-    <p:tnLst>
-      <p:par>
-        <p:cTn id="1" dur="indefinite" restart="never" nodeType="tmRoot"/>
-      </p:par>
-    </p:tnLst>
-  </p:timing>
 </p:sld>
 </file>
 

--- a/lectures3/Pythonlearn-10-Tuples.pptx
+++ b/lectures3/Pythonlearn-10-Tuples.pptx
@@ -4858,7 +4858,7 @@
               <a:buNone/>
             </a:pPr>
             <a:r>
-              <a:rPr lang="pl" sz="3200" b="0" i="0" u="none" strike="noStrike" cap="none" baseline="0">
+              <a:rPr lang="pl" sz="3200" b="0" i="0" u="none" strike="noStrike" cap="none" baseline="0" dirty="0">
                 <a:solidFill>
                   <a:srgbClr val="FFFF00"/>
                 </a:solidFill>
@@ -4889,7 +4889,7 @@
               <a:buNone/>
             </a:pPr>
             <a:r>
-              <a:rPr lang="pl" sz="3200" b="0" i="0" u="none" baseline="0">
+              <a:rPr lang="pl" sz="3200" b="0" i="0" u="sng" strike="noStrike" cap="none" baseline="0" dirty="0">
                 <a:solidFill>
                   <a:srgbClr val="FFFF00"/>
                 </a:solidFill>
@@ -4899,11 +4899,24 @@
                 <a:sym typeface="Cabin"/>
                 <a:hlinkClick r:id="rId3"/>
               </a:rPr>
-              <a:t>www.py4e.com</a:t>
+              <a:t>www.py4e.</a:t>
+            </a:r>
+            <a:r>
+              <a:rPr lang="en-US" sz="3200" b="0" i="0" u="sng" strike="noStrike" cap="none" baseline="0">
+                <a:solidFill>
+                  <a:srgbClr val="FFFF00"/>
+                </a:solidFill>
+                <a:latin typeface="Arial" charset="0"/>
+                <a:ea typeface="Arial" charset="0"/>
+                <a:cs typeface="Arial" charset="0"/>
+                <a:sym typeface="Cabin"/>
+                <a:hlinkClick r:id="rId3"/>
+              </a:rPr>
+              <a:t>pl</a:t>
             </a:r>
             <a:endParaRPr lang="pl" sz="3200" u="sng" strike="noStrike" cap="none" dirty="0">
               <a:solidFill>
-                <a:schemeClr val="hlink"/>
+                <a:srgbClr val="FFFF00"/>
               </a:solidFill>
               <a:latin typeface="Arial" charset="0"/>
               <a:ea typeface="Arial" charset="0"/>
@@ -5190,14 +5203,26 @@
             <a:r>
               <a:rPr lang="pl" sz="3600" b="0" i="0" u="none" strike="noStrike" cap="none" baseline="0" dirty="0">
                 <a:solidFill>
-                  <a:schemeClr val="lt1"/>
+                  <a:srgbClr val="FF40FF"/>
                 </a:solidFill>
                 <a:latin typeface="Arial" charset="0"/>
                 <a:ea typeface="Arial" charset="0"/>
                 <a:cs typeface="Arial" charset="0"/>
                 <a:sym typeface="Cabin"/>
               </a:rPr>
-              <a:t>() i funkcji </a:t>
+              <a:t>()</a:t>
+            </a:r>
+            <a:r>
+              <a:rPr lang="pl" sz="3600" b="0" i="0" u="none" strike="noStrike" cap="none" baseline="0" dirty="0">
+                <a:solidFill>
+                  <a:schemeClr val="lt1"/>
+                </a:solidFill>
+                <a:latin typeface="Arial" charset="0"/>
+                <a:ea typeface="Arial" charset="0"/>
+                <a:cs typeface="Arial" charset="0"/>
+                <a:sym typeface="Cabin"/>
+              </a:rPr>
+              <a:t> i funkcji </a:t>
             </a:r>
             <a:r>
               <a:rPr lang="pl" sz="3600" b="0" i="0" u="none" strike="noStrike" cap="none" baseline="0" dirty="0">
@@ -5831,6 +5856,18 @@
                 <a:sym typeface="Cabin"/>
               </a:rPr>
               <a:t>sorted</a:t>
+            </a:r>
+            <a:r>
+              <a:rPr lang="en-US" b="0" i="0" u="none" baseline="0" dirty="0">
+                <a:solidFill>
+                  <a:srgbClr val="FF00FF"/>
+                </a:solidFill>
+                <a:latin typeface="Arial" charset="0"/>
+                <a:ea typeface="Arial" charset="0"/>
+                <a:cs typeface="Arial" charset="0"/>
+                <a:sym typeface="Cabin"/>
+              </a:rPr>
+              <a:t>()</a:t>
             </a:r>
             <a:r>
               <a:rPr lang="pl" b="0" i="0" u="none" baseline="0" dirty="0">
@@ -10302,8 +10339,85 @@
                   <a:srgbClr val="FFFFFF"/>
                 </a:solidFill>
               </a:rPr>
-              <a:t>Autorstwo pierwszej wersji: Charles Severance, University of Michigan School of Information</a:t>
-            </a:r>
+              <a:t>Autorstwo pierwszej wersji: Charles Severance, </a:t>
+            </a:r>
+            <a:br>
+              <a:rPr lang="en-US" sz="1800" b="0" i="0" u="none" baseline="0" dirty="0">
+                <a:solidFill>
+                  <a:srgbClr val="FFFFFF"/>
+                </a:solidFill>
+              </a:rPr>
+            </a:br>
+            <a:r>
+              <a:rPr lang="pl" sz="1800" b="0" i="0" u="none" baseline="0" dirty="0">
+                <a:solidFill>
+                  <a:srgbClr val="FFFFFF"/>
+                </a:solidFill>
+              </a:rPr>
+              <a:t>University of Michigan School of Information</a:t>
+            </a:r>
+            <a:endParaRPr lang="en-US" sz="1800" b="0" i="0" u="none" baseline="0" dirty="0">
+              <a:solidFill>
+                <a:srgbClr val="FFFFFF"/>
+              </a:solidFill>
+            </a:endParaRPr>
+          </a:p>
+          <a:p>
+            <a:pPr lvl="0" algn="l" rtl="0">
+              <a:spcBef>
+                <a:spcPts val="0"/>
+              </a:spcBef>
+              <a:buNone/>
+            </a:pPr>
+            <a:endParaRPr lang="en-US" sz="1800" dirty="0">
+              <a:solidFill>
+                <a:srgbClr val="FFFFFF"/>
+              </a:solidFill>
+            </a:endParaRPr>
+          </a:p>
+          <a:p>
+            <a:pPr lvl="0" algn="l" rtl="0">
+              <a:spcBef>
+                <a:spcPts val="0"/>
+              </a:spcBef>
+              <a:buNone/>
+            </a:pPr>
+            <a:r>
+              <a:rPr lang="pl-PL" sz="1800" dirty="0">
+                <a:solidFill>
+                  <a:srgbClr val="FFFFFF"/>
+                </a:solidFill>
+              </a:rPr>
+              <a:t>Polska wersja powstała z inicjatywy Wydziału Matematyki </a:t>
+            </a:r>
+            <a:br>
+              <a:rPr lang="en-US" sz="1800" dirty="0">
+                <a:solidFill>
+                  <a:srgbClr val="FFFFFF"/>
+                </a:solidFill>
+              </a:rPr>
+            </a:br>
+            <a:r>
+              <a:rPr lang="pl-PL" sz="1800" dirty="0">
+                <a:solidFill>
+                  <a:srgbClr val="FFFFFF"/>
+                </a:solidFill>
+              </a:rPr>
+              <a:t>i Informatyki Uniwersytetu im. </a:t>
+            </a:r>
+            <a:r>
+              <a:rPr lang="pl-PL" sz="1800">
+                <a:solidFill>
+                  <a:srgbClr val="FFFFFF"/>
+                </a:solidFill>
+              </a:rPr>
+              <a:t>Adama Mickiewicza w Poznaniu</a:t>
+            </a:r>
+            <a:endParaRPr lang="pl" sz="1800" b="0" i="0" u="none" baseline="0" dirty="0">
+              <a:solidFill>
+                <a:srgbClr val="FFFFFF"/>
+              </a:solidFill>
+            </a:endParaRPr>
           </a:p>
           <a:p>
             <a:pPr lvl="0" algn="l" rtl="0">
@@ -10331,23 +10445,7 @@
                   <a:srgbClr val="FFFFFF"/>
                 </a:solidFill>
               </a:rPr>
-              <a:t>Tłumaczenie</a:t>
-            </a:r>
-            <a:r>
-              <a:rPr lang="pl" sz="1800" b="0" i="0" u="none" baseline="0">
-                <a:solidFill>
-                  <a:srgbClr val="FFFFFF"/>
-                </a:solidFill>
-              </a:rPr>
-              <a:t>: Agata i Krzysztof Wierzbiccy</a:t>
-            </a:r>
-            <a:r>
-              <a:rPr lang="pl" sz="1800" b="0" i="0" u="none" baseline="0" dirty="0">
-                <a:solidFill>
-                  <a:srgbClr val="FFFFFF"/>
-                </a:solidFill>
-              </a:rPr>
-              <a:t>, EnglishT.eu </a:t>
+              <a:t>Tłumaczenie: Agata i Krzysztof Wierzbiccy, EnglishT.eu </a:t>
             </a:r>
           </a:p>
           <a:p>
@@ -13238,7 +13336,7 @@
               <a:buNone/>
             </a:pPr>
             <a:r>
-              <a:rPr lang="pl" sz="3000" b="0" i="0" u="none" strike="noStrike" cap="none" baseline="0">
+              <a:rPr lang="pl" sz="3000" b="0" i="0" u="none" strike="noStrike" cap="none" baseline="0" dirty="0">
                 <a:solidFill>
                   <a:schemeClr val="lt1"/>
                 </a:solidFill>
@@ -13250,7 +13348,7 @@
               <a:t>&gt;&gt;&gt; </a:t>
             </a:r>
             <a:r>
-              <a:rPr lang="pl" sz="3000" b="0" i="0" u="none" strike="noStrike" cap="none" baseline="0">
+              <a:rPr lang="pl" sz="3000" b="0" i="0" u="none" strike="noStrike" cap="none" baseline="0" dirty="0">
                 <a:solidFill>
                   <a:srgbClr val="00FF00"/>
                 </a:solidFill>
@@ -13262,7 +13360,7 @@
               <a:t>l</a:t>
             </a:r>
             <a:r>
-              <a:rPr lang="pl" sz="3000" b="0" i="0" u="none" strike="noStrike" cap="none" baseline="0">
+              <a:rPr lang="pl" sz="3000" b="0" i="0" u="none" strike="noStrike" cap="none" baseline="0" dirty="0">
                 <a:solidFill>
                   <a:schemeClr val="lt1"/>
                 </a:solidFill>
@@ -13274,7 +13372,7 @@
               <a:t> = </a:t>
             </a:r>
             <a:r>
-              <a:rPr lang="pl" sz="3000" b="0" i="0" u="none" strike="noStrike" cap="none" baseline="0">
+              <a:rPr lang="pl" sz="3000" b="0" i="0" u="none" strike="noStrike" cap="none" baseline="0" dirty="0">
                 <a:solidFill>
                   <a:srgbClr val="FF00FF"/>
                 </a:solidFill>
@@ -13286,7 +13384,7 @@
               <a:t>list</a:t>
             </a:r>
             <a:r>
-              <a:rPr lang="pl" sz="3000" b="0" i="0" u="none" strike="noStrike" cap="none" baseline="0">
+              <a:rPr lang="pl" sz="3000" b="0" i="0" u="none" strike="noStrike" cap="none" baseline="0" dirty="0">
                 <a:solidFill>
                   <a:schemeClr val="lt1"/>
                 </a:solidFill>
@@ -13317,7 +13415,7 @@
               <a:buNone/>
             </a:pPr>
             <a:r>
-              <a:rPr lang="pl" sz="3000" b="0" i="0" u="none" strike="noStrike" cap="none" baseline="0">
+              <a:rPr lang="pl" sz="3000" b="0" i="0" u="none" strike="noStrike" cap="none" baseline="0" dirty="0">
                 <a:solidFill>
                   <a:schemeClr val="lt1"/>
                 </a:solidFill>
@@ -13329,7 +13427,7 @@
               <a:t>&gt;&gt;&gt; </a:t>
             </a:r>
             <a:r>
-              <a:rPr lang="pl" sz="3000" b="0" i="0" u="none" strike="noStrike" cap="none" baseline="0">
+              <a:rPr lang="pl" sz="3000" b="0" i="0" u="none" strike="noStrike" cap="none" baseline="0" dirty="0">
                 <a:solidFill>
                   <a:srgbClr val="FF00FF"/>
                 </a:solidFill>
@@ -13341,7 +13439,7 @@
               <a:t>dir</a:t>
             </a:r>
             <a:r>
-              <a:rPr lang="pl" sz="3000" b="0" i="0" u="none" strike="noStrike" cap="none" baseline="0">
+              <a:rPr lang="pl" sz="3000" b="0" i="0" u="none" strike="noStrike" cap="none" baseline="0" dirty="0">
                 <a:solidFill>
                   <a:schemeClr val="lt1"/>
                 </a:solidFill>
@@ -13353,7 +13451,7 @@
               <a:t>(</a:t>
             </a:r>
             <a:r>
-              <a:rPr lang="pl" sz="3000" b="0" i="0" u="none" strike="noStrike" cap="none" baseline="0">
+              <a:rPr lang="pl" sz="3000" b="0" i="0" u="none" strike="noStrike" cap="none" baseline="0" dirty="0">
                 <a:solidFill>
                   <a:srgbClr val="00FF00"/>
                 </a:solidFill>
@@ -13365,7 +13463,7 @@
               <a:t>l</a:t>
             </a:r>
             <a:r>
-              <a:rPr lang="pl" sz="3000" b="0" i="0" u="none" strike="noStrike" cap="none" baseline="0">
+              <a:rPr lang="pl" sz="3000" b="0" i="0" u="none" strike="noStrike" cap="none" baseline="0" dirty="0">
                 <a:solidFill>
                   <a:schemeClr val="lt1"/>
                 </a:solidFill>
@@ -13396,16 +13494,40 @@
               <a:buNone/>
             </a:pPr>
             <a:r>
-              <a:rPr lang="pl" sz="3000" b="0" i="0" u="none" strike="noStrike" cap="none" baseline="0">
-                <a:solidFill>
-                  <a:schemeClr val="lt1"/>
-                </a:solidFill>
-                <a:latin typeface="Courier"/>
-                <a:ea typeface="Courier New"/>
-                <a:cs typeface="Courier"/>
-                <a:sym typeface="Courier New"/>
-              </a:rPr>
-              <a:t>['append', 'count', 'extend', 'index', 'insert', 'pop', 'remove', 'reverse', 'sort']</a:t>
+              <a:rPr lang="pl" sz="3000" b="0" i="0" u="none" strike="noStrike" cap="none" baseline="0" dirty="0">
+                <a:solidFill>
+                  <a:schemeClr val="lt1"/>
+                </a:solidFill>
+                <a:latin typeface="Courier"/>
+                <a:ea typeface="Courier New"/>
+                <a:cs typeface="Courier"/>
+                <a:sym typeface="Courier New"/>
+              </a:rPr>
+              <a:t>[</a:t>
+            </a:r>
+            <a:r>
+              <a:rPr lang="en-US" sz="3000" b="0" i="0" u="none" strike="noStrike" cap="none" baseline="0" dirty="0">
+                <a:solidFill>
+                  <a:schemeClr val="lt1"/>
+                </a:solidFill>
+                <a:latin typeface="Courier"/>
+                <a:ea typeface="Courier New"/>
+                <a:cs typeface="Courier"/>
+                <a:sym typeface="Courier New"/>
+              </a:rPr>
+              <a:t>(...), </a:t>
+            </a:r>
+            <a:r>
+              <a:rPr lang="pl" sz="3000" b="0" i="0" u="none" strike="noStrike" cap="none" baseline="0" dirty="0">
+                <a:solidFill>
+                  <a:schemeClr val="lt1"/>
+                </a:solidFill>
+                <a:latin typeface="Courier"/>
+                <a:ea typeface="Courier New"/>
+                <a:cs typeface="Courier"/>
+                <a:sym typeface="Courier New"/>
+              </a:rPr>
+              <a:t>'append', 'count', 'extend', 'index', 'insert', 'pop', 'remove', 'reverse', 'sort']</a:t>
             </a:r>
           </a:p>
           <a:p>
@@ -13454,7 +13576,7 @@
               <a:buNone/>
             </a:pPr>
             <a:r>
-              <a:rPr lang="pl" sz="3000" b="0" i="0" u="none" strike="noStrike" cap="none" baseline="0">
+              <a:rPr lang="pl" sz="3000" b="0" i="0" u="none" strike="noStrike" cap="none" baseline="0" dirty="0">
                 <a:solidFill>
                   <a:schemeClr val="lt1"/>
                 </a:solidFill>
@@ -13466,7 +13588,7 @@
               <a:t>&gt;&gt;&gt; </a:t>
             </a:r>
             <a:r>
-              <a:rPr lang="pl" sz="3000" b="0" i="0" u="none" strike="noStrike" cap="none" baseline="0">
+              <a:rPr lang="pl" sz="3000" b="0" i="0" u="none" strike="noStrike" cap="none" baseline="0" dirty="0">
                 <a:solidFill>
                   <a:srgbClr val="00FF00"/>
                 </a:solidFill>
@@ -13478,7 +13600,7 @@
               <a:t>t</a:t>
             </a:r>
             <a:r>
-              <a:rPr lang="pl" sz="3000" b="0" i="0" u="none" strike="noStrike" cap="none" baseline="0">
+              <a:rPr lang="pl" sz="3000" b="0" i="0" u="none" strike="noStrike" cap="none" baseline="0" dirty="0">
                 <a:solidFill>
                   <a:schemeClr val="lt1"/>
                 </a:solidFill>
@@ -13490,7 +13612,7 @@
               <a:t> = </a:t>
             </a:r>
             <a:r>
-              <a:rPr lang="pl" sz="3000" b="0" i="0" u="none" strike="noStrike" cap="none" baseline="0">
+              <a:rPr lang="pl" sz="3000" b="0" i="0" u="none" strike="noStrike" cap="none" baseline="0" dirty="0">
                 <a:solidFill>
                   <a:srgbClr val="FF00FF"/>
                 </a:solidFill>
@@ -13502,7 +13624,7 @@
               <a:t>tuple</a:t>
             </a:r>
             <a:r>
-              <a:rPr lang="pl" sz="3000" b="0" i="0" u="none" strike="noStrike" cap="none" baseline="0">
+              <a:rPr lang="pl" sz="3000" b="0" i="0" u="none" strike="noStrike" cap="none" baseline="0" dirty="0">
                 <a:solidFill>
                   <a:schemeClr val="lt1"/>
                 </a:solidFill>
@@ -13533,7 +13655,7 @@
               <a:buNone/>
             </a:pPr>
             <a:r>
-              <a:rPr lang="pl" sz="3000" b="0" i="0" u="none" strike="noStrike" cap="none" baseline="0">
+              <a:rPr lang="pl" sz="3000" b="0" i="0" u="none" strike="noStrike" cap="none" baseline="0" dirty="0">
                 <a:solidFill>
                   <a:schemeClr val="lt1"/>
                 </a:solidFill>
@@ -13545,7 +13667,7 @@
               <a:t>&gt;&gt;&gt; </a:t>
             </a:r>
             <a:r>
-              <a:rPr lang="pl" sz="3000" b="0" i="0" u="none" strike="noStrike" cap="none" baseline="0">
+              <a:rPr lang="pl" sz="3000" b="0" i="0" u="none" strike="noStrike" cap="none" baseline="0" dirty="0">
                 <a:solidFill>
                   <a:srgbClr val="FF00FF"/>
                 </a:solidFill>
@@ -13557,7 +13679,7 @@
               <a:t>dir</a:t>
             </a:r>
             <a:r>
-              <a:rPr lang="pl" sz="3000" b="0" i="0" u="none" strike="noStrike" cap="none" baseline="0">
+              <a:rPr lang="pl" sz="3000" b="0" i="0" u="none" strike="noStrike" cap="none" baseline="0" dirty="0">
                 <a:solidFill>
                   <a:schemeClr val="lt1"/>
                 </a:solidFill>
@@ -13569,7 +13691,7 @@
               <a:t>(</a:t>
             </a:r>
             <a:r>
-              <a:rPr lang="pl" sz="3000" b="0" i="0" u="none" strike="noStrike" cap="none" baseline="0">
+              <a:rPr lang="pl" sz="3000" b="0" i="0" u="none" strike="noStrike" cap="none" baseline="0" dirty="0">
                 <a:solidFill>
                   <a:srgbClr val="00FF00"/>
                 </a:solidFill>
@@ -13581,7 +13703,7 @@
               <a:t>t</a:t>
             </a:r>
             <a:r>
-              <a:rPr lang="pl" sz="3000" b="0" i="0" u="none" strike="noStrike" cap="none" baseline="0">
+              <a:rPr lang="pl" sz="3000" b="0" i="0" u="none" strike="noStrike" cap="none" baseline="0" dirty="0">
                 <a:solidFill>
                   <a:schemeClr val="lt1"/>
                 </a:solidFill>
@@ -13612,16 +13734,40 @@
               <a:buNone/>
             </a:pPr>
             <a:r>
-              <a:rPr lang="pl" sz="3000" b="0" i="0" u="none" strike="noStrike" cap="none" baseline="0">
-                <a:solidFill>
-                  <a:schemeClr val="lt1"/>
-                </a:solidFill>
-                <a:latin typeface="Courier"/>
-                <a:ea typeface="Courier New"/>
-                <a:cs typeface="Courier"/>
-                <a:sym typeface="Courier New"/>
-              </a:rPr>
-              <a:t>['count', 'index']</a:t>
+              <a:rPr lang="pl" sz="3000" b="0" i="0" u="none" strike="noStrike" cap="none" baseline="0" dirty="0">
+                <a:solidFill>
+                  <a:schemeClr val="lt1"/>
+                </a:solidFill>
+                <a:latin typeface="Courier"/>
+                <a:ea typeface="Courier New"/>
+                <a:cs typeface="Courier"/>
+                <a:sym typeface="Courier New"/>
+              </a:rPr>
+              <a:t>[</a:t>
+            </a:r>
+            <a:r>
+              <a:rPr lang="en-US" sz="3000" b="0" i="0" u="none" strike="noStrike" cap="none" baseline="0" dirty="0">
+                <a:solidFill>
+                  <a:schemeClr val="lt1"/>
+                </a:solidFill>
+                <a:latin typeface="Courier"/>
+                <a:ea typeface="Courier New"/>
+                <a:cs typeface="Courier"/>
+                <a:sym typeface="Courier New"/>
+              </a:rPr>
+              <a:t>(...), </a:t>
+            </a:r>
+            <a:r>
+              <a:rPr lang="pl" sz="3000" b="0" i="0" u="none" strike="noStrike" cap="none" baseline="0" dirty="0">
+                <a:solidFill>
+                  <a:schemeClr val="lt1"/>
+                </a:solidFill>
+                <a:latin typeface="Courier"/>
+                <a:ea typeface="Courier New"/>
+                <a:cs typeface="Courier"/>
+                <a:sym typeface="Courier New"/>
+              </a:rPr>
+              <a:t>'count', 'index']</a:t>
             </a:r>
           </a:p>
         </p:txBody>
